--- a/frontend/프론트목업.pptx
+++ b/frontend/프론트목업.pptx
@@ -5,11 +5,11 @@
     <p:sldMasterId id="2147483672" r:id="rId1"/>
   </p:sldMasterIdLst>
   <p:sldIdLst>
-    <p:sldId id="257" r:id="rId2"/>
-    <p:sldId id="258" r:id="rId3"/>
-    <p:sldId id="259" r:id="rId4"/>
-    <p:sldId id="264" r:id="rId5"/>
-    <p:sldId id="266" r:id="rId6"/>
+    <p:sldId id="264" r:id="rId2"/>
+    <p:sldId id="266" r:id="rId3"/>
+    <p:sldId id="257" r:id="rId4"/>
+    <p:sldId id="258" r:id="rId5"/>
+    <p:sldId id="259" r:id="rId6"/>
     <p:sldId id="265" r:id="rId7"/>
     <p:sldId id="263" r:id="rId8"/>
     <p:sldId id="262" r:id="rId9"/>
@@ -122,6 +122,11 @@
       </a:defRPr>
     </a:lvl9pPr>
   </p:defaultTextStyle>
+  <p:extLst>
+    <p:ext uri="{EFAFB233-063F-42B5-8137-9DF3F51BA10A}">
+      <p15:sldGuideLst xmlns:p15="http://schemas.microsoft.com/office/powerpoint/2012/main"/>
+    </p:ext>
+  </p:extLst>
 </p:presentation>
 </file>
 
@@ -256,7 +261,7 @@
           <a:p>
             <a:fld id="{8ADA5018-6767-4E3A-8F85-C154FA34D86E}" type="datetimeFigureOut">
               <a:rPr lang="ko-KR" altLang="en-US" smtClean="0"/>
-              <a:t>2023-01-17</a:t>
+              <a:t>2023-01-18</a:t>
             </a:fld>
             <a:endParaRPr lang="ko-KR" altLang="en-US"/>
           </a:p>
@@ -426,7 +431,7 @@
           <a:p>
             <a:fld id="{8ADA5018-6767-4E3A-8F85-C154FA34D86E}" type="datetimeFigureOut">
               <a:rPr lang="ko-KR" altLang="en-US" smtClean="0"/>
-              <a:t>2023-01-17</a:t>
+              <a:t>2023-01-18</a:t>
             </a:fld>
             <a:endParaRPr lang="ko-KR" altLang="en-US"/>
           </a:p>
@@ -606,7 +611,7 @@
           <a:p>
             <a:fld id="{8ADA5018-6767-4E3A-8F85-C154FA34D86E}" type="datetimeFigureOut">
               <a:rPr lang="ko-KR" altLang="en-US" smtClean="0"/>
-              <a:t>2023-01-17</a:t>
+              <a:t>2023-01-18</a:t>
             </a:fld>
             <a:endParaRPr lang="ko-KR" altLang="en-US"/>
           </a:p>
@@ -776,7 +781,7 @@
           <a:p>
             <a:fld id="{8ADA5018-6767-4E3A-8F85-C154FA34D86E}" type="datetimeFigureOut">
               <a:rPr lang="ko-KR" altLang="en-US" smtClean="0"/>
-              <a:t>2023-01-17</a:t>
+              <a:t>2023-01-18</a:t>
             </a:fld>
             <a:endParaRPr lang="ko-KR" altLang="en-US"/>
           </a:p>
@@ -1022,7 +1027,7 @@
           <a:p>
             <a:fld id="{8ADA5018-6767-4E3A-8F85-C154FA34D86E}" type="datetimeFigureOut">
               <a:rPr lang="ko-KR" altLang="en-US" smtClean="0"/>
-              <a:t>2023-01-17</a:t>
+              <a:t>2023-01-18</a:t>
             </a:fld>
             <a:endParaRPr lang="ko-KR" altLang="en-US"/>
           </a:p>
@@ -1254,7 +1259,7 @@
           <a:p>
             <a:fld id="{8ADA5018-6767-4E3A-8F85-C154FA34D86E}" type="datetimeFigureOut">
               <a:rPr lang="ko-KR" altLang="en-US" smtClean="0"/>
-              <a:t>2023-01-17</a:t>
+              <a:t>2023-01-18</a:t>
             </a:fld>
             <a:endParaRPr lang="ko-KR" altLang="en-US"/>
           </a:p>
@@ -1621,7 +1626,7 @@
           <a:p>
             <a:fld id="{8ADA5018-6767-4E3A-8F85-C154FA34D86E}" type="datetimeFigureOut">
               <a:rPr lang="ko-KR" altLang="en-US" smtClean="0"/>
-              <a:t>2023-01-17</a:t>
+              <a:t>2023-01-18</a:t>
             </a:fld>
             <a:endParaRPr lang="ko-KR" altLang="en-US"/>
           </a:p>
@@ -1739,7 +1744,7 @@
           <a:p>
             <a:fld id="{8ADA5018-6767-4E3A-8F85-C154FA34D86E}" type="datetimeFigureOut">
               <a:rPr lang="ko-KR" altLang="en-US" smtClean="0"/>
-              <a:t>2023-01-17</a:t>
+              <a:t>2023-01-18</a:t>
             </a:fld>
             <a:endParaRPr lang="ko-KR" altLang="en-US"/>
           </a:p>
@@ -1834,7 +1839,7 @@
           <a:p>
             <a:fld id="{8ADA5018-6767-4E3A-8F85-C154FA34D86E}" type="datetimeFigureOut">
               <a:rPr lang="ko-KR" altLang="en-US" smtClean="0"/>
-              <a:t>2023-01-17</a:t>
+              <a:t>2023-01-18</a:t>
             </a:fld>
             <a:endParaRPr lang="ko-KR" altLang="en-US"/>
           </a:p>
@@ -2111,7 +2116,7 @@
           <a:p>
             <a:fld id="{8ADA5018-6767-4E3A-8F85-C154FA34D86E}" type="datetimeFigureOut">
               <a:rPr lang="ko-KR" altLang="en-US" smtClean="0"/>
-              <a:t>2023-01-17</a:t>
+              <a:t>2023-01-18</a:t>
             </a:fld>
             <a:endParaRPr lang="ko-KR" altLang="en-US"/>
           </a:p>
@@ -2368,7 +2373,7 @@
           <a:p>
             <a:fld id="{8ADA5018-6767-4E3A-8F85-C154FA34D86E}" type="datetimeFigureOut">
               <a:rPr lang="ko-KR" altLang="en-US" smtClean="0"/>
-              <a:t>2023-01-17</a:t>
+              <a:t>2023-01-18</a:t>
             </a:fld>
             <a:endParaRPr lang="ko-KR" altLang="en-US"/>
           </a:p>
@@ -2581,7 +2586,7 @@
           <a:p>
             <a:fld id="{8ADA5018-6767-4E3A-8F85-C154FA34D86E}" type="datetimeFigureOut">
               <a:rPr lang="ko-KR" altLang="en-US" smtClean="0"/>
-              <a:t>2023-01-17</a:t>
+              <a:t>2023-01-18</a:t>
             </a:fld>
             <a:endParaRPr lang="ko-KR" altLang="en-US"/>
           </a:p>
@@ -2995,7 +3000,7 @@
         <p:spPr>
           <a:xfrm>
             <a:off x="361963" y="315410"/>
-            <a:ext cx="4321307" cy="369332"/>
+            <a:ext cx="8406116" cy="369332"/>
           </a:xfrm>
           <a:prstGeom prst="rect">
             <a:avLst/>
@@ -3009,99 +3014,78 @@
           <a:lstStyle/>
           <a:p>
             <a:r>
-              <a:rPr lang="ko-KR" altLang="en-US">
+              <a:rPr lang="ko-KR" altLang="en-US" smtClean="0">
                 <a:latin typeface="+mj-ea"/>
                 <a:ea typeface="+mj-ea"/>
               </a:rPr>
-              <a:t>마이페이지 </a:t>
+              <a:t>메인화면 </a:t>
             </a:r>
             <a:r>
               <a:rPr lang="en-US" altLang="ko-KR" smtClean="0">
                 <a:latin typeface="+mj-ea"/>
                 <a:ea typeface="+mj-ea"/>
               </a:rPr>
-              <a:t>MyPage &gt;</a:t>
-            </a:r>
-            <a:endParaRPr lang="ko-KR" altLang="en-US">
-              <a:latin typeface="+mj-ea"/>
-              <a:ea typeface="+mj-ea"/>
-            </a:endParaRPr>
-          </a:p>
-        </p:txBody>
-      </p:sp>
-      <p:sp>
-        <p:nvSpPr>
-          <p:cNvPr id="5" name="TextBox 4"/>
-          <p:cNvSpPr txBox="1"/>
-          <p:nvPr/>
-        </p:nvSpPr>
-        <p:spPr>
-          <a:xfrm>
-            <a:off x="4977087" y="3330832"/>
-            <a:ext cx="3106689" cy="1246495"/>
-          </a:xfrm>
-          <a:prstGeom prst="rect">
-            <a:avLst/>
-          </a:prstGeom>
-          <a:noFill/>
-        </p:spPr>
-        <p:txBody>
-          <a:bodyPr wrap="square" rtlCol="0">
-            <a:spAutoFit/>
-          </a:bodyPr>
-          <a:lstStyle/>
-          <a:p>
-            <a:pPr>
-              <a:lnSpc>
-                <a:spcPct val="150000"/>
-              </a:lnSpc>
-            </a:pPr>
-            <a:r>
-              <a:rPr lang="ko-KR" altLang="en-US" sz="2500" smtClean="0">
+              <a:t>Main</a:t>
+            </a:r>
+            <a:r>
+              <a:rPr lang="ko-KR" altLang="en-US" smtClean="0">
                 <a:latin typeface="+mj-ea"/>
                 <a:ea typeface="+mj-ea"/>
               </a:rPr>
-              <a:t>난이도 설정하기</a:t>
-            </a:r>
-            <a:endParaRPr lang="en-US" altLang="ko-KR" sz="2500" smtClean="0">
-              <a:latin typeface="+mj-ea"/>
-              <a:ea typeface="+mj-ea"/>
-            </a:endParaRPr>
-          </a:p>
-          <a:p>
-            <a:pPr>
-              <a:lnSpc>
-                <a:spcPct val="150000"/>
-              </a:lnSpc>
-            </a:pPr>
-            <a:r>
-              <a:rPr lang="ko-KR" altLang="en-US" sz="2500" smtClean="0">
+              <a:t> </a:t>
+            </a:r>
+            <a:r>
+              <a:rPr lang="en-US" altLang="ko-KR" smtClean="0">
                 <a:latin typeface="+mj-ea"/>
                 <a:ea typeface="+mj-ea"/>
               </a:rPr>
-              <a:t>나의 학습기록</a:t>
-            </a:r>
-            <a:endParaRPr lang="en-US" altLang="ko-KR" sz="2500" smtClean="0">
-              <a:latin typeface="+mj-ea"/>
-              <a:ea typeface="+mj-ea"/>
-            </a:endParaRPr>
-          </a:p>
-        </p:txBody>
-      </p:sp>
-      <p:sp>
-        <p:nvSpPr>
-          <p:cNvPr id="9" name="타원 8"/>
-          <p:cNvSpPr>
-            <a:spLocks noChangeAspect="1"/>
-          </p:cNvSpPr>
-          <p:nvPr/>
-        </p:nvSpPr>
-        <p:spPr>
-          <a:xfrm>
-            <a:off x="1679825" y="1962607"/>
-            <a:ext cx="3003445" cy="3003445"/>
-          </a:xfrm>
-          <a:prstGeom prst="ellipse">
+              <a:t>&gt;</a:t>
+            </a:r>
+          </a:p>
+        </p:txBody>
+      </p:sp>
+      <p:cxnSp>
+        <p:nvCxnSpPr>
+          <p:cNvPr id="22" name="직선 연결선 21"/>
+          <p:cNvCxnSpPr/>
+          <p:nvPr/>
+        </p:nvCxnSpPr>
+        <p:spPr>
+          <a:xfrm>
+            <a:off x="359629" y="5857325"/>
+            <a:ext cx="11486931" cy="25315"/>
+          </a:xfrm>
+          <a:prstGeom prst="line">
+            <a:avLst/>
+          </a:prstGeom>
+        </p:spPr>
+        <p:style>
+          <a:lnRef idx="1">
+            <a:schemeClr val="accent1"/>
+          </a:lnRef>
+          <a:fillRef idx="0">
+            <a:schemeClr val="accent1"/>
+          </a:fillRef>
+          <a:effectRef idx="0">
+            <a:schemeClr val="accent1"/>
+          </a:effectRef>
+          <a:fontRef idx="minor">
+            <a:schemeClr val="tx1"/>
+          </a:fontRef>
+        </p:style>
+      </p:cxnSp>
+      <p:sp>
+        <p:nvSpPr>
+          <p:cNvPr id="23" name="직사각형 22"/>
+          <p:cNvSpPr/>
+          <p:nvPr/>
+        </p:nvSpPr>
+        <p:spPr>
+          <a:xfrm>
+            <a:off x="5279615" y="6032462"/>
+            <a:ext cx="1625601" cy="430887"/>
+          </a:xfrm>
+          <a:prstGeom prst="rect">
             <a:avLst/>
           </a:prstGeom>
         </p:spPr>
@@ -3122,107 +3106,32 @@
           </a:fontRef>
         </p:style>
         <p:txBody>
-          <a:bodyPr rot="0" spcFirstLastPara="0" vertOverflow="overflow" horzOverflow="overflow" vert="horz" wrap="square" lIns="28932" tIns="14466" rIns="28932" bIns="14466" numCol="1" spcCol="0" rtlCol="0" fromWordArt="0" anchor="ctr" anchorCtr="0" forceAA="0" compatLnSpc="1">
-            <a:prstTxWarp prst="textNoShape">
-              <a:avLst/>
-            </a:prstTxWarp>
-            <a:noAutofit/>
-          </a:bodyPr>
+          <a:bodyPr rtlCol="0" anchor="ctr"/>
           <a:lstStyle/>
           <a:p>
             <a:pPr algn="ctr"/>
-            <a:endParaRPr lang="ko-KR" altLang="en-US" sz="570"/>
-          </a:p>
-        </p:txBody>
-      </p:sp>
-      <p:sp>
-        <p:nvSpPr>
-          <p:cNvPr id="11" name="TextBox 10"/>
-          <p:cNvSpPr txBox="1"/>
-          <p:nvPr/>
-        </p:nvSpPr>
-        <p:spPr>
-          <a:xfrm>
-            <a:off x="4977087" y="2473124"/>
-            <a:ext cx="5297256" cy="707886"/>
-          </a:xfrm>
-          <a:prstGeom prst="rect">
-            <a:avLst/>
-          </a:prstGeom>
-          <a:noFill/>
-        </p:spPr>
-        <p:txBody>
-          <a:bodyPr wrap="square" rtlCol="0">
-            <a:spAutoFit/>
-          </a:bodyPr>
-          <a:lstStyle/>
-          <a:p>
-            <a:r>
-              <a:rPr lang="ko-KR" altLang="en-US" sz="4000" smtClean="0">
-                <a:latin typeface="+mj-ea"/>
-                <a:ea typeface="+mj-ea"/>
-              </a:rPr>
-              <a:t>김찰스 </a:t>
-            </a:r>
-            <a:r>
-              <a:rPr lang="en-US" altLang="ko-KR" sz="4000" smtClean="0">
-                <a:latin typeface="+mj-ea"/>
-                <a:ea typeface="+mj-ea"/>
-              </a:rPr>
-              <a:t>(</a:t>
-            </a:r>
-            <a:r>
-              <a:rPr lang="ko-KR" altLang="en-US" sz="4000" smtClean="0">
-                <a:latin typeface="+mj-ea"/>
-                <a:ea typeface="+mj-ea"/>
-              </a:rPr>
-              <a:t>만 </a:t>
-            </a:r>
-            <a:r>
-              <a:rPr lang="en-US" altLang="ko-KR" sz="4000" smtClean="0">
-                <a:latin typeface="+mj-ea"/>
-                <a:ea typeface="+mj-ea"/>
-              </a:rPr>
-              <a:t>3</a:t>
-            </a:r>
-            <a:r>
-              <a:rPr lang="ko-KR" altLang="en-US" sz="4000" smtClean="0">
-                <a:latin typeface="+mj-ea"/>
-                <a:ea typeface="+mj-ea"/>
-              </a:rPr>
-              <a:t>세</a:t>
-            </a:r>
-            <a:r>
-              <a:rPr lang="en-US" altLang="ko-KR" sz="4000" smtClean="0">
-                <a:latin typeface="+mj-ea"/>
-                <a:ea typeface="+mj-ea"/>
-              </a:rPr>
-              <a:t>)</a:t>
-            </a:r>
-            <a:endParaRPr lang="en-US" altLang="ko-KR" sz="4000">
-              <a:latin typeface="+mj-ea"/>
-              <a:ea typeface="+mj-ea"/>
-            </a:endParaRPr>
-          </a:p>
-        </p:txBody>
-      </p:sp>
-      <p:sp>
-        <p:nvSpPr>
-          <p:cNvPr id="14" name="직사각형 13"/>
+            <a:r>
+              <a:rPr lang="ko-KR" altLang="en-US" sz="1400" smtClean="0"/>
+              <a:t>뒤로가기</a:t>
+            </a:r>
+            <a:endParaRPr lang="ko-KR" altLang="en-US" sz="1400"/>
+          </a:p>
+        </p:txBody>
+      </p:sp>
+      <p:sp>
+        <p:nvSpPr>
+          <p:cNvPr id="27" name="직사각형 26"/>
           <p:cNvSpPr/>
           <p:nvPr/>
         </p:nvSpPr>
         <p:spPr>
           <a:xfrm>
-            <a:off x="7747673" y="3465408"/>
-            <a:ext cx="629920" cy="377112"/>
-          </a:xfrm>
-          <a:prstGeom prst="rect">
-            <a:avLst/>
-          </a:prstGeom>
-          <a:solidFill>
-            <a:srgbClr val="FF0000"/>
-          </a:solidFill>
+            <a:off x="3007360" y="2197766"/>
+            <a:ext cx="6008303" cy="746858"/>
+          </a:xfrm>
+          <a:prstGeom prst="rect">
+            <a:avLst/>
+          </a:prstGeom>
         </p:spPr>
         <p:style>
           <a:lnRef idx="2">
@@ -3246,23 +3155,23 @@
           <a:p>
             <a:pPr algn="ctr"/>
             <a:r>
-              <a:rPr lang="ko-KR" altLang="en-US" smtClean="0"/>
-              <a:t>상</a:t>
-            </a:r>
-            <a:endParaRPr lang="ko-KR" altLang="en-US"/>
-          </a:p>
-        </p:txBody>
-      </p:sp>
-      <p:sp>
-        <p:nvSpPr>
-          <p:cNvPr id="15" name="직사각형 14"/>
+              <a:rPr lang="ko-KR" altLang="en-US" sz="3200" smtClean="0"/>
+              <a:t>동화 선택</a:t>
+            </a:r>
+            <a:endParaRPr lang="ko-KR" altLang="en-US" sz="3200"/>
+          </a:p>
+        </p:txBody>
+      </p:sp>
+      <p:sp>
+        <p:nvSpPr>
+          <p:cNvPr id="11" name="직사각형 10"/>
           <p:cNvSpPr/>
           <p:nvPr/>
         </p:nvSpPr>
         <p:spPr>
           <a:xfrm>
-            <a:off x="9487897" y="3464300"/>
-            <a:ext cx="629920" cy="377112"/>
+            <a:off x="3007359" y="3346780"/>
+            <a:ext cx="6008303" cy="746858"/>
           </a:xfrm>
           <a:prstGeom prst="rect">
             <a:avLst/>
@@ -3290,23 +3199,23 @@
           <a:p>
             <a:pPr algn="ctr"/>
             <a:r>
-              <a:rPr lang="ko-KR" altLang="en-US" smtClean="0"/>
-              <a:t>하</a:t>
-            </a:r>
-            <a:endParaRPr lang="ko-KR" altLang="en-US"/>
-          </a:p>
-        </p:txBody>
-      </p:sp>
-      <p:sp>
-        <p:nvSpPr>
-          <p:cNvPr id="16" name="직사각형 15"/>
+              <a:rPr lang="ko-KR" altLang="en-US" sz="3200" smtClean="0"/>
+              <a:t>마이 페이지</a:t>
+            </a:r>
+            <a:endParaRPr lang="ko-KR" altLang="en-US" sz="3200"/>
+          </a:p>
+        </p:txBody>
+      </p:sp>
+      <p:sp>
+        <p:nvSpPr>
+          <p:cNvPr id="12" name="직사각형 11"/>
           <p:cNvSpPr/>
           <p:nvPr/>
         </p:nvSpPr>
         <p:spPr>
           <a:xfrm>
-            <a:off x="8617785" y="3459332"/>
-            <a:ext cx="629920" cy="377112"/>
+            <a:off x="3007360" y="4495794"/>
+            <a:ext cx="2880094" cy="746858"/>
           </a:xfrm>
           <a:prstGeom prst="rect">
             <a:avLst/>
@@ -3334,23 +3243,23 @@
           <a:p>
             <a:pPr algn="ctr"/>
             <a:r>
-              <a:rPr lang="ko-KR" altLang="en-US" smtClean="0"/>
-              <a:t>중</a:t>
-            </a:r>
-            <a:endParaRPr lang="ko-KR" altLang="en-US"/>
-          </a:p>
-        </p:txBody>
-      </p:sp>
-      <p:sp>
-        <p:nvSpPr>
-          <p:cNvPr id="18" name="직사각형 17"/>
+              <a:rPr lang="ko-KR" altLang="en-US" sz="3200" smtClean="0"/>
+              <a:t>혼자할래요</a:t>
+            </a:r>
+            <a:endParaRPr lang="ko-KR" altLang="en-US" sz="3200"/>
+          </a:p>
+        </p:txBody>
+      </p:sp>
+      <p:sp>
+        <p:nvSpPr>
+          <p:cNvPr id="13" name="직사각형 12"/>
           <p:cNvSpPr/>
           <p:nvPr/>
         </p:nvSpPr>
         <p:spPr>
           <a:xfrm>
-            <a:off x="7747673" y="4070324"/>
-            <a:ext cx="2370144" cy="377112"/>
+            <a:off x="6135568" y="4495794"/>
+            <a:ext cx="2880094" cy="746858"/>
           </a:xfrm>
           <a:prstGeom prst="rect">
             <a:avLst/>
@@ -3378,129 +3287,58 @@
           <a:p>
             <a:pPr algn="ctr"/>
             <a:r>
-              <a:rPr lang="ko-KR" altLang="en-US" smtClean="0"/>
-              <a:t>이동하기</a:t>
-            </a:r>
-            <a:endParaRPr lang="ko-KR" altLang="en-US"/>
-          </a:p>
-        </p:txBody>
-      </p:sp>
-      <p:sp>
-        <p:nvSpPr>
-          <p:cNvPr id="19" name="직사각형 18"/>
-          <p:cNvSpPr/>
-          <p:nvPr/>
-        </p:nvSpPr>
-        <p:spPr>
-          <a:xfrm>
-            <a:off x="6021295" y="6032462"/>
-            <a:ext cx="1625601" cy="430887"/>
-          </a:xfrm>
-          <a:prstGeom prst="rect">
-            <a:avLst/>
-          </a:prstGeom>
-        </p:spPr>
-        <p:style>
-          <a:lnRef idx="2">
-            <a:schemeClr val="accent1">
-              <a:shade val="50000"/>
-            </a:schemeClr>
-          </a:lnRef>
-          <a:fillRef idx="1">
-            <a:schemeClr val="accent1"/>
-          </a:fillRef>
-          <a:effectRef idx="0">
-            <a:schemeClr val="accent1"/>
-          </a:effectRef>
-          <a:fontRef idx="minor">
-            <a:schemeClr val="lt1"/>
-          </a:fontRef>
-        </p:style>
-        <p:txBody>
-          <a:bodyPr rtlCol="0" anchor="ctr"/>
-          <a:lstStyle/>
-          <a:p>
-            <a:pPr algn="ctr"/>
-            <a:r>
-              <a:rPr lang="ko-KR" altLang="en-US" sz="1400" smtClean="0"/>
-              <a:t>삭제하기</a:t>
-            </a:r>
-            <a:endParaRPr lang="ko-KR" altLang="en-US" sz="1400"/>
-          </a:p>
-        </p:txBody>
-      </p:sp>
-      <p:sp>
-        <p:nvSpPr>
-          <p:cNvPr id="20" name="직사각형 19"/>
-          <p:cNvSpPr/>
-          <p:nvPr/>
-        </p:nvSpPr>
-        <p:spPr>
-          <a:xfrm>
-            <a:off x="4692324" y="6032461"/>
-            <a:ext cx="1228221" cy="430887"/>
-          </a:xfrm>
-          <a:prstGeom prst="rect">
-            <a:avLst/>
-          </a:prstGeom>
-        </p:spPr>
-        <p:txBody>
-          <a:bodyPr wrap="none">
+              <a:rPr lang="ko-KR" altLang="en-US" sz="3200" smtClean="0"/>
+              <a:t>같이할래요</a:t>
+            </a:r>
+            <a:endParaRPr lang="ko-KR" altLang="en-US" sz="3200"/>
+          </a:p>
+        </p:txBody>
+      </p:sp>
+      <p:sp>
+        <p:nvSpPr>
+          <p:cNvPr id="15" name="TextBox 14"/>
+          <p:cNvSpPr txBox="1"/>
+          <p:nvPr/>
+        </p:nvSpPr>
+        <p:spPr>
+          <a:xfrm>
+            <a:off x="1373095" y="971894"/>
+            <a:ext cx="9438640" cy="938719"/>
+          </a:xfrm>
+          <a:prstGeom prst="rect">
+            <a:avLst/>
+          </a:prstGeom>
+          <a:noFill/>
+        </p:spPr>
+        <p:txBody>
+          <a:bodyPr wrap="square" rtlCol="0">
             <a:spAutoFit/>
           </a:bodyPr>
           <a:lstStyle/>
           <a:p>
-            <a:pPr>
+            <a:pPr algn="ctr">
               <a:lnSpc>
                 <a:spcPct val="150000"/>
               </a:lnSpc>
             </a:pPr>
             <a:r>
-              <a:rPr lang="ko-KR" altLang="en-US" sz="1600">
+              <a:rPr lang="ko-KR" altLang="en-US" sz="4000" smtClean="0">
                 <a:latin typeface="+mj-ea"/>
-              </a:rPr>
-              <a:t>프로필 삭제</a:t>
-            </a:r>
-            <a:endParaRPr lang="en-US" altLang="ko-KR" sz="1600">
+                <a:ea typeface="+mj-ea"/>
+              </a:rPr>
+              <a:t>프로그램명</a:t>
+            </a:r>
+            <a:endParaRPr lang="en-US" altLang="ko-KR" sz="2800" smtClean="0">
               <a:latin typeface="+mj-ea"/>
+              <a:ea typeface="+mj-ea"/>
             </a:endParaRPr>
           </a:p>
         </p:txBody>
       </p:sp>
-      <p:cxnSp>
-        <p:nvCxnSpPr>
-          <p:cNvPr id="22" name="직선 연결선 21"/>
-          <p:cNvCxnSpPr/>
-          <p:nvPr/>
-        </p:nvCxnSpPr>
-        <p:spPr>
-          <a:xfrm>
-            <a:off x="359629" y="5857325"/>
-            <a:ext cx="11486931" cy="25315"/>
-          </a:xfrm>
-          <a:prstGeom prst="line">
-            <a:avLst/>
-          </a:prstGeom>
-        </p:spPr>
-        <p:style>
-          <a:lnRef idx="1">
-            <a:schemeClr val="accent1"/>
-          </a:lnRef>
-          <a:fillRef idx="0">
-            <a:schemeClr val="accent1"/>
-          </a:fillRef>
-          <a:effectRef idx="0">
-            <a:schemeClr val="accent1"/>
-          </a:effectRef>
-          <a:fontRef idx="minor">
-            <a:schemeClr val="tx1"/>
-          </a:fontRef>
-        </p:style>
-      </p:cxnSp>
     </p:spTree>
     <p:extLst>
       <p:ext uri="{BB962C8B-B14F-4D97-AF65-F5344CB8AC3E}">
-        <p14:creationId xmlns:p14="http://schemas.microsoft.com/office/powerpoint/2010/main" val="985792216"/>
+        <p14:creationId xmlns:p14="http://schemas.microsoft.com/office/powerpoint/2010/main" val="1115873725"/>
       </p:ext>
     </p:extLst>
   </p:cSld>
@@ -3534,170 +3372,16 @@
           <a:chExt cx="0" cy="0"/>
         </a:xfrm>
       </p:grpSpPr>
-      <p:sp>
-        <p:nvSpPr>
-          <p:cNvPr id="4" name="TextBox 3"/>
-          <p:cNvSpPr txBox="1"/>
-          <p:nvPr/>
-        </p:nvSpPr>
-        <p:spPr>
-          <a:xfrm>
-            <a:off x="361963" y="315410"/>
-            <a:ext cx="8406116" cy="369332"/>
-          </a:xfrm>
-          <a:prstGeom prst="rect">
-            <a:avLst/>
-          </a:prstGeom>
-          <a:noFill/>
-        </p:spPr>
-        <p:txBody>
-          <a:bodyPr wrap="square" rtlCol="0">
-            <a:spAutoFit/>
-          </a:bodyPr>
-          <a:lstStyle/>
-          <a:p>
-            <a:r>
-              <a:rPr lang="ko-KR" altLang="en-US">
-                <a:latin typeface="+mj-ea"/>
-                <a:ea typeface="+mj-ea"/>
-              </a:rPr>
-              <a:t>마이페이지 </a:t>
-            </a:r>
-            <a:r>
-              <a:rPr lang="en-US" altLang="ko-KR">
-                <a:latin typeface="+mj-ea"/>
-                <a:ea typeface="+mj-ea"/>
-              </a:rPr>
-              <a:t>MyPage </a:t>
-            </a:r>
-            <a:r>
-              <a:rPr lang="en-US" altLang="ko-KR" smtClean="0">
-                <a:latin typeface="+mj-ea"/>
-                <a:ea typeface="+mj-ea"/>
-              </a:rPr>
-              <a:t>&gt; </a:t>
-            </a:r>
-            <a:r>
-              <a:rPr lang="ko-KR" altLang="en-US" smtClean="0">
-                <a:latin typeface="+mj-ea"/>
-                <a:ea typeface="+mj-ea"/>
-              </a:rPr>
-              <a:t>나의 학습기록 </a:t>
-            </a:r>
-            <a:r>
-              <a:rPr lang="en-US" altLang="ko-KR" smtClean="0">
-                <a:latin typeface="+mj-ea"/>
-                <a:ea typeface="+mj-ea"/>
-              </a:rPr>
-              <a:t>MyHistory &gt;</a:t>
-            </a:r>
-            <a:endParaRPr lang="ko-KR" altLang="en-US">
-              <a:latin typeface="+mj-ea"/>
-              <a:ea typeface="+mj-ea"/>
-            </a:endParaRPr>
-          </a:p>
-        </p:txBody>
-      </p:sp>
-      <p:sp>
-        <p:nvSpPr>
-          <p:cNvPr id="5" name="TextBox 4"/>
-          <p:cNvSpPr txBox="1"/>
-          <p:nvPr/>
-        </p:nvSpPr>
-        <p:spPr>
-          <a:xfrm>
-            <a:off x="1483360" y="961351"/>
-            <a:ext cx="9438640" cy="669414"/>
-          </a:xfrm>
-          <a:prstGeom prst="rect">
-            <a:avLst/>
-          </a:prstGeom>
-          <a:noFill/>
-        </p:spPr>
-        <p:txBody>
-          <a:bodyPr wrap="square" rtlCol="0">
-            <a:spAutoFit/>
-          </a:bodyPr>
-          <a:lstStyle/>
-          <a:p>
-            <a:pPr algn="ctr">
-              <a:lnSpc>
-                <a:spcPct val="150000"/>
-              </a:lnSpc>
-            </a:pPr>
-            <a:r>
-              <a:rPr lang="ko-KR" altLang="en-US" sz="2500" smtClean="0">
-                <a:latin typeface="+mj-ea"/>
-                <a:ea typeface="+mj-ea"/>
-              </a:rPr>
-              <a:t>학습날짜</a:t>
-            </a:r>
-            <a:r>
-              <a:rPr lang="en-US" altLang="ko-KR" sz="2500" smtClean="0">
-                <a:latin typeface="+mj-ea"/>
-                <a:ea typeface="+mj-ea"/>
-              </a:rPr>
-              <a:t>			  </a:t>
-            </a:r>
-            <a:r>
-              <a:rPr lang="ko-KR" altLang="en-US" sz="2500" smtClean="0">
-                <a:latin typeface="+mj-ea"/>
-                <a:ea typeface="+mj-ea"/>
-              </a:rPr>
-              <a:t>학습동화</a:t>
-            </a:r>
-            <a:r>
-              <a:rPr lang="en-US" altLang="ko-KR" sz="2500">
-                <a:latin typeface="+mj-ea"/>
-                <a:ea typeface="+mj-ea"/>
-              </a:rPr>
-              <a:t>	</a:t>
-            </a:r>
-            <a:r>
-              <a:rPr lang="en-US" altLang="ko-KR" sz="2500" smtClean="0">
-                <a:latin typeface="+mj-ea"/>
-                <a:ea typeface="+mj-ea"/>
-              </a:rPr>
-              <a:t>		</a:t>
-            </a:r>
-            <a:r>
-              <a:rPr lang="ko-KR" altLang="en-US" sz="2500" smtClean="0">
-                <a:latin typeface="+mj-ea"/>
-                <a:ea typeface="+mj-ea"/>
-              </a:rPr>
-              <a:t>점수</a:t>
-            </a:r>
-            <a:r>
-              <a:rPr lang="en-US" altLang="ko-KR" sz="2500" smtClean="0">
-                <a:latin typeface="+mj-ea"/>
-                <a:ea typeface="+mj-ea"/>
-              </a:rPr>
-              <a:t>			</a:t>
-            </a:r>
-            <a:r>
-              <a:rPr lang="ko-KR" altLang="en-US" sz="2500" smtClean="0">
-                <a:latin typeface="+mj-ea"/>
-                <a:ea typeface="+mj-ea"/>
-              </a:rPr>
-              <a:t>자세히보기</a:t>
-            </a:r>
-            <a:endParaRPr lang="en-US" altLang="ko-KR" sz="2500" smtClean="0">
-              <a:latin typeface="+mj-ea"/>
-              <a:ea typeface="+mj-ea"/>
-            </a:endParaRPr>
-          </a:p>
-        </p:txBody>
-      </p:sp>
       <p:cxnSp>
         <p:nvCxnSpPr>
-          <p:cNvPr id="6" name="직선 연결선 5"/>
+          <p:cNvPr id="22" name="직선 연결선 21"/>
           <p:cNvCxnSpPr/>
           <p:nvPr/>
         </p:nvCxnSpPr>
         <p:spPr>
           <a:xfrm>
-            <a:off x="1356428" y="1630765"/>
-            <a:ext cx="9493332" cy="25315"/>
+            <a:off x="359629" y="5857325"/>
+            <a:ext cx="11486931" cy="25315"/>
           </a:xfrm>
           <a:prstGeom prst="line">
             <a:avLst/>
@@ -3720,422 +3404,14 @@
       </p:cxnSp>
       <p:sp>
         <p:nvSpPr>
-          <p:cNvPr id="7" name="직사각형 6"/>
+          <p:cNvPr id="23" name="직사각형 22"/>
           <p:cNvSpPr/>
           <p:nvPr/>
         </p:nvSpPr>
         <p:spPr>
           <a:xfrm>
-            <a:off x="1686560" y="1717742"/>
-            <a:ext cx="1292341" cy="4031873"/>
-          </a:xfrm>
-          <a:prstGeom prst="rect">
-            <a:avLst/>
-          </a:prstGeom>
-        </p:spPr>
-        <p:txBody>
-          <a:bodyPr wrap="none">
-            <a:spAutoFit/>
-          </a:bodyPr>
-          <a:lstStyle/>
-          <a:p>
-            <a:pPr algn="ctr">
-              <a:lnSpc>
-                <a:spcPct val="200000"/>
-              </a:lnSpc>
-            </a:pPr>
-            <a:r>
-              <a:rPr lang="en-US" altLang="ko-KR" sz="1600" smtClean="0">
-                <a:latin typeface="+mn-ea"/>
-              </a:rPr>
-              <a:t>2022.12.12</a:t>
-            </a:r>
-          </a:p>
-          <a:p>
-            <a:pPr algn="ctr">
-              <a:lnSpc>
-                <a:spcPct val="200000"/>
-              </a:lnSpc>
-            </a:pPr>
-            <a:r>
-              <a:rPr lang="en-US" altLang="ko-KR" sz="1600">
-                <a:latin typeface="+mn-ea"/>
-              </a:rPr>
-              <a:t>2022.12.12</a:t>
-            </a:r>
-          </a:p>
-          <a:p>
-            <a:pPr algn="ctr">
-              <a:lnSpc>
-                <a:spcPct val="200000"/>
-              </a:lnSpc>
-            </a:pPr>
-            <a:r>
-              <a:rPr lang="en-US" altLang="ko-KR" sz="1600">
-                <a:latin typeface="+mn-ea"/>
-              </a:rPr>
-              <a:t>2022.12.12</a:t>
-            </a:r>
-          </a:p>
-          <a:p>
-            <a:pPr algn="ctr">
-              <a:lnSpc>
-                <a:spcPct val="200000"/>
-              </a:lnSpc>
-            </a:pPr>
-            <a:r>
-              <a:rPr lang="en-US" altLang="ko-KR" sz="1600">
-                <a:latin typeface="+mn-ea"/>
-              </a:rPr>
-              <a:t>2022.12.12</a:t>
-            </a:r>
-          </a:p>
-          <a:p>
-            <a:pPr algn="ctr">
-              <a:lnSpc>
-                <a:spcPct val="200000"/>
-              </a:lnSpc>
-            </a:pPr>
-            <a:r>
-              <a:rPr lang="en-US" altLang="ko-KR" sz="1600">
-                <a:latin typeface="+mn-ea"/>
-              </a:rPr>
-              <a:t>2022.12.12</a:t>
-            </a:r>
-          </a:p>
-          <a:p>
-            <a:pPr algn="ctr">
-              <a:lnSpc>
-                <a:spcPct val="200000"/>
-              </a:lnSpc>
-            </a:pPr>
-            <a:r>
-              <a:rPr lang="en-US" altLang="ko-KR" sz="1600">
-                <a:latin typeface="+mn-ea"/>
-              </a:rPr>
-              <a:t>2022.12.12</a:t>
-            </a:r>
-          </a:p>
-          <a:p>
-            <a:pPr algn="ctr">
-              <a:lnSpc>
-                <a:spcPct val="200000"/>
-              </a:lnSpc>
-            </a:pPr>
-            <a:r>
-              <a:rPr lang="en-US" altLang="ko-KR" sz="1600">
-                <a:latin typeface="+mn-ea"/>
-              </a:rPr>
-              <a:t>2022.12.12</a:t>
-            </a:r>
-          </a:p>
-          <a:p>
-            <a:pPr algn="ctr">
-              <a:lnSpc>
-                <a:spcPct val="200000"/>
-              </a:lnSpc>
-            </a:pPr>
-            <a:r>
-              <a:rPr lang="en-US" altLang="ko-KR" sz="1600" smtClean="0">
-                <a:latin typeface="+mn-ea"/>
-              </a:rPr>
-              <a:t>2022.12.12</a:t>
-            </a:r>
-            <a:endParaRPr lang="en-US" altLang="ko-KR" sz="1600">
-              <a:latin typeface="+mn-ea"/>
-            </a:endParaRPr>
-          </a:p>
-        </p:txBody>
-      </p:sp>
-      <p:sp>
-        <p:nvSpPr>
-          <p:cNvPr id="8" name="직사각형 7"/>
-          <p:cNvSpPr/>
-          <p:nvPr/>
-        </p:nvSpPr>
-        <p:spPr>
-          <a:xfrm>
-            <a:off x="4090351" y="1717742"/>
-            <a:ext cx="1425390" cy="4031873"/>
-          </a:xfrm>
-          <a:prstGeom prst="rect">
-            <a:avLst/>
-          </a:prstGeom>
-        </p:spPr>
-        <p:txBody>
-          <a:bodyPr wrap="none">
-            <a:spAutoFit/>
-          </a:bodyPr>
-          <a:lstStyle/>
-          <a:p>
-            <a:pPr algn="ctr">
-              <a:lnSpc>
-                <a:spcPct val="200000"/>
-              </a:lnSpc>
-            </a:pPr>
-            <a:r>
-              <a:rPr lang="ko-KR" altLang="en-US" sz="1600" smtClean="0">
-                <a:latin typeface="+mn-ea"/>
-              </a:rPr>
-              <a:t>해님 달님</a:t>
-            </a:r>
-            <a:endParaRPr lang="en-US" altLang="ko-KR" sz="1600" smtClean="0">
-              <a:latin typeface="+mn-ea"/>
-            </a:endParaRPr>
-          </a:p>
-          <a:p>
-            <a:pPr algn="ctr">
-              <a:lnSpc>
-                <a:spcPct val="200000"/>
-              </a:lnSpc>
-            </a:pPr>
-            <a:r>
-              <a:rPr lang="ko-KR" altLang="en-US" sz="1600" smtClean="0">
-                <a:latin typeface="+mn-ea"/>
-              </a:rPr>
-              <a:t>여우와 신포도</a:t>
-            </a:r>
-            <a:endParaRPr lang="en-US" altLang="ko-KR" sz="1600" smtClean="0">
-              <a:latin typeface="+mn-ea"/>
-            </a:endParaRPr>
-          </a:p>
-          <a:p>
-            <a:pPr algn="ctr">
-              <a:lnSpc>
-                <a:spcPct val="200000"/>
-              </a:lnSpc>
-            </a:pPr>
-            <a:r>
-              <a:rPr lang="ko-KR" altLang="en-US" sz="1600" smtClean="0">
-                <a:latin typeface="+mn-ea"/>
-              </a:rPr>
-              <a:t>해님 달님</a:t>
-            </a:r>
-            <a:endParaRPr lang="en-US" altLang="ko-KR" sz="1600" smtClean="0">
-              <a:latin typeface="+mn-ea"/>
-            </a:endParaRPr>
-          </a:p>
-          <a:p>
-            <a:pPr algn="ctr">
-              <a:lnSpc>
-                <a:spcPct val="200000"/>
-              </a:lnSpc>
-            </a:pPr>
-            <a:r>
-              <a:rPr lang="ko-KR" altLang="en-US" sz="1600" smtClean="0">
-                <a:latin typeface="+mn-ea"/>
-              </a:rPr>
-              <a:t>여우와 신포도</a:t>
-            </a:r>
-            <a:endParaRPr lang="en-US" altLang="ko-KR" sz="1600" smtClean="0">
-              <a:latin typeface="+mn-ea"/>
-            </a:endParaRPr>
-          </a:p>
-          <a:p>
-            <a:pPr algn="ctr">
-              <a:lnSpc>
-                <a:spcPct val="200000"/>
-              </a:lnSpc>
-            </a:pPr>
-            <a:r>
-              <a:rPr lang="ko-KR" altLang="en-US" sz="1600" smtClean="0">
-                <a:latin typeface="+mn-ea"/>
-              </a:rPr>
-              <a:t>해님 달님</a:t>
-            </a:r>
-            <a:endParaRPr lang="en-US" altLang="ko-KR" sz="1600" smtClean="0">
-              <a:latin typeface="+mn-ea"/>
-            </a:endParaRPr>
-          </a:p>
-          <a:p>
-            <a:pPr algn="ctr">
-              <a:lnSpc>
-                <a:spcPct val="200000"/>
-              </a:lnSpc>
-            </a:pPr>
-            <a:r>
-              <a:rPr lang="ko-KR" altLang="en-US" sz="1600" smtClean="0">
-                <a:latin typeface="+mn-ea"/>
-              </a:rPr>
-              <a:t>여우와 신포도</a:t>
-            </a:r>
-            <a:endParaRPr lang="en-US" altLang="ko-KR" sz="1600" smtClean="0">
-              <a:latin typeface="+mn-ea"/>
-            </a:endParaRPr>
-          </a:p>
-          <a:p>
-            <a:pPr algn="ctr">
-              <a:lnSpc>
-                <a:spcPct val="200000"/>
-              </a:lnSpc>
-            </a:pPr>
-            <a:r>
-              <a:rPr lang="ko-KR" altLang="en-US" sz="1600" smtClean="0">
-                <a:latin typeface="+mn-ea"/>
-              </a:rPr>
-              <a:t>해님 달님</a:t>
-            </a:r>
-            <a:endParaRPr lang="en-US" altLang="ko-KR" sz="1600" smtClean="0">
-              <a:latin typeface="+mn-ea"/>
-            </a:endParaRPr>
-          </a:p>
-          <a:p>
-            <a:pPr algn="ctr">
-              <a:lnSpc>
-                <a:spcPct val="200000"/>
-              </a:lnSpc>
-            </a:pPr>
-            <a:r>
-              <a:rPr lang="ko-KR" altLang="en-US" sz="1600" smtClean="0">
-                <a:latin typeface="+mn-ea"/>
-              </a:rPr>
-              <a:t>여우와 신포도</a:t>
-            </a:r>
-            <a:endParaRPr lang="en-US" altLang="ko-KR" sz="1600">
-              <a:latin typeface="+mn-ea"/>
-            </a:endParaRPr>
-          </a:p>
-        </p:txBody>
-      </p:sp>
-      <p:sp>
-        <p:nvSpPr>
-          <p:cNvPr id="9" name="직사각형 8"/>
-          <p:cNvSpPr/>
-          <p:nvPr/>
-        </p:nvSpPr>
-        <p:spPr>
-          <a:xfrm>
-            <a:off x="7018209" y="1717741"/>
-            <a:ext cx="466794" cy="4031873"/>
-          </a:xfrm>
-          <a:prstGeom prst="rect">
-            <a:avLst/>
-          </a:prstGeom>
-        </p:spPr>
-        <p:txBody>
-          <a:bodyPr wrap="none">
-            <a:spAutoFit/>
-          </a:bodyPr>
-          <a:lstStyle/>
-          <a:p>
-            <a:pPr algn="ctr">
-              <a:lnSpc>
-                <a:spcPct val="200000"/>
-              </a:lnSpc>
-            </a:pPr>
-            <a:r>
-              <a:rPr lang="en-US" altLang="ko-KR" sz="1600" smtClean="0">
-                <a:latin typeface="+mn-ea"/>
-              </a:rPr>
-              <a:t>70</a:t>
-            </a:r>
-          </a:p>
-          <a:p>
-            <a:pPr algn="ctr">
-              <a:lnSpc>
-                <a:spcPct val="200000"/>
-              </a:lnSpc>
-            </a:pPr>
-            <a:r>
-              <a:rPr lang="en-US" altLang="ko-KR" sz="1600" smtClean="0">
-                <a:latin typeface="+mn-ea"/>
-              </a:rPr>
-              <a:t>30</a:t>
-            </a:r>
-          </a:p>
-          <a:p>
-            <a:pPr algn="ctr">
-              <a:lnSpc>
-                <a:spcPct val="200000"/>
-              </a:lnSpc>
-            </a:pPr>
-            <a:r>
-              <a:rPr lang="en-US" altLang="ko-KR" sz="1600" smtClean="0">
-                <a:latin typeface="+mn-ea"/>
-              </a:rPr>
-              <a:t>60</a:t>
-            </a:r>
-          </a:p>
-          <a:p>
-            <a:pPr algn="ctr">
-              <a:lnSpc>
-                <a:spcPct val="200000"/>
-              </a:lnSpc>
-            </a:pPr>
-            <a:r>
-              <a:rPr lang="en-US" altLang="ko-KR" sz="1600" smtClean="0">
-                <a:latin typeface="+mn-ea"/>
-              </a:rPr>
-              <a:t>50</a:t>
-            </a:r>
-          </a:p>
-          <a:p>
-            <a:pPr algn="ctr">
-              <a:lnSpc>
-                <a:spcPct val="200000"/>
-              </a:lnSpc>
-            </a:pPr>
-            <a:r>
-              <a:rPr lang="en-US" altLang="ko-KR" sz="1600" smtClean="0">
-                <a:latin typeface="+mn-ea"/>
-              </a:rPr>
-              <a:t>90</a:t>
-            </a:r>
-          </a:p>
-          <a:p>
-            <a:pPr algn="ctr">
-              <a:lnSpc>
-                <a:spcPct val="200000"/>
-              </a:lnSpc>
-            </a:pPr>
-            <a:r>
-              <a:rPr lang="en-US" altLang="ko-KR" sz="1600" smtClean="0">
-                <a:latin typeface="+mn-ea"/>
-              </a:rPr>
-              <a:t>30</a:t>
-            </a:r>
-          </a:p>
-          <a:p>
-            <a:pPr algn="ctr">
-              <a:lnSpc>
-                <a:spcPct val="200000"/>
-              </a:lnSpc>
-            </a:pPr>
-            <a:r>
-              <a:rPr lang="en-US" altLang="ko-KR" sz="1600" smtClean="0">
-                <a:latin typeface="+mn-ea"/>
-              </a:rPr>
-              <a:t>40</a:t>
-            </a:r>
-          </a:p>
-          <a:p>
-            <a:pPr algn="ctr">
-              <a:lnSpc>
-                <a:spcPct val="200000"/>
-              </a:lnSpc>
-            </a:pPr>
-            <a:r>
-              <a:rPr lang="en-US" altLang="ko-KR" sz="1600" smtClean="0">
-                <a:latin typeface="+mn-ea"/>
-              </a:rPr>
-              <a:t>20</a:t>
-            </a:r>
-            <a:endParaRPr lang="en-US" altLang="ko-KR" sz="1600">
-              <a:latin typeface="+mn-ea"/>
-            </a:endParaRPr>
-          </a:p>
-        </p:txBody>
-      </p:sp>
-      <p:sp>
-        <p:nvSpPr>
-          <p:cNvPr id="10" name="직사각형 9"/>
-          <p:cNvSpPr/>
-          <p:nvPr/>
-        </p:nvSpPr>
-        <p:spPr>
-          <a:xfrm>
-            <a:off x="8778239" y="1846543"/>
-            <a:ext cx="1625601" cy="348018"/>
+            <a:off x="5279615" y="6032462"/>
+            <a:ext cx="1625601" cy="430887"/>
           </a:xfrm>
           <a:prstGeom prst="rect">
             <a:avLst/>
@@ -4164,7 +3440,7 @@
             <a:pPr algn="ctr"/>
             <a:r>
               <a:rPr lang="ko-KR" altLang="en-US" sz="1400" smtClean="0"/>
-              <a:t>자세히</a:t>
+              <a:t>뒤로가기</a:t>
             </a:r>
             <a:endParaRPr lang="ko-KR" altLang="en-US" sz="1400"/>
           </a:p>
@@ -4172,14 +3448,16 @@
       </p:sp>
       <p:sp>
         <p:nvSpPr>
-          <p:cNvPr id="13" name="직사각형 12"/>
-          <p:cNvSpPr/>
-          <p:nvPr/>
-        </p:nvSpPr>
-        <p:spPr>
-          <a:xfrm>
-            <a:off x="8768079" y="2354543"/>
-            <a:ext cx="1625601" cy="348018"/>
+          <p:cNvPr id="27" name="직사각형 26"/>
+          <p:cNvSpPr>
+            <a:spLocks noChangeAspect="1"/>
+          </p:cNvSpPr>
+          <p:nvPr/>
+        </p:nvSpPr>
+        <p:spPr>
+          <a:xfrm>
+            <a:off x="998700" y="966484"/>
+            <a:ext cx="2160000" cy="2160000"/>
           </a:xfrm>
           <a:prstGeom prst="rect">
             <a:avLst/>
@@ -4207,23 +3485,92 @@
           <a:p>
             <a:pPr algn="ctr"/>
             <a:r>
-              <a:rPr lang="ko-KR" altLang="en-US" sz="1400" smtClean="0"/>
-              <a:t>자세히</a:t>
-            </a:r>
-            <a:endParaRPr lang="ko-KR" altLang="en-US" sz="1400"/>
-          </a:p>
-        </p:txBody>
-      </p:sp>
-      <p:sp>
-        <p:nvSpPr>
-          <p:cNvPr id="14" name="직사각형 13"/>
-          <p:cNvSpPr/>
-          <p:nvPr/>
-        </p:nvSpPr>
-        <p:spPr>
-          <a:xfrm>
-            <a:off x="8768079" y="2862543"/>
-            <a:ext cx="1625601" cy="348018"/>
+              <a:rPr lang="ko-KR" altLang="en-US" sz="2000" smtClean="0"/>
+              <a:t>해님 달님</a:t>
+            </a:r>
+            <a:endParaRPr lang="ko-KR" altLang="en-US" sz="2000"/>
+          </a:p>
+        </p:txBody>
+      </p:sp>
+      <p:sp>
+        <p:nvSpPr>
+          <p:cNvPr id="11" name="TextBox 10"/>
+          <p:cNvSpPr txBox="1"/>
+          <p:nvPr/>
+        </p:nvSpPr>
+        <p:spPr>
+          <a:xfrm>
+            <a:off x="361963" y="315410"/>
+            <a:ext cx="8406116" cy="369332"/>
+          </a:xfrm>
+          <a:prstGeom prst="rect">
+            <a:avLst/>
+          </a:prstGeom>
+          <a:noFill/>
+        </p:spPr>
+        <p:txBody>
+          <a:bodyPr wrap="square" rtlCol="0">
+            <a:spAutoFit/>
+          </a:bodyPr>
+          <a:lstStyle/>
+          <a:p>
+            <a:r>
+              <a:rPr lang="ko-KR" altLang="en-US" smtClean="0">
+                <a:latin typeface="+mj-ea"/>
+                <a:ea typeface="+mj-ea"/>
+              </a:rPr>
+              <a:t>메인화면 </a:t>
+            </a:r>
+            <a:r>
+              <a:rPr lang="en-US" altLang="ko-KR" smtClean="0">
+                <a:latin typeface="+mj-ea"/>
+                <a:ea typeface="+mj-ea"/>
+              </a:rPr>
+              <a:t>Main</a:t>
+            </a:r>
+            <a:r>
+              <a:rPr lang="ko-KR" altLang="en-US" smtClean="0">
+                <a:latin typeface="+mj-ea"/>
+                <a:ea typeface="+mj-ea"/>
+              </a:rPr>
+              <a:t> </a:t>
+            </a:r>
+            <a:r>
+              <a:rPr lang="en-US" altLang="ko-KR" smtClean="0">
+                <a:latin typeface="+mj-ea"/>
+                <a:ea typeface="+mj-ea"/>
+              </a:rPr>
+              <a:t>&gt; </a:t>
+            </a:r>
+            <a:r>
+              <a:rPr lang="ko-KR" altLang="en-US" smtClean="0">
+                <a:latin typeface="+mj-ea"/>
+                <a:ea typeface="+mj-ea"/>
+              </a:rPr>
+              <a:t>동화 선택 </a:t>
+            </a:r>
+            <a:r>
+              <a:rPr lang="en-US" altLang="ko-KR" smtClean="0">
+                <a:latin typeface="+mj-ea"/>
+                <a:ea typeface="+mj-ea"/>
+              </a:rPr>
+              <a:t>Story</a:t>
+            </a:r>
+          </a:p>
+        </p:txBody>
+      </p:sp>
+      <p:sp>
+        <p:nvSpPr>
+          <p:cNvPr id="12" name="직사각형 11"/>
+          <p:cNvSpPr>
+            <a:spLocks noChangeAspect="1"/>
+          </p:cNvSpPr>
+          <p:nvPr/>
+        </p:nvSpPr>
+        <p:spPr>
+          <a:xfrm>
+            <a:off x="3693569" y="966484"/>
+            <a:ext cx="2160000" cy="2160000"/>
           </a:xfrm>
           <a:prstGeom prst="rect">
             <a:avLst/>
@@ -4251,23 +3598,25 @@
           <a:p>
             <a:pPr algn="ctr"/>
             <a:r>
-              <a:rPr lang="ko-KR" altLang="en-US" sz="1400" smtClean="0"/>
-              <a:t>자세히</a:t>
-            </a:r>
-            <a:endParaRPr lang="ko-KR" altLang="en-US" sz="1400"/>
-          </a:p>
-        </p:txBody>
-      </p:sp>
-      <p:sp>
-        <p:nvSpPr>
-          <p:cNvPr id="15" name="직사각형 14"/>
-          <p:cNvSpPr/>
-          <p:nvPr/>
-        </p:nvSpPr>
-        <p:spPr>
-          <a:xfrm>
-            <a:off x="8778239" y="3370543"/>
-            <a:ext cx="1625601" cy="348018"/>
+              <a:rPr lang="ko-KR" altLang="en-US" sz="2000" smtClean="0"/>
+              <a:t>여우와 신포도</a:t>
+            </a:r>
+            <a:endParaRPr lang="ko-KR" altLang="en-US" sz="2000"/>
+          </a:p>
+        </p:txBody>
+      </p:sp>
+      <p:sp>
+        <p:nvSpPr>
+          <p:cNvPr id="13" name="직사각형 12"/>
+          <p:cNvSpPr>
+            <a:spLocks noChangeAspect="1"/>
+          </p:cNvSpPr>
+          <p:nvPr/>
+        </p:nvSpPr>
+        <p:spPr>
+          <a:xfrm>
+            <a:off x="6388438" y="966484"/>
+            <a:ext cx="2160000" cy="2160000"/>
           </a:xfrm>
           <a:prstGeom prst="rect">
             <a:avLst/>
@@ -4295,23 +3644,25 @@
           <a:p>
             <a:pPr algn="ctr"/>
             <a:r>
-              <a:rPr lang="ko-KR" altLang="en-US" sz="1400" smtClean="0"/>
-              <a:t>자세히</a:t>
-            </a:r>
-            <a:endParaRPr lang="ko-KR" altLang="en-US" sz="1400"/>
-          </a:p>
-        </p:txBody>
-      </p:sp>
-      <p:sp>
-        <p:nvSpPr>
-          <p:cNvPr id="16" name="직사각형 15"/>
-          <p:cNvSpPr/>
-          <p:nvPr/>
-        </p:nvSpPr>
-        <p:spPr>
-          <a:xfrm>
-            <a:off x="8768079" y="3878543"/>
-            <a:ext cx="1625601" cy="348018"/>
+              <a:rPr lang="ko-KR" altLang="en-US" sz="2000" smtClean="0"/>
+              <a:t>여우와 신포도</a:t>
+            </a:r>
+            <a:endParaRPr lang="ko-KR" altLang="en-US" sz="2000"/>
+          </a:p>
+        </p:txBody>
+      </p:sp>
+      <p:sp>
+        <p:nvSpPr>
+          <p:cNvPr id="14" name="직사각형 13"/>
+          <p:cNvSpPr>
+            <a:spLocks noChangeAspect="1"/>
+          </p:cNvSpPr>
+          <p:nvPr/>
+        </p:nvSpPr>
+        <p:spPr>
+          <a:xfrm>
+            <a:off x="9083307" y="966484"/>
+            <a:ext cx="2160000" cy="2160000"/>
           </a:xfrm>
           <a:prstGeom prst="rect">
             <a:avLst/>
@@ -4339,23 +3690,25 @@
           <a:p>
             <a:pPr algn="ctr"/>
             <a:r>
-              <a:rPr lang="ko-KR" altLang="en-US" sz="1400" smtClean="0"/>
-              <a:t>자세히</a:t>
-            </a:r>
-            <a:endParaRPr lang="ko-KR" altLang="en-US" sz="1400"/>
-          </a:p>
-        </p:txBody>
-      </p:sp>
-      <p:sp>
-        <p:nvSpPr>
-          <p:cNvPr id="17" name="직사각형 16"/>
-          <p:cNvSpPr/>
-          <p:nvPr/>
-        </p:nvSpPr>
-        <p:spPr>
-          <a:xfrm>
-            <a:off x="8768079" y="4386543"/>
-            <a:ext cx="1625601" cy="348018"/>
+              <a:rPr lang="ko-KR" altLang="en-US" sz="2000" smtClean="0"/>
+              <a:t>여우와 신포도</a:t>
+            </a:r>
+            <a:endParaRPr lang="ko-KR" altLang="en-US" sz="2000"/>
+          </a:p>
+        </p:txBody>
+      </p:sp>
+      <p:sp>
+        <p:nvSpPr>
+          <p:cNvPr id="15" name="직사각형 14"/>
+          <p:cNvSpPr>
+            <a:spLocks noChangeAspect="1"/>
+          </p:cNvSpPr>
+          <p:nvPr/>
+        </p:nvSpPr>
+        <p:spPr>
+          <a:xfrm>
+            <a:off x="998700" y="3415583"/>
+            <a:ext cx="2160000" cy="2160000"/>
           </a:xfrm>
           <a:prstGeom prst="rect">
             <a:avLst/>
@@ -4383,23 +3736,25 @@
           <a:p>
             <a:pPr algn="ctr"/>
             <a:r>
-              <a:rPr lang="ko-KR" altLang="en-US" sz="1400" smtClean="0"/>
-              <a:t>자세히</a:t>
-            </a:r>
-            <a:endParaRPr lang="ko-KR" altLang="en-US" sz="1400"/>
-          </a:p>
-        </p:txBody>
-      </p:sp>
-      <p:sp>
-        <p:nvSpPr>
-          <p:cNvPr id="18" name="직사각형 17"/>
-          <p:cNvSpPr/>
-          <p:nvPr/>
-        </p:nvSpPr>
-        <p:spPr>
-          <a:xfrm>
-            <a:off x="8778239" y="4873276"/>
-            <a:ext cx="1625601" cy="348018"/>
+              <a:rPr lang="ko-KR" altLang="en-US" sz="2000" smtClean="0"/>
+              <a:t>해님 달님</a:t>
+            </a:r>
+            <a:endParaRPr lang="ko-KR" altLang="en-US" sz="2000"/>
+          </a:p>
+        </p:txBody>
+      </p:sp>
+      <p:sp>
+        <p:nvSpPr>
+          <p:cNvPr id="16" name="직사각형 15"/>
+          <p:cNvSpPr>
+            <a:spLocks noChangeAspect="1"/>
+          </p:cNvSpPr>
+          <p:nvPr/>
+        </p:nvSpPr>
+        <p:spPr>
+          <a:xfrm>
+            <a:off x="3693569" y="3415583"/>
+            <a:ext cx="2160000" cy="2160000"/>
           </a:xfrm>
           <a:prstGeom prst="rect">
             <a:avLst/>
@@ -4427,23 +3782,25 @@
           <a:p>
             <a:pPr algn="ctr"/>
             <a:r>
-              <a:rPr lang="ko-KR" altLang="en-US" sz="1400" smtClean="0"/>
-              <a:t>자세히</a:t>
-            </a:r>
-            <a:endParaRPr lang="ko-KR" altLang="en-US" sz="1400"/>
-          </a:p>
-        </p:txBody>
-      </p:sp>
-      <p:sp>
-        <p:nvSpPr>
-          <p:cNvPr id="19" name="직사각형 18"/>
-          <p:cNvSpPr/>
-          <p:nvPr/>
-        </p:nvSpPr>
-        <p:spPr>
-          <a:xfrm>
-            <a:off x="8778239" y="5381276"/>
-            <a:ext cx="1625601" cy="348018"/>
+              <a:rPr lang="ko-KR" altLang="en-US" sz="2000" smtClean="0"/>
+              <a:t>여우와 신포도</a:t>
+            </a:r>
+            <a:endParaRPr lang="ko-KR" altLang="en-US" sz="2000"/>
+          </a:p>
+        </p:txBody>
+      </p:sp>
+      <p:sp>
+        <p:nvSpPr>
+          <p:cNvPr id="17" name="직사각형 16"/>
+          <p:cNvSpPr>
+            <a:spLocks noChangeAspect="1"/>
+          </p:cNvSpPr>
+          <p:nvPr/>
+        </p:nvSpPr>
+        <p:spPr>
+          <a:xfrm>
+            <a:off x="6388438" y="3415583"/>
+            <a:ext cx="2160000" cy="2160000"/>
           </a:xfrm>
           <a:prstGeom prst="rect">
             <a:avLst/>
@@ -4471,53 +3828,25 @@
           <a:p>
             <a:pPr algn="ctr"/>
             <a:r>
-              <a:rPr lang="ko-KR" altLang="en-US" sz="1400" smtClean="0"/>
-              <a:t>자세히</a:t>
-            </a:r>
-            <a:endParaRPr lang="ko-KR" altLang="en-US" sz="1400"/>
-          </a:p>
-        </p:txBody>
-      </p:sp>
-      <p:cxnSp>
-        <p:nvCxnSpPr>
-          <p:cNvPr id="22" name="직선 연결선 21"/>
-          <p:cNvCxnSpPr/>
-          <p:nvPr/>
-        </p:nvCxnSpPr>
-        <p:spPr>
-          <a:xfrm>
-            <a:off x="359629" y="5857325"/>
-            <a:ext cx="11486931" cy="25315"/>
-          </a:xfrm>
-          <a:prstGeom prst="line">
-            <a:avLst/>
-          </a:prstGeom>
-        </p:spPr>
-        <p:style>
-          <a:lnRef idx="1">
-            <a:schemeClr val="accent1"/>
-          </a:lnRef>
-          <a:fillRef idx="0">
-            <a:schemeClr val="accent1"/>
-          </a:fillRef>
-          <a:effectRef idx="0">
-            <a:schemeClr val="accent1"/>
-          </a:effectRef>
-          <a:fontRef idx="minor">
-            <a:schemeClr val="tx1"/>
-          </a:fontRef>
-        </p:style>
-      </p:cxnSp>
-      <p:sp>
-        <p:nvSpPr>
-          <p:cNvPr id="23" name="직사각형 22"/>
-          <p:cNvSpPr/>
-          <p:nvPr/>
-        </p:nvSpPr>
-        <p:spPr>
-          <a:xfrm>
-            <a:off x="5279615" y="6032462"/>
-            <a:ext cx="1625601" cy="430887"/>
+              <a:rPr lang="ko-KR" altLang="en-US" sz="2000" smtClean="0"/>
+              <a:t>여우와 신포도</a:t>
+            </a:r>
+            <a:endParaRPr lang="ko-KR" altLang="en-US" sz="2000"/>
+          </a:p>
+        </p:txBody>
+      </p:sp>
+      <p:sp>
+        <p:nvSpPr>
+          <p:cNvPr id="18" name="직사각형 17"/>
+          <p:cNvSpPr>
+            <a:spLocks noChangeAspect="1"/>
+          </p:cNvSpPr>
+          <p:nvPr/>
+        </p:nvSpPr>
+        <p:spPr>
+          <a:xfrm>
+            <a:off x="9083307" y="3415583"/>
+            <a:ext cx="2160000" cy="2160000"/>
           </a:xfrm>
           <a:prstGeom prst="rect">
             <a:avLst/>
@@ -4545,17 +3874,17 @@
           <a:p>
             <a:pPr algn="ctr"/>
             <a:r>
-              <a:rPr lang="ko-KR" altLang="en-US" sz="1400" smtClean="0"/>
-              <a:t>뒤로가기</a:t>
-            </a:r>
-            <a:endParaRPr lang="ko-KR" altLang="en-US" sz="1400"/>
+              <a:rPr lang="ko-KR" altLang="en-US" sz="2000" smtClean="0"/>
+              <a:t>여우와 신포도</a:t>
+            </a:r>
+            <a:endParaRPr lang="ko-KR" altLang="en-US" sz="2000"/>
           </a:p>
         </p:txBody>
       </p:sp>
     </p:spTree>
     <p:extLst>
       <p:ext uri="{BB962C8B-B14F-4D97-AF65-F5344CB8AC3E}">
-        <p14:creationId xmlns:p14="http://schemas.microsoft.com/office/powerpoint/2010/main" val="1828187430"/>
+        <p14:creationId xmlns:p14="http://schemas.microsoft.com/office/powerpoint/2010/main" val="1259180523"/>
       </p:ext>
     </p:extLst>
   </p:cSld>
@@ -4598,7 +3927,7 @@
         <p:spPr>
           <a:xfrm>
             <a:off x="361963" y="315410"/>
-            <a:ext cx="10824197" cy="369332"/>
+            <a:ext cx="8430345" cy="369332"/>
           </a:xfrm>
           <a:prstGeom prst="rect">
             <a:avLst/>
@@ -4616,28 +3945,14 @@
                 <a:latin typeface="+mj-ea"/>
                 <a:ea typeface="+mj-ea"/>
               </a:rPr>
-              <a:t>마이페이지 </a:t>
+              <a:t>메인화면 </a:t>
             </a:r>
             <a:r>
               <a:rPr lang="en-US" altLang="ko-KR">
                 <a:latin typeface="+mj-ea"/>
                 <a:ea typeface="+mj-ea"/>
               </a:rPr>
-              <a:t>MyPage &gt; </a:t>
-            </a:r>
-            <a:r>
-              <a:rPr lang="ko-KR" altLang="en-US">
-                <a:latin typeface="+mj-ea"/>
-                <a:ea typeface="+mj-ea"/>
-              </a:rPr>
-              <a:t>나의 학습기록 </a:t>
-            </a:r>
-            <a:r>
-              <a:rPr lang="en-US" altLang="ko-KR">
-                <a:latin typeface="+mj-ea"/>
-                <a:ea typeface="+mj-ea"/>
-              </a:rPr>
-              <a:t>MyHistory </a:t>
+              <a:t>Main </a:t>
             </a:r>
             <a:r>
               <a:rPr lang="en-US" altLang="ko-KR" smtClean="0">
@@ -4651,93 +3966,95 @@
                 <a:latin typeface="+mj-ea"/>
                 <a:ea typeface="+mj-ea"/>
               </a:rPr>
-              <a:t>자세히보기 </a:t>
+              <a:t>마이페이지 </a:t>
             </a:r>
             <a:r>
               <a:rPr lang="en-US" altLang="ko-KR" smtClean="0">
                 <a:latin typeface="+mj-ea"/>
                 <a:ea typeface="+mj-ea"/>
               </a:rPr>
-              <a:t>More</a:t>
-            </a:r>
-            <a:endParaRPr lang="en-US" altLang="ko-KR">
+              <a:t>MyPage &gt;</a:t>
+            </a:r>
+            <a:endParaRPr lang="ko-KR" altLang="en-US">
               <a:latin typeface="+mj-ea"/>
               <a:ea typeface="+mj-ea"/>
             </a:endParaRPr>
           </a:p>
         </p:txBody>
       </p:sp>
-      <p:pic>
-        <p:nvPicPr>
-          <p:cNvPr id="40" name="그림 39"/>
-          <p:cNvPicPr>
-            <a:picLocks noChangeAspect="1"/>
-          </p:cNvPicPr>
-          <p:nvPr/>
-        </p:nvPicPr>
-        <p:blipFill rotWithShape="1">
-          <a:blip r:embed="rId2">
-            <a:extLst>
-              <a:ext uri="{28A0092B-C50C-407E-A947-70E740481C1C}">
-                <a14:useLocalDpi xmlns:a14="http://schemas.microsoft.com/office/drawing/2010/main" val="0"/>
-              </a:ext>
-            </a:extLst>
-          </a:blip>
-          <a:srcRect t="21302"/>
-          <a:stretch/>
-        </p:blipFill>
-        <p:spPr>
-          <a:xfrm>
-            <a:off x="1934091" y="2052319"/>
-            <a:ext cx="8327509" cy="3624913"/>
-          </a:xfrm>
-          <a:prstGeom prst="rect">
-            <a:avLst/>
-          </a:prstGeom>
-        </p:spPr>
-      </p:pic>
-      <p:cxnSp>
-        <p:nvCxnSpPr>
-          <p:cNvPr id="41" name="직선 연결선 40"/>
-          <p:cNvCxnSpPr/>
-          <p:nvPr/>
-        </p:nvCxnSpPr>
-        <p:spPr>
-          <a:xfrm>
-            <a:off x="359629" y="5857325"/>
-            <a:ext cx="11486931" cy="25315"/>
-          </a:xfrm>
-          <a:prstGeom prst="line">
-            <a:avLst/>
-          </a:prstGeom>
-        </p:spPr>
-        <p:style>
-          <a:lnRef idx="1">
-            <a:schemeClr val="accent1"/>
-          </a:lnRef>
-          <a:fillRef idx="0">
-            <a:schemeClr val="accent1"/>
-          </a:fillRef>
-          <a:effectRef idx="0">
-            <a:schemeClr val="accent1"/>
-          </a:effectRef>
-          <a:fontRef idx="minor">
-            <a:schemeClr val="tx1"/>
-          </a:fontRef>
-        </p:style>
-      </p:cxnSp>
-      <p:sp>
-        <p:nvSpPr>
-          <p:cNvPr id="42" name="직사각형 41"/>
-          <p:cNvSpPr/>
-          <p:nvPr/>
-        </p:nvSpPr>
-        <p:spPr>
-          <a:xfrm>
-            <a:off x="5279615" y="6032462"/>
-            <a:ext cx="1625601" cy="430887"/>
-          </a:xfrm>
-          <a:prstGeom prst="rect">
+      <p:sp>
+        <p:nvSpPr>
+          <p:cNvPr id="5" name="TextBox 4"/>
+          <p:cNvSpPr txBox="1"/>
+          <p:nvPr/>
+        </p:nvSpPr>
+        <p:spPr>
+          <a:xfrm>
+            <a:off x="4977087" y="3330832"/>
+            <a:ext cx="3106689" cy="1246495"/>
+          </a:xfrm>
+          <a:prstGeom prst="rect">
+            <a:avLst/>
+          </a:prstGeom>
+          <a:noFill/>
+        </p:spPr>
+        <p:txBody>
+          <a:bodyPr wrap="square" rtlCol="0">
+            <a:spAutoFit/>
+          </a:bodyPr>
+          <a:lstStyle/>
+          <a:p>
+            <a:pPr>
+              <a:lnSpc>
+                <a:spcPct val="150000"/>
+              </a:lnSpc>
+            </a:pPr>
+            <a:r>
+              <a:rPr lang="ko-KR" altLang="en-US" sz="2500" smtClean="0">
+                <a:latin typeface="+mj-ea"/>
+                <a:ea typeface="+mj-ea"/>
+              </a:rPr>
+              <a:t>난이도 설정하기</a:t>
+            </a:r>
+            <a:endParaRPr lang="en-US" altLang="ko-KR" sz="2500" smtClean="0">
+              <a:latin typeface="+mj-ea"/>
+              <a:ea typeface="+mj-ea"/>
+            </a:endParaRPr>
+          </a:p>
+          <a:p>
+            <a:pPr>
+              <a:lnSpc>
+                <a:spcPct val="150000"/>
+              </a:lnSpc>
+            </a:pPr>
+            <a:r>
+              <a:rPr lang="ko-KR" altLang="en-US" sz="2500" smtClean="0">
+                <a:latin typeface="+mj-ea"/>
+                <a:ea typeface="+mj-ea"/>
+              </a:rPr>
+              <a:t>나의 학습기록</a:t>
+            </a:r>
+            <a:endParaRPr lang="en-US" altLang="ko-KR" sz="2500" smtClean="0">
+              <a:latin typeface="+mj-ea"/>
+              <a:ea typeface="+mj-ea"/>
+            </a:endParaRPr>
+          </a:p>
+        </p:txBody>
+      </p:sp>
+      <p:sp>
+        <p:nvSpPr>
+          <p:cNvPr id="9" name="타원 8"/>
+          <p:cNvSpPr>
+            <a:spLocks noChangeAspect="1"/>
+          </p:cNvSpPr>
+          <p:nvPr/>
+        </p:nvSpPr>
+        <p:spPr>
+          <a:xfrm>
+            <a:off x="1679825" y="1962607"/>
+            <a:ext cx="3003445" cy="3003445"/>
+          </a:xfrm>
+          <a:prstGeom prst="ellipse">
             <a:avLst/>
           </a:prstGeom>
         </p:spPr>
@@ -4758,48 +4075,84 @@
           </a:fontRef>
         </p:style>
         <p:txBody>
-          <a:bodyPr rtlCol="0" anchor="ctr"/>
+          <a:bodyPr rot="0" spcFirstLastPara="0" vertOverflow="overflow" horzOverflow="overflow" vert="horz" wrap="square" lIns="28932" tIns="14466" rIns="28932" bIns="14466" numCol="1" spcCol="0" rtlCol="0" fromWordArt="0" anchor="ctr" anchorCtr="0" forceAA="0" compatLnSpc="1">
+            <a:prstTxWarp prst="textNoShape">
+              <a:avLst/>
+            </a:prstTxWarp>
+            <a:noAutofit/>
+          </a:bodyPr>
           <a:lstStyle/>
           <a:p>
             <a:pPr algn="ctr"/>
-            <a:r>
-              <a:rPr lang="ko-KR" altLang="en-US" sz="1400" smtClean="0"/>
-              <a:t>뒤로가기</a:t>
-            </a:r>
-            <a:endParaRPr lang="ko-KR" altLang="en-US" sz="1400"/>
-          </a:p>
-        </p:txBody>
-      </p:sp>
-      <p:sp>
-        <p:nvSpPr>
-          <p:cNvPr id="43" name="직사각형 42"/>
-          <p:cNvSpPr/>
-          <p:nvPr/>
-        </p:nvSpPr>
-        <p:spPr>
-          <a:xfrm>
-            <a:off x="4128398" y="1267488"/>
-            <a:ext cx="3928033" cy="830997"/>
-          </a:xfrm>
-          <a:prstGeom prst="rect">
-            <a:avLst/>
-          </a:prstGeom>
-        </p:spPr>
-        <p:txBody>
-          <a:bodyPr wrap="square">
+            <a:endParaRPr lang="ko-KR" altLang="en-US" sz="570"/>
+          </a:p>
+        </p:txBody>
+      </p:sp>
+      <p:sp>
+        <p:nvSpPr>
+          <p:cNvPr id="11" name="TextBox 10"/>
+          <p:cNvSpPr txBox="1"/>
+          <p:nvPr/>
+        </p:nvSpPr>
+        <p:spPr>
+          <a:xfrm>
+            <a:off x="4977087" y="2473124"/>
+            <a:ext cx="5297256" cy="707886"/>
+          </a:xfrm>
+          <a:prstGeom prst="rect">
+            <a:avLst/>
+          </a:prstGeom>
+          <a:noFill/>
+        </p:spPr>
+        <p:txBody>
+          <a:bodyPr wrap="square" rtlCol="0">
             <a:spAutoFit/>
           </a:bodyPr>
           <a:lstStyle/>
           <a:p>
-            <a:pPr algn="ctr"/>
-            <a:r>
-              <a:rPr lang="ko-KR" altLang="en-US" sz="4800" smtClean="0">
+            <a:r>
+              <a:rPr lang="ko-KR" altLang="en-US" sz="4000" smtClean="0">
                 <a:latin typeface="+mj-ea"/>
                 <a:ea typeface="+mj-ea"/>
               </a:rPr>
-              <a:t>해님달님</a:t>
-            </a:r>
-            <a:endParaRPr lang="ko-KR" altLang="en-US" sz="4800">
+              <a:t>김찰스 </a:t>
+            </a:r>
+            <a:r>
+              <a:rPr lang="en-US" altLang="ko-KR" sz="4000" smtClean="0">
+                <a:latin typeface="+mj-ea"/>
+                <a:ea typeface="+mj-ea"/>
+              </a:rPr>
+              <a:t>(</a:t>
+            </a:r>
+            <a:r>
+              <a:rPr lang="ko-KR" altLang="en-US" sz="4000" smtClean="0">
+                <a:latin typeface="+mj-ea"/>
+                <a:ea typeface="+mj-ea"/>
+              </a:rPr>
+              <a:t>만 </a:t>
+            </a:r>
+            <a:r>
+              <a:rPr lang="en-US" altLang="ko-KR" sz="4000" smtClean="0">
+                <a:latin typeface="+mj-ea"/>
+                <a:ea typeface="+mj-ea"/>
+              </a:rPr>
+              <a:t>3</a:t>
+            </a:r>
+            <a:r>
+              <a:rPr lang="ko-KR" altLang="en-US" sz="4000" smtClean="0">
+                <a:latin typeface="+mj-ea"/>
+                <a:ea typeface="+mj-ea"/>
+              </a:rPr>
+              <a:t>세</a:t>
+            </a:r>
+            <a:r>
+              <a:rPr lang="en-US" altLang="ko-KR" sz="4000" smtClean="0">
+                <a:latin typeface="+mj-ea"/>
+                <a:ea typeface="+mj-ea"/>
+              </a:rPr>
+              <a:t>)</a:t>
+            </a:r>
+            <a:endParaRPr lang="en-US" altLang="ko-KR" sz="4000">
               <a:latin typeface="+mj-ea"/>
               <a:ea typeface="+mj-ea"/>
             </a:endParaRPr>
@@ -4808,90 +4161,299 @@
       </p:sp>
       <p:sp>
         <p:nvSpPr>
-          <p:cNvPr id="44" name="직사각형 43"/>
+          <p:cNvPr id="14" name="직사각형 13"/>
           <p:cNvSpPr/>
           <p:nvPr/>
         </p:nvSpPr>
         <p:spPr>
           <a:xfrm>
-            <a:off x="7234116" y="1682987"/>
-            <a:ext cx="2854764" cy="369332"/>
-          </a:xfrm>
-          <a:prstGeom prst="rect">
-            <a:avLst/>
-          </a:prstGeom>
-        </p:spPr>
-        <p:txBody>
-          <a:bodyPr wrap="square">
+            <a:off x="7747673" y="3465408"/>
+            <a:ext cx="629920" cy="377112"/>
+          </a:xfrm>
+          <a:prstGeom prst="rect">
+            <a:avLst/>
+          </a:prstGeom>
+          <a:solidFill>
+            <a:srgbClr val="FF0000"/>
+          </a:solidFill>
+        </p:spPr>
+        <p:style>
+          <a:lnRef idx="2">
+            <a:schemeClr val="accent1">
+              <a:shade val="50000"/>
+            </a:schemeClr>
+          </a:lnRef>
+          <a:fillRef idx="1">
+            <a:schemeClr val="accent1"/>
+          </a:fillRef>
+          <a:effectRef idx="0">
+            <a:schemeClr val="accent1"/>
+          </a:effectRef>
+          <a:fontRef idx="minor">
+            <a:schemeClr val="lt1"/>
+          </a:fontRef>
+        </p:style>
+        <p:txBody>
+          <a:bodyPr rtlCol="0" anchor="ctr"/>
+          <a:lstStyle/>
+          <a:p>
+            <a:pPr algn="ctr"/>
+            <a:r>
+              <a:rPr lang="ko-KR" altLang="en-US" smtClean="0"/>
+              <a:t>상</a:t>
+            </a:r>
+            <a:endParaRPr lang="ko-KR" altLang="en-US"/>
+          </a:p>
+        </p:txBody>
+      </p:sp>
+      <p:sp>
+        <p:nvSpPr>
+          <p:cNvPr id="15" name="직사각형 14"/>
+          <p:cNvSpPr/>
+          <p:nvPr/>
+        </p:nvSpPr>
+        <p:spPr>
+          <a:xfrm>
+            <a:off x="9487897" y="3464300"/>
+            <a:ext cx="629920" cy="377112"/>
+          </a:xfrm>
+          <a:prstGeom prst="rect">
+            <a:avLst/>
+          </a:prstGeom>
+        </p:spPr>
+        <p:style>
+          <a:lnRef idx="2">
+            <a:schemeClr val="accent1">
+              <a:shade val="50000"/>
+            </a:schemeClr>
+          </a:lnRef>
+          <a:fillRef idx="1">
+            <a:schemeClr val="accent1"/>
+          </a:fillRef>
+          <a:effectRef idx="0">
+            <a:schemeClr val="accent1"/>
+          </a:effectRef>
+          <a:fontRef idx="minor">
+            <a:schemeClr val="lt1"/>
+          </a:fontRef>
+        </p:style>
+        <p:txBody>
+          <a:bodyPr rtlCol="0" anchor="ctr"/>
+          <a:lstStyle/>
+          <a:p>
+            <a:pPr algn="ctr"/>
+            <a:r>
+              <a:rPr lang="ko-KR" altLang="en-US" smtClean="0"/>
+              <a:t>하</a:t>
+            </a:r>
+            <a:endParaRPr lang="ko-KR" altLang="en-US"/>
+          </a:p>
+        </p:txBody>
+      </p:sp>
+      <p:sp>
+        <p:nvSpPr>
+          <p:cNvPr id="16" name="직사각형 15"/>
+          <p:cNvSpPr/>
+          <p:nvPr/>
+        </p:nvSpPr>
+        <p:spPr>
+          <a:xfrm>
+            <a:off x="8617785" y="3459332"/>
+            <a:ext cx="629920" cy="377112"/>
+          </a:xfrm>
+          <a:prstGeom prst="rect">
+            <a:avLst/>
+          </a:prstGeom>
+        </p:spPr>
+        <p:style>
+          <a:lnRef idx="2">
+            <a:schemeClr val="accent1">
+              <a:shade val="50000"/>
+            </a:schemeClr>
+          </a:lnRef>
+          <a:fillRef idx="1">
+            <a:schemeClr val="accent1"/>
+          </a:fillRef>
+          <a:effectRef idx="0">
+            <a:schemeClr val="accent1"/>
+          </a:effectRef>
+          <a:fontRef idx="minor">
+            <a:schemeClr val="lt1"/>
+          </a:fontRef>
+        </p:style>
+        <p:txBody>
+          <a:bodyPr rtlCol="0" anchor="ctr"/>
+          <a:lstStyle/>
+          <a:p>
+            <a:pPr algn="ctr"/>
+            <a:r>
+              <a:rPr lang="ko-KR" altLang="en-US" smtClean="0"/>
+              <a:t>중</a:t>
+            </a:r>
+            <a:endParaRPr lang="ko-KR" altLang="en-US"/>
+          </a:p>
+        </p:txBody>
+      </p:sp>
+      <p:sp>
+        <p:nvSpPr>
+          <p:cNvPr id="18" name="직사각형 17"/>
+          <p:cNvSpPr/>
+          <p:nvPr/>
+        </p:nvSpPr>
+        <p:spPr>
+          <a:xfrm>
+            <a:off x="7747673" y="4070324"/>
+            <a:ext cx="2370144" cy="377112"/>
+          </a:xfrm>
+          <a:prstGeom prst="rect">
+            <a:avLst/>
+          </a:prstGeom>
+        </p:spPr>
+        <p:style>
+          <a:lnRef idx="2">
+            <a:schemeClr val="accent1">
+              <a:shade val="50000"/>
+            </a:schemeClr>
+          </a:lnRef>
+          <a:fillRef idx="1">
+            <a:schemeClr val="accent1"/>
+          </a:fillRef>
+          <a:effectRef idx="0">
+            <a:schemeClr val="accent1"/>
+          </a:effectRef>
+          <a:fontRef idx="minor">
+            <a:schemeClr val="lt1"/>
+          </a:fontRef>
+        </p:style>
+        <p:txBody>
+          <a:bodyPr rtlCol="0" anchor="ctr"/>
+          <a:lstStyle/>
+          <a:p>
+            <a:pPr algn="ctr"/>
+            <a:r>
+              <a:rPr lang="ko-KR" altLang="en-US" smtClean="0"/>
+              <a:t>이동하기</a:t>
+            </a:r>
+            <a:endParaRPr lang="ko-KR" altLang="en-US"/>
+          </a:p>
+        </p:txBody>
+      </p:sp>
+      <p:sp>
+        <p:nvSpPr>
+          <p:cNvPr id="19" name="직사각형 18"/>
+          <p:cNvSpPr/>
+          <p:nvPr/>
+        </p:nvSpPr>
+        <p:spPr>
+          <a:xfrm>
+            <a:off x="6021295" y="6032462"/>
+            <a:ext cx="1625601" cy="430887"/>
+          </a:xfrm>
+          <a:prstGeom prst="rect">
+            <a:avLst/>
+          </a:prstGeom>
+        </p:spPr>
+        <p:style>
+          <a:lnRef idx="2">
+            <a:schemeClr val="accent1">
+              <a:shade val="50000"/>
+            </a:schemeClr>
+          </a:lnRef>
+          <a:fillRef idx="1">
+            <a:schemeClr val="accent1"/>
+          </a:fillRef>
+          <a:effectRef idx="0">
+            <a:schemeClr val="accent1"/>
+          </a:effectRef>
+          <a:fontRef idx="minor">
+            <a:schemeClr val="lt1"/>
+          </a:fontRef>
+        </p:style>
+        <p:txBody>
+          <a:bodyPr rtlCol="0" anchor="ctr"/>
+          <a:lstStyle/>
+          <a:p>
+            <a:pPr algn="ctr"/>
+            <a:r>
+              <a:rPr lang="ko-KR" altLang="en-US" sz="1400" smtClean="0"/>
+              <a:t>삭제하기</a:t>
+            </a:r>
+            <a:endParaRPr lang="ko-KR" altLang="en-US" sz="1400"/>
+          </a:p>
+        </p:txBody>
+      </p:sp>
+      <p:sp>
+        <p:nvSpPr>
+          <p:cNvPr id="20" name="직사각형 19"/>
+          <p:cNvSpPr/>
+          <p:nvPr/>
+        </p:nvSpPr>
+        <p:spPr>
+          <a:xfrm>
+            <a:off x="4692324" y="6032461"/>
+            <a:ext cx="1228221" cy="430887"/>
+          </a:xfrm>
+          <a:prstGeom prst="rect">
+            <a:avLst/>
+          </a:prstGeom>
+        </p:spPr>
+        <p:txBody>
+          <a:bodyPr wrap="none">
             <a:spAutoFit/>
           </a:bodyPr>
           <a:lstStyle/>
           <a:p>
-            <a:pPr algn="r"/>
-            <a:r>
-              <a:rPr lang="ko-KR" altLang="en-US">
-                <a:latin typeface="+mn-ea"/>
-              </a:rPr>
-              <a:t>학습날짜 </a:t>
-            </a:r>
-            <a:r>
-              <a:rPr lang="en-US" altLang="ko-KR">
-                <a:latin typeface="+mn-ea"/>
-              </a:rPr>
-              <a:t>| 2022.12.12</a:t>
-            </a:r>
-          </a:p>
-        </p:txBody>
-      </p:sp>
-      <p:sp>
-        <p:nvSpPr>
-          <p:cNvPr id="45" name="직사각형 44"/>
-          <p:cNvSpPr/>
-          <p:nvPr/>
-        </p:nvSpPr>
-        <p:spPr>
-          <a:xfrm>
-            <a:off x="2062676" y="1682987"/>
-            <a:ext cx="2854764" cy="369332"/>
-          </a:xfrm>
-          <a:prstGeom prst="rect">
-            <a:avLst/>
-          </a:prstGeom>
-        </p:spPr>
-        <p:txBody>
-          <a:bodyPr wrap="square">
-            <a:spAutoFit/>
-          </a:bodyPr>
-          <a:lstStyle/>
-          <a:p>
-            <a:r>
-              <a:rPr lang="ko-KR" altLang="en-US" smtClean="0">
-                <a:latin typeface="+mn-ea"/>
-              </a:rPr>
-              <a:t>종합점수 </a:t>
-            </a:r>
-            <a:r>
-              <a:rPr lang="en-US" altLang="ko-KR" smtClean="0">
-                <a:latin typeface="+mn-ea"/>
-              </a:rPr>
-              <a:t>| 70</a:t>
-            </a:r>
-            <a:r>
-              <a:rPr lang="ko-KR" altLang="en-US" smtClean="0">
-                <a:latin typeface="+mn-ea"/>
-              </a:rPr>
-              <a:t>점</a:t>
-            </a:r>
-            <a:endParaRPr lang="en-US" altLang="ko-KR">
-              <a:latin typeface="+mn-ea"/>
+            <a:pPr>
+              <a:lnSpc>
+                <a:spcPct val="150000"/>
+              </a:lnSpc>
+            </a:pPr>
+            <a:r>
+              <a:rPr lang="ko-KR" altLang="en-US" sz="1600">
+                <a:latin typeface="+mj-ea"/>
+              </a:rPr>
+              <a:t>프로필 삭제</a:t>
+            </a:r>
+            <a:endParaRPr lang="en-US" altLang="ko-KR" sz="1600">
+              <a:latin typeface="+mj-ea"/>
             </a:endParaRPr>
           </a:p>
         </p:txBody>
       </p:sp>
+      <p:cxnSp>
+        <p:nvCxnSpPr>
+          <p:cNvPr id="22" name="직선 연결선 21"/>
+          <p:cNvCxnSpPr/>
+          <p:nvPr/>
+        </p:nvCxnSpPr>
+        <p:spPr>
+          <a:xfrm>
+            <a:off x="359629" y="5857325"/>
+            <a:ext cx="11486931" cy="25315"/>
+          </a:xfrm>
+          <a:prstGeom prst="line">
+            <a:avLst/>
+          </a:prstGeom>
+        </p:spPr>
+        <p:style>
+          <a:lnRef idx="1">
+            <a:schemeClr val="accent1"/>
+          </a:lnRef>
+          <a:fillRef idx="0">
+            <a:schemeClr val="accent1"/>
+          </a:fillRef>
+          <a:effectRef idx="0">
+            <a:schemeClr val="accent1"/>
+          </a:effectRef>
+          <a:fontRef idx="minor">
+            <a:schemeClr val="tx1"/>
+          </a:fontRef>
+        </p:style>
+      </p:cxnSp>
     </p:spTree>
     <p:extLst>
       <p:ext uri="{BB962C8B-B14F-4D97-AF65-F5344CB8AC3E}">
-        <p14:creationId xmlns:p14="http://schemas.microsoft.com/office/powerpoint/2010/main" val="2484256157"/>
+        <p14:creationId xmlns:p14="http://schemas.microsoft.com/office/powerpoint/2010/main" val="985792216"/>
       </p:ext>
     </p:extLst>
   </p:cSld>
@@ -4948,46 +4510,147 @@
           <a:lstStyle/>
           <a:p>
             <a:r>
+              <a:rPr lang="ko-KR" altLang="en-US">
+                <a:latin typeface="+mj-ea"/>
+                <a:ea typeface="+mj-ea"/>
+              </a:rPr>
+              <a:t>마이페이지 </a:t>
+            </a:r>
+            <a:r>
+              <a:rPr lang="en-US" altLang="ko-KR">
+                <a:latin typeface="+mj-ea"/>
+                <a:ea typeface="+mj-ea"/>
+              </a:rPr>
+              <a:t>MyPage </a:t>
+            </a:r>
+            <a:r>
+              <a:rPr lang="en-US" altLang="ko-KR" smtClean="0">
+                <a:latin typeface="+mj-ea"/>
+                <a:ea typeface="+mj-ea"/>
+              </a:rPr>
+              <a:t>&gt; </a:t>
+            </a:r>
+            <a:r>
               <a:rPr lang="ko-KR" altLang="en-US" smtClean="0">
                 <a:latin typeface="+mj-ea"/>
                 <a:ea typeface="+mj-ea"/>
               </a:rPr>
-              <a:t>메인화면 </a:t>
+              <a:t>나의 학습기록 </a:t>
             </a:r>
             <a:r>
               <a:rPr lang="en-US" altLang="ko-KR" smtClean="0">
                 <a:latin typeface="+mj-ea"/>
                 <a:ea typeface="+mj-ea"/>
               </a:rPr>
-              <a:t>Main</a:t>
-            </a:r>
-            <a:r>
-              <a:rPr lang="ko-KR" altLang="en-US" smtClean="0">
+              <a:t>MyHistory &gt;</a:t>
+            </a:r>
+            <a:endParaRPr lang="ko-KR" altLang="en-US">
+              <a:latin typeface="+mj-ea"/>
+              <a:ea typeface="+mj-ea"/>
+            </a:endParaRPr>
+          </a:p>
+        </p:txBody>
+      </p:sp>
+      <p:sp>
+        <p:nvSpPr>
+          <p:cNvPr id="5" name="TextBox 4"/>
+          <p:cNvSpPr txBox="1"/>
+          <p:nvPr/>
+        </p:nvSpPr>
+        <p:spPr>
+          <a:xfrm>
+            <a:off x="1483360" y="961351"/>
+            <a:ext cx="9438640" cy="669414"/>
+          </a:xfrm>
+          <a:prstGeom prst="rect">
+            <a:avLst/>
+          </a:prstGeom>
+          <a:noFill/>
+        </p:spPr>
+        <p:txBody>
+          <a:bodyPr wrap="square" rtlCol="0">
+            <a:spAutoFit/>
+          </a:bodyPr>
+          <a:lstStyle/>
+          <a:p>
+            <a:pPr algn="ctr">
+              <a:lnSpc>
+                <a:spcPct val="150000"/>
+              </a:lnSpc>
+            </a:pPr>
+            <a:r>
+              <a:rPr lang="ko-KR" altLang="en-US" sz="2500" smtClean="0">
                 <a:latin typeface="+mj-ea"/>
                 <a:ea typeface="+mj-ea"/>
               </a:rPr>
-              <a:t> </a:t>
-            </a:r>
-            <a:r>
-              <a:rPr lang="en-US" altLang="ko-KR" smtClean="0">
+              <a:t>학습날짜</a:t>
+            </a:r>
+            <a:r>
+              <a:rPr lang="en-US" altLang="ko-KR" sz="2500" smtClean="0">
                 <a:latin typeface="+mj-ea"/>
                 <a:ea typeface="+mj-ea"/>
               </a:rPr>
-              <a:t>&gt;</a:t>
-            </a:r>
+              <a:t>			  </a:t>
+            </a:r>
+            <a:r>
+              <a:rPr lang="ko-KR" altLang="en-US" sz="2500" smtClean="0">
+                <a:latin typeface="+mj-ea"/>
+                <a:ea typeface="+mj-ea"/>
+              </a:rPr>
+              <a:t>학습동화</a:t>
+            </a:r>
+            <a:r>
+              <a:rPr lang="en-US" altLang="ko-KR" sz="2500">
+                <a:latin typeface="+mj-ea"/>
+                <a:ea typeface="+mj-ea"/>
+              </a:rPr>
+              <a:t>	</a:t>
+            </a:r>
+            <a:r>
+              <a:rPr lang="en-US" altLang="ko-KR" sz="2500" smtClean="0">
+                <a:latin typeface="+mj-ea"/>
+                <a:ea typeface="+mj-ea"/>
+              </a:rPr>
+              <a:t>		</a:t>
+            </a:r>
+            <a:r>
+              <a:rPr lang="ko-KR" altLang="en-US" sz="2500" smtClean="0">
+                <a:latin typeface="+mj-ea"/>
+                <a:ea typeface="+mj-ea"/>
+              </a:rPr>
+              <a:t>점수</a:t>
+            </a:r>
+            <a:r>
+              <a:rPr lang="en-US" altLang="ko-KR" sz="2500" smtClean="0">
+                <a:latin typeface="+mj-ea"/>
+                <a:ea typeface="+mj-ea"/>
+              </a:rPr>
+              <a:t>			</a:t>
+            </a:r>
+            <a:r>
+              <a:rPr lang="ko-KR" altLang="en-US" sz="2500" smtClean="0">
+                <a:latin typeface="+mj-ea"/>
+                <a:ea typeface="+mj-ea"/>
+              </a:rPr>
+              <a:t>자세히보기</a:t>
+            </a:r>
+            <a:endParaRPr lang="en-US" altLang="ko-KR" sz="2500" smtClean="0">
+              <a:latin typeface="+mj-ea"/>
+              <a:ea typeface="+mj-ea"/>
+            </a:endParaRPr>
           </a:p>
         </p:txBody>
       </p:sp>
       <p:cxnSp>
         <p:nvCxnSpPr>
-          <p:cNvPr id="22" name="직선 연결선 21"/>
+          <p:cNvPr id="6" name="직선 연결선 5"/>
           <p:cNvCxnSpPr/>
           <p:nvPr/>
         </p:nvCxnSpPr>
         <p:spPr>
           <a:xfrm>
-            <a:off x="359629" y="5857325"/>
-            <a:ext cx="11486931" cy="25315"/>
+            <a:off x="1356428" y="1630765"/>
+            <a:ext cx="9493332" cy="25315"/>
           </a:xfrm>
           <a:prstGeom prst="line">
             <a:avLst/>
@@ -5010,14 +4673,422 @@
       </p:cxnSp>
       <p:sp>
         <p:nvSpPr>
-          <p:cNvPr id="23" name="직사각형 22"/>
+          <p:cNvPr id="7" name="직사각형 6"/>
           <p:cNvSpPr/>
           <p:nvPr/>
         </p:nvSpPr>
         <p:spPr>
           <a:xfrm>
-            <a:off x="5279615" y="6032462"/>
-            <a:ext cx="1625601" cy="430887"/>
+            <a:off x="1686560" y="1717742"/>
+            <a:ext cx="1292341" cy="4031873"/>
+          </a:xfrm>
+          <a:prstGeom prst="rect">
+            <a:avLst/>
+          </a:prstGeom>
+        </p:spPr>
+        <p:txBody>
+          <a:bodyPr wrap="none">
+            <a:spAutoFit/>
+          </a:bodyPr>
+          <a:lstStyle/>
+          <a:p>
+            <a:pPr algn="ctr">
+              <a:lnSpc>
+                <a:spcPct val="200000"/>
+              </a:lnSpc>
+            </a:pPr>
+            <a:r>
+              <a:rPr lang="en-US" altLang="ko-KR" sz="1600" smtClean="0">
+                <a:latin typeface="+mn-ea"/>
+              </a:rPr>
+              <a:t>2022.12.12</a:t>
+            </a:r>
+          </a:p>
+          <a:p>
+            <a:pPr algn="ctr">
+              <a:lnSpc>
+                <a:spcPct val="200000"/>
+              </a:lnSpc>
+            </a:pPr>
+            <a:r>
+              <a:rPr lang="en-US" altLang="ko-KR" sz="1600">
+                <a:latin typeface="+mn-ea"/>
+              </a:rPr>
+              <a:t>2022.12.12</a:t>
+            </a:r>
+          </a:p>
+          <a:p>
+            <a:pPr algn="ctr">
+              <a:lnSpc>
+                <a:spcPct val="200000"/>
+              </a:lnSpc>
+            </a:pPr>
+            <a:r>
+              <a:rPr lang="en-US" altLang="ko-KR" sz="1600">
+                <a:latin typeface="+mn-ea"/>
+              </a:rPr>
+              <a:t>2022.12.12</a:t>
+            </a:r>
+          </a:p>
+          <a:p>
+            <a:pPr algn="ctr">
+              <a:lnSpc>
+                <a:spcPct val="200000"/>
+              </a:lnSpc>
+            </a:pPr>
+            <a:r>
+              <a:rPr lang="en-US" altLang="ko-KR" sz="1600">
+                <a:latin typeface="+mn-ea"/>
+              </a:rPr>
+              <a:t>2022.12.12</a:t>
+            </a:r>
+          </a:p>
+          <a:p>
+            <a:pPr algn="ctr">
+              <a:lnSpc>
+                <a:spcPct val="200000"/>
+              </a:lnSpc>
+            </a:pPr>
+            <a:r>
+              <a:rPr lang="en-US" altLang="ko-KR" sz="1600">
+                <a:latin typeface="+mn-ea"/>
+              </a:rPr>
+              <a:t>2022.12.12</a:t>
+            </a:r>
+          </a:p>
+          <a:p>
+            <a:pPr algn="ctr">
+              <a:lnSpc>
+                <a:spcPct val="200000"/>
+              </a:lnSpc>
+            </a:pPr>
+            <a:r>
+              <a:rPr lang="en-US" altLang="ko-KR" sz="1600">
+                <a:latin typeface="+mn-ea"/>
+              </a:rPr>
+              <a:t>2022.12.12</a:t>
+            </a:r>
+          </a:p>
+          <a:p>
+            <a:pPr algn="ctr">
+              <a:lnSpc>
+                <a:spcPct val="200000"/>
+              </a:lnSpc>
+            </a:pPr>
+            <a:r>
+              <a:rPr lang="en-US" altLang="ko-KR" sz="1600">
+                <a:latin typeface="+mn-ea"/>
+              </a:rPr>
+              <a:t>2022.12.12</a:t>
+            </a:r>
+          </a:p>
+          <a:p>
+            <a:pPr algn="ctr">
+              <a:lnSpc>
+                <a:spcPct val="200000"/>
+              </a:lnSpc>
+            </a:pPr>
+            <a:r>
+              <a:rPr lang="en-US" altLang="ko-KR" sz="1600" smtClean="0">
+                <a:latin typeface="+mn-ea"/>
+              </a:rPr>
+              <a:t>2022.12.12</a:t>
+            </a:r>
+            <a:endParaRPr lang="en-US" altLang="ko-KR" sz="1600">
+              <a:latin typeface="+mn-ea"/>
+            </a:endParaRPr>
+          </a:p>
+        </p:txBody>
+      </p:sp>
+      <p:sp>
+        <p:nvSpPr>
+          <p:cNvPr id="8" name="직사각형 7"/>
+          <p:cNvSpPr/>
+          <p:nvPr/>
+        </p:nvSpPr>
+        <p:spPr>
+          <a:xfrm>
+            <a:off x="4090351" y="1717742"/>
+            <a:ext cx="1425390" cy="4031873"/>
+          </a:xfrm>
+          <a:prstGeom prst="rect">
+            <a:avLst/>
+          </a:prstGeom>
+        </p:spPr>
+        <p:txBody>
+          <a:bodyPr wrap="none">
+            <a:spAutoFit/>
+          </a:bodyPr>
+          <a:lstStyle/>
+          <a:p>
+            <a:pPr algn="ctr">
+              <a:lnSpc>
+                <a:spcPct val="200000"/>
+              </a:lnSpc>
+            </a:pPr>
+            <a:r>
+              <a:rPr lang="ko-KR" altLang="en-US" sz="1600" smtClean="0">
+                <a:latin typeface="+mn-ea"/>
+              </a:rPr>
+              <a:t>해님 달님</a:t>
+            </a:r>
+            <a:endParaRPr lang="en-US" altLang="ko-KR" sz="1600" smtClean="0">
+              <a:latin typeface="+mn-ea"/>
+            </a:endParaRPr>
+          </a:p>
+          <a:p>
+            <a:pPr algn="ctr">
+              <a:lnSpc>
+                <a:spcPct val="200000"/>
+              </a:lnSpc>
+            </a:pPr>
+            <a:r>
+              <a:rPr lang="ko-KR" altLang="en-US" sz="1600" smtClean="0">
+                <a:latin typeface="+mn-ea"/>
+              </a:rPr>
+              <a:t>여우와 신포도</a:t>
+            </a:r>
+            <a:endParaRPr lang="en-US" altLang="ko-KR" sz="1600" smtClean="0">
+              <a:latin typeface="+mn-ea"/>
+            </a:endParaRPr>
+          </a:p>
+          <a:p>
+            <a:pPr algn="ctr">
+              <a:lnSpc>
+                <a:spcPct val="200000"/>
+              </a:lnSpc>
+            </a:pPr>
+            <a:r>
+              <a:rPr lang="ko-KR" altLang="en-US" sz="1600" smtClean="0">
+                <a:latin typeface="+mn-ea"/>
+              </a:rPr>
+              <a:t>해님 달님</a:t>
+            </a:r>
+            <a:endParaRPr lang="en-US" altLang="ko-KR" sz="1600" smtClean="0">
+              <a:latin typeface="+mn-ea"/>
+            </a:endParaRPr>
+          </a:p>
+          <a:p>
+            <a:pPr algn="ctr">
+              <a:lnSpc>
+                <a:spcPct val="200000"/>
+              </a:lnSpc>
+            </a:pPr>
+            <a:r>
+              <a:rPr lang="ko-KR" altLang="en-US" sz="1600" smtClean="0">
+                <a:latin typeface="+mn-ea"/>
+              </a:rPr>
+              <a:t>여우와 신포도</a:t>
+            </a:r>
+            <a:endParaRPr lang="en-US" altLang="ko-KR" sz="1600" smtClean="0">
+              <a:latin typeface="+mn-ea"/>
+            </a:endParaRPr>
+          </a:p>
+          <a:p>
+            <a:pPr algn="ctr">
+              <a:lnSpc>
+                <a:spcPct val="200000"/>
+              </a:lnSpc>
+            </a:pPr>
+            <a:r>
+              <a:rPr lang="ko-KR" altLang="en-US" sz="1600" smtClean="0">
+                <a:latin typeface="+mn-ea"/>
+              </a:rPr>
+              <a:t>해님 달님</a:t>
+            </a:r>
+            <a:endParaRPr lang="en-US" altLang="ko-KR" sz="1600" smtClean="0">
+              <a:latin typeface="+mn-ea"/>
+            </a:endParaRPr>
+          </a:p>
+          <a:p>
+            <a:pPr algn="ctr">
+              <a:lnSpc>
+                <a:spcPct val="200000"/>
+              </a:lnSpc>
+            </a:pPr>
+            <a:r>
+              <a:rPr lang="ko-KR" altLang="en-US" sz="1600" smtClean="0">
+                <a:latin typeface="+mn-ea"/>
+              </a:rPr>
+              <a:t>여우와 신포도</a:t>
+            </a:r>
+            <a:endParaRPr lang="en-US" altLang="ko-KR" sz="1600" smtClean="0">
+              <a:latin typeface="+mn-ea"/>
+            </a:endParaRPr>
+          </a:p>
+          <a:p>
+            <a:pPr algn="ctr">
+              <a:lnSpc>
+                <a:spcPct val="200000"/>
+              </a:lnSpc>
+            </a:pPr>
+            <a:r>
+              <a:rPr lang="ko-KR" altLang="en-US" sz="1600" smtClean="0">
+                <a:latin typeface="+mn-ea"/>
+              </a:rPr>
+              <a:t>해님 달님</a:t>
+            </a:r>
+            <a:endParaRPr lang="en-US" altLang="ko-KR" sz="1600" smtClean="0">
+              <a:latin typeface="+mn-ea"/>
+            </a:endParaRPr>
+          </a:p>
+          <a:p>
+            <a:pPr algn="ctr">
+              <a:lnSpc>
+                <a:spcPct val="200000"/>
+              </a:lnSpc>
+            </a:pPr>
+            <a:r>
+              <a:rPr lang="ko-KR" altLang="en-US" sz="1600" smtClean="0">
+                <a:latin typeface="+mn-ea"/>
+              </a:rPr>
+              <a:t>여우와 신포도</a:t>
+            </a:r>
+            <a:endParaRPr lang="en-US" altLang="ko-KR" sz="1600">
+              <a:latin typeface="+mn-ea"/>
+            </a:endParaRPr>
+          </a:p>
+        </p:txBody>
+      </p:sp>
+      <p:sp>
+        <p:nvSpPr>
+          <p:cNvPr id="9" name="직사각형 8"/>
+          <p:cNvSpPr/>
+          <p:nvPr/>
+        </p:nvSpPr>
+        <p:spPr>
+          <a:xfrm>
+            <a:off x="7018209" y="1717741"/>
+            <a:ext cx="466794" cy="4031873"/>
+          </a:xfrm>
+          <a:prstGeom prst="rect">
+            <a:avLst/>
+          </a:prstGeom>
+        </p:spPr>
+        <p:txBody>
+          <a:bodyPr wrap="none">
+            <a:spAutoFit/>
+          </a:bodyPr>
+          <a:lstStyle/>
+          <a:p>
+            <a:pPr algn="ctr">
+              <a:lnSpc>
+                <a:spcPct val="200000"/>
+              </a:lnSpc>
+            </a:pPr>
+            <a:r>
+              <a:rPr lang="en-US" altLang="ko-KR" sz="1600" smtClean="0">
+                <a:latin typeface="+mn-ea"/>
+              </a:rPr>
+              <a:t>70</a:t>
+            </a:r>
+          </a:p>
+          <a:p>
+            <a:pPr algn="ctr">
+              <a:lnSpc>
+                <a:spcPct val="200000"/>
+              </a:lnSpc>
+            </a:pPr>
+            <a:r>
+              <a:rPr lang="en-US" altLang="ko-KR" sz="1600" smtClean="0">
+                <a:latin typeface="+mn-ea"/>
+              </a:rPr>
+              <a:t>30</a:t>
+            </a:r>
+          </a:p>
+          <a:p>
+            <a:pPr algn="ctr">
+              <a:lnSpc>
+                <a:spcPct val="200000"/>
+              </a:lnSpc>
+            </a:pPr>
+            <a:r>
+              <a:rPr lang="en-US" altLang="ko-KR" sz="1600" smtClean="0">
+                <a:latin typeface="+mn-ea"/>
+              </a:rPr>
+              <a:t>60</a:t>
+            </a:r>
+          </a:p>
+          <a:p>
+            <a:pPr algn="ctr">
+              <a:lnSpc>
+                <a:spcPct val="200000"/>
+              </a:lnSpc>
+            </a:pPr>
+            <a:r>
+              <a:rPr lang="en-US" altLang="ko-KR" sz="1600" smtClean="0">
+                <a:latin typeface="+mn-ea"/>
+              </a:rPr>
+              <a:t>50</a:t>
+            </a:r>
+          </a:p>
+          <a:p>
+            <a:pPr algn="ctr">
+              <a:lnSpc>
+                <a:spcPct val="200000"/>
+              </a:lnSpc>
+            </a:pPr>
+            <a:r>
+              <a:rPr lang="en-US" altLang="ko-KR" sz="1600" smtClean="0">
+                <a:latin typeface="+mn-ea"/>
+              </a:rPr>
+              <a:t>90</a:t>
+            </a:r>
+          </a:p>
+          <a:p>
+            <a:pPr algn="ctr">
+              <a:lnSpc>
+                <a:spcPct val="200000"/>
+              </a:lnSpc>
+            </a:pPr>
+            <a:r>
+              <a:rPr lang="en-US" altLang="ko-KR" sz="1600" smtClean="0">
+                <a:latin typeface="+mn-ea"/>
+              </a:rPr>
+              <a:t>30</a:t>
+            </a:r>
+          </a:p>
+          <a:p>
+            <a:pPr algn="ctr">
+              <a:lnSpc>
+                <a:spcPct val="200000"/>
+              </a:lnSpc>
+            </a:pPr>
+            <a:r>
+              <a:rPr lang="en-US" altLang="ko-KR" sz="1600" smtClean="0">
+                <a:latin typeface="+mn-ea"/>
+              </a:rPr>
+              <a:t>40</a:t>
+            </a:r>
+          </a:p>
+          <a:p>
+            <a:pPr algn="ctr">
+              <a:lnSpc>
+                <a:spcPct val="200000"/>
+              </a:lnSpc>
+            </a:pPr>
+            <a:r>
+              <a:rPr lang="en-US" altLang="ko-KR" sz="1600" smtClean="0">
+                <a:latin typeface="+mn-ea"/>
+              </a:rPr>
+              <a:t>20</a:t>
+            </a:r>
+            <a:endParaRPr lang="en-US" altLang="ko-KR" sz="1600">
+              <a:latin typeface="+mn-ea"/>
+            </a:endParaRPr>
+          </a:p>
+        </p:txBody>
+      </p:sp>
+      <p:sp>
+        <p:nvSpPr>
+          <p:cNvPr id="10" name="직사각형 9"/>
+          <p:cNvSpPr/>
+          <p:nvPr/>
+        </p:nvSpPr>
+        <p:spPr>
+          <a:xfrm>
+            <a:off x="8778239" y="1846543"/>
+            <a:ext cx="1625601" cy="348018"/>
           </a:xfrm>
           <a:prstGeom prst="rect">
             <a:avLst/>
@@ -5046,7 +5117,7 @@
             <a:pPr algn="ctr"/>
             <a:r>
               <a:rPr lang="ko-KR" altLang="en-US" sz="1400" smtClean="0"/>
-              <a:t>뒤로가기</a:t>
+              <a:t>자세히</a:t>
             </a:r>
             <a:endParaRPr lang="ko-KR" altLang="en-US" sz="1400"/>
           </a:p>
@@ -5054,14 +5125,14 @@
       </p:sp>
       <p:sp>
         <p:nvSpPr>
-          <p:cNvPr id="27" name="직사각형 26"/>
+          <p:cNvPr id="13" name="직사각형 12"/>
           <p:cNvSpPr/>
           <p:nvPr/>
         </p:nvSpPr>
         <p:spPr>
           <a:xfrm>
-            <a:off x="3007360" y="2197766"/>
-            <a:ext cx="6008303" cy="746858"/>
+            <a:off x="8768079" y="2354543"/>
+            <a:ext cx="1625601" cy="348018"/>
           </a:xfrm>
           <a:prstGeom prst="rect">
             <a:avLst/>
@@ -5089,23 +5160,23 @@
           <a:p>
             <a:pPr algn="ctr"/>
             <a:r>
-              <a:rPr lang="ko-KR" altLang="en-US" sz="3200" smtClean="0"/>
-              <a:t>동화 선택</a:t>
-            </a:r>
-            <a:endParaRPr lang="ko-KR" altLang="en-US" sz="3200"/>
-          </a:p>
-        </p:txBody>
-      </p:sp>
-      <p:sp>
-        <p:nvSpPr>
-          <p:cNvPr id="11" name="직사각형 10"/>
+              <a:rPr lang="ko-KR" altLang="en-US" sz="1400" smtClean="0"/>
+              <a:t>자세히</a:t>
+            </a:r>
+            <a:endParaRPr lang="ko-KR" altLang="en-US" sz="1400"/>
+          </a:p>
+        </p:txBody>
+      </p:sp>
+      <p:sp>
+        <p:nvSpPr>
+          <p:cNvPr id="14" name="직사각형 13"/>
           <p:cNvSpPr/>
           <p:nvPr/>
         </p:nvSpPr>
         <p:spPr>
           <a:xfrm>
-            <a:off x="3007359" y="3346780"/>
-            <a:ext cx="6008303" cy="746858"/>
+            <a:off x="8768079" y="2862543"/>
+            <a:ext cx="1625601" cy="348018"/>
           </a:xfrm>
           <a:prstGeom prst="rect">
             <a:avLst/>
@@ -5133,23 +5204,23 @@
           <a:p>
             <a:pPr algn="ctr"/>
             <a:r>
-              <a:rPr lang="ko-KR" altLang="en-US" sz="3200" smtClean="0"/>
-              <a:t>마이 페이지</a:t>
-            </a:r>
-            <a:endParaRPr lang="ko-KR" altLang="en-US" sz="3200"/>
-          </a:p>
-        </p:txBody>
-      </p:sp>
-      <p:sp>
-        <p:nvSpPr>
-          <p:cNvPr id="12" name="직사각형 11"/>
+              <a:rPr lang="ko-KR" altLang="en-US" sz="1400" smtClean="0"/>
+              <a:t>자세히</a:t>
+            </a:r>
+            <a:endParaRPr lang="ko-KR" altLang="en-US" sz="1400"/>
+          </a:p>
+        </p:txBody>
+      </p:sp>
+      <p:sp>
+        <p:nvSpPr>
+          <p:cNvPr id="15" name="직사각형 14"/>
           <p:cNvSpPr/>
           <p:nvPr/>
         </p:nvSpPr>
         <p:spPr>
           <a:xfrm>
-            <a:off x="3007360" y="4495794"/>
-            <a:ext cx="2880094" cy="746858"/>
+            <a:off x="8778239" y="3370543"/>
+            <a:ext cx="1625601" cy="348018"/>
           </a:xfrm>
           <a:prstGeom prst="rect">
             <a:avLst/>
@@ -5177,23 +5248,23 @@
           <a:p>
             <a:pPr algn="ctr"/>
             <a:r>
-              <a:rPr lang="ko-KR" altLang="en-US" sz="3200" smtClean="0"/>
-              <a:t>혼자할래요</a:t>
-            </a:r>
-            <a:endParaRPr lang="ko-KR" altLang="en-US" sz="3200"/>
-          </a:p>
-        </p:txBody>
-      </p:sp>
-      <p:sp>
-        <p:nvSpPr>
-          <p:cNvPr id="13" name="직사각형 12"/>
+              <a:rPr lang="ko-KR" altLang="en-US" sz="1400" smtClean="0"/>
+              <a:t>자세히</a:t>
+            </a:r>
+            <a:endParaRPr lang="ko-KR" altLang="en-US" sz="1400"/>
+          </a:p>
+        </p:txBody>
+      </p:sp>
+      <p:sp>
+        <p:nvSpPr>
+          <p:cNvPr id="16" name="직사각형 15"/>
           <p:cNvSpPr/>
           <p:nvPr/>
         </p:nvSpPr>
         <p:spPr>
           <a:xfrm>
-            <a:off x="6135568" y="4495794"/>
-            <a:ext cx="2880094" cy="746858"/>
+            <a:off x="8768079" y="3878543"/>
+            <a:ext cx="1625601" cy="348018"/>
           </a:xfrm>
           <a:prstGeom prst="rect">
             <a:avLst/>
@@ -5221,58 +5292,223 @@
           <a:p>
             <a:pPr algn="ctr"/>
             <a:r>
-              <a:rPr lang="ko-KR" altLang="en-US" sz="3200" smtClean="0"/>
-              <a:t>같이할래요</a:t>
-            </a:r>
-            <a:endParaRPr lang="ko-KR" altLang="en-US" sz="3200"/>
-          </a:p>
-        </p:txBody>
-      </p:sp>
-      <p:sp>
-        <p:nvSpPr>
-          <p:cNvPr id="15" name="TextBox 14"/>
-          <p:cNvSpPr txBox="1"/>
-          <p:nvPr/>
-        </p:nvSpPr>
-        <p:spPr>
-          <a:xfrm>
-            <a:off x="1373095" y="971894"/>
-            <a:ext cx="9438640" cy="938719"/>
-          </a:xfrm>
-          <a:prstGeom prst="rect">
-            <a:avLst/>
-          </a:prstGeom>
-          <a:noFill/>
-        </p:spPr>
-        <p:txBody>
-          <a:bodyPr wrap="square" rtlCol="0">
-            <a:spAutoFit/>
-          </a:bodyPr>
-          <a:lstStyle/>
-          <a:p>
-            <a:pPr algn="ctr">
-              <a:lnSpc>
-                <a:spcPct val="150000"/>
-              </a:lnSpc>
-            </a:pPr>
-            <a:r>
-              <a:rPr lang="ko-KR" altLang="en-US" sz="4000" smtClean="0">
-                <a:latin typeface="+mj-ea"/>
-                <a:ea typeface="+mj-ea"/>
-              </a:rPr>
-              <a:t>프로그램명</a:t>
-            </a:r>
-            <a:endParaRPr lang="en-US" altLang="ko-KR" sz="2800" smtClean="0">
-              <a:latin typeface="+mj-ea"/>
-              <a:ea typeface="+mj-ea"/>
-            </a:endParaRPr>
+              <a:rPr lang="ko-KR" altLang="en-US" sz="1400" smtClean="0"/>
+              <a:t>자세히</a:t>
+            </a:r>
+            <a:endParaRPr lang="ko-KR" altLang="en-US" sz="1400"/>
+          </a:p>
+        </p:txBody>
+      </p:sp>
+      <p:sp>
+        <p:nvSpPr>
+          <p:cNvPr id="17" name="직사각형 16"/>
+          <p:cNvSpPr/>
+          <p:nvPr/>
+        </p:nvSpPr>
+        <p:spPr>
+          <a:xfrm>
+            <a:off x="8768079" y="4386543"/>
+            <a:ext cx="1625601" cy="348018"/>
+          </a:xfrm>
+          <a:prstGeom prst="rect">
+            <a:avLst/>
+          </a:prstGeom>
+        </p:spPr>
+        <p:style>
+          <a:lnRef idx="2">
+            <a:schemeClr val="accent1">
+              <a:shade val="50000"/>
+            </a:schemeClr>
+          </a:lnRef>
+          <a:fillRef idx="1">
+            <a:schemeClr val="accent1"/>
+          </a:fillRef>
+          <a:effectRef idx="0">
+            <a:schemeClr val="accent1"/>
+          </a:effectRef>
+          <a:fontRef idx="minor">
+            <a:schemeClr val="lt1"/>
+          </a:fontRef>
+        </p:style>
+        <p:txBody>
+          <a:bodyPr rtlCol="0" anchor="ctr"/>
+          <a:lstStyle/>
+          <a:p>
+            <a:pPr algn="ctr"/>
+            <a:r>
+              <a:rPr lang="ko-KR" altLang="en-US" sz="1400" smtClean="0"/>
+              <a:t>자세히</a:t>
+            </a:r>
+            <a:endParaRPr lang="ko-KR" altLang="en-US" sz="1400"/>
+          </a:p>
+        </p:txBody>
+      </p:sp>
+      <p:sp>
+        <p:nvSpPr>
+          <p:cNvPr id="18" name="직사각형 17"/>
+          <p:cNvSpPr/>
+          <p:nvPr/>
+        </p:nvSpPr>
+        <p:spPr>
+          <a:xfrm>
+            <a:off x="8778239" y="4873276"/>
+            <a:ext cx="1625601" cy="348018"/>
+          </a:xfrm>
+          <a:prstGeom prst="rect">
+            <a:avLst/>
+          </a:prstGeom>
+        </p:spPr>
+        <p:style>
+          <a:lnRef idx="2">
+            <a:schemeClr val="accent1">
+              <a:shade val="50000"/>
+            </a:schemeClr>
+          </a:lnRef>
+          <a:fillRef idx="1">
+            <a:schemeClr val="accent1"/>
+          </a:fillRef>
+          <a:effectRef idx="0">
+            <a:schemeClr val="accent1"/>
+          </a:effectRef>
+          <a:fontRef idx="minor">
+            <a:schemeClr val="lt1"/>
+          </a:fontRef>
+        </p:style>
+        <p:txBody>
+          <a:bodyPr rtlCol="0" anchor="ctr"/>
+          <a:lstStyle/>
+          <a:p>
+            <a:pPr algn="ctr"/>
+            <a:r>
+              <a:rPr lang="ko-KR" altLang="en-US" sz="1400" smtClean="0"/>
+              <a:t>자세히</a:t>
+            </a:r>
+            <a:endParaRPr lang="ko-KR" altLang="en-US" sz="1400"/>
+          </a:p>
+        </p:txBody>
+      </p:sp>
+      <p:sp>
+        <p:nvSpPr>
+          <p:cNvPr id="19" name="직사각형 18"/>
+          <p:cNvSpPr/>
+          <p:nvPr/>
+        </p:nvSpPr>
+        <p:spPr>
+          <a:xfrm>
+            <a:off x="8778239" y="5381276"/>
+            <a:ext cx="1625601" cy="348018"/>
+          </a:xfrm>
+          <a:prstGeom prst="rect">
+            <a:avLst/>
+          </a:prstGeom>
+        </p:spPr>
+        <p:style>
+          <a:lnRef idx="2">
+            <a:schemeClr val="accent1">
+              <a:shade val="50000"/>
+            </a:schemeClr>
+          </a:lnRef>
+          <a:fillRef idx="1">
+            <a:schemeClr val="accent1"/>
+          </a:fillRef>
+          <a:effectRef idx="0">
+            <a:schemeClr val="accent1"/>
+          </a:effectRef>
+          <a:fontRef idx="minor">
+            <a:schemeClr val="lt1"/>
+          </a:fontRef>
+        </p:style>
+        <p:txBody>
+          <a:bodyPr rtlCol="0" anchor="ctr"/>
+          <a:lstStyle/>
+          <a:p>
+            <a:pPr algn="ctr"/>
+            <a:r>
+              <a:rPr lang="ko-KR" altLang="en-US" sz="1400" smtClean="0"/>
+              <a:t>자세히</a:t>
+            </a:r>
+            <a:endParaRPr lang="ko-KR" altLang="en-US" sz="1400"/>
+          </a:p>
+        </p:txBody>
+      </p:sp>
+      <p:cxnSp>
+        <p:nvCxnSpPr>
+          <p:cNvPr id="22" name="직선 연결선 21"/>
+          <p:cNvCxnSpPr/>
+          <p:nvPr/>
+        </p:nvCxnSpPr>
+        <p:spPr>
+          <a:xfrm>
+            <a:off x="359629" y="5857325"/>
+            <a:ext cx="11486931" cy="25315"/>
+          </a:xfrm>
+          <a:prstGeom prst="line">
+            <a:avLst/>
+          </a:prstGeom>
+        </p:spPr>
+        <p:style>
+          <a:lnRef idx="1">
+            <a:schemeClr val="accent1"/>
+          </a:lnRef>
+          <a:fillRef idx="0">
+            <a:schemeClr val="accent1"/>
+          </a:fillRef>
+          <a:effectRef idx="0">
+            <a:schemeClr val="accent1"/>
+          </a:effectRef>
+          <a:fontRef idx="minor">
+            <a:schemeClr val="tx1"/>
+          </a:fontRef>
+        </p:style>
+      </p:cxnSp>
+      <p:sp>
+        <p:nvSpPr>
+          <p:cNvPr id="23" name="직사각형 22"/>
+          <p:cNvSpPr/>
+          <p:nvPr/>
+        </p:nvSpPr>
+        <p:spPr>
+          <a:xfrm>
+            <a:off x="5279615" y="6032462"/>
+            <a:ext cx="1625601" cy="430887"/>
+          </a:xfrm>
+          <a:prstGeom prst="rect">
+            <a:avLst/>
+          </a:prstGeom>
+        </p:spPr>
+        <p:style>
+          <a:lnRef idx="2">
+            <a:schemeClr val="accent1">
+              <a:shade val="50000"/>
+            </a:schemeClr>
+          </a:lnRef>
+          <a:fillRef idx="1">
+            <a:schemeClr val="accent1"/>
+          </a:fillRef>
+          <a:effectRef idx="0">
+            <a:schemeClr val="accent1"/>
+          </a:effectRef>
+          <a:fontRef idx="minor">
+            <a:schemeClr val="lt1"/>
+          </a:fontRef>
+        </p:style>
+        <p:txBody>
+          <a:bodyPr rtlCol="0" anchor="ctr"/>
+          <a:lstStyle/>
+          <a:p>
+            <a:pPr algn="ctr"/>
+            <a:r>
+              <a:rPr lang="ko-KR" altLang="en-US" sz="1400" smtClean="0"/>
+              <a:t>뒤로가기</a:t>
+            </a:r>
+            <a:endParaRPr lang="ko-KR" altLang="en-US" sz="1400"/>
           </a:p>
         </p:txBody>
       </p:sp>
     </p:spTree>
     <p:extLst>
       <p:ext uri="{BB962C8B-B14F-4D97-AF65-F5344CB8AC3E}">
-        <p14:creationId xmlns:p14="http://schemas.microsoft.com/office/powerpoint/2010/main" val="1115873725"/>
+        <p14:creationId xmlns:p14="http://schemas.microsoft.com/office/powerpoint/2010/main" val="1828187430"/>
       </p:ext>
     </p:extLst>
   </p:cSld>
@@ -5306,9 +5542,116 @@
           <a:chExt cx="0" cy="0"/>
         </a:xfrm>
       </p:grpSpPr>
+      <p:sp>
+        <p:nvSpPr>
+          <p:cNvPr id="4" name="TextBox 3"/>
+          <p:cNvSpPr txBox="1"/>
+          <p:nvPr/>
+        </p:nvSpPr>
+        <p:spPr>
+          <a:xfrm>
+            <a:off x="361963" y="315410"/>
+            <a:ext cx="10824197" cy="369332"/>
+          </a:xfrm>
+          <a:prstGeom prst="rect">
+            <a:avLst/>
+          </a:prstGeom>
+          <a:noFill/>
+        </p:spPr>
+        <p:txBody>
+          <a:bodyPr wrap="square" rtlCol="0">
+            <a:spAutoFit/>
+          </a:bodyPr>
+          <a:lstStyle/>
+          <a:p>
+            <a:r>
+              <a:rPr lang="ko-KR" altLang="en-US">
+                <a:latin typeface="+mj-ea"/>
+                <a:ea typeface="+mj-ea"/>
+              </a:rPr>
+              <a:t>마이페이지 </a:t>
+            </a:r>
+            <a:r>
+              <a:rPr lang="en-US" altLang="ko-KR">
+                <a:latin typeface="+mj-ea"/>
+                <a:ea typeface="+mj-ea"/>
+              </a:rPr>
+              <a:t>MyPage &gt; </a:t>
+            </a:r>
+            <a:r>
+              <a:rPr lang="ko-KR" altLang="en-US">
+                <a:latin typeface="+mj-ea"/>
+                <a:ea typeface="+mj-ea"/>
+              </a:rPr>
+              <a:t>나의 학습기록 </a:t>
+            </a:r>
+            <a:r>
+              <a:rPr lang="en-US" altLang="ko-KR">
+                <a:latin typeface="+mj-ea"/>
+                <a:ea typeface="+mj-ea"/>
+              </a:rPr>
+              <a:t>MyHistory </a:t>
+            </a:r>
+            <a:r>
+              <a:rPr lang="en-US" altLang="ko-KR" smtClean="0">
+                <a:latin typeface="+mj-ea"/>
+                <a:ea typeface="+mj-ea"/>
+              </a:rPr>
+              <a:t>&gt; </a:t>
+            </a:r>
+            <a:r>
+              <a:rPr lang="ko-KR" altLang="en-US" smtClean="0">
+                <a:latin typeface="+mj-ea"/>
+                <a:ea typeface="+mj-ea"/>
+              </a:rPr>
+              <a:t>자세히보기 </a:t>
+            </a:r>
+            <a:r>
+              <a:rPr lang="en-US" altLang="ko-KR" smtClean="0">
+                <a:latin typeface="+mj-ea"/>
+                <a:ea typeface="+mj-ea"/>
+              </a:rPr>
+              <a:t>More</a:t>
+            </a:r>
+            <a:endParaRPr lang="en-US" altLang="ko-KR">
+              <a:latin typeface="+mj-ea"/>
+              <a:ea typeface="+mj-ea"/>
+            </a:endParaRPr>
+          </a:p>
+        </p:txBody>
+      </p:sp>
+      <p:pic>
+        <p:nvPicPr>
+          <p:cNvPr id="40" name="그림 39"/>
+          <p:cNvPicPr>
+            <a:picLocks noChangeAspect="1"/>
+          </p:cNvPicPr>
+          <p:nvPr/>
+        </p:nvPicPr>
+        <p:blipFill rotWithShape="1">
+          <a:blip r:embed="rId2">
+            <a:extLst>
+              <a:ext uri="{28A0092B-C50C-407E-A947-70E740481C1C}">
+                <a14:useLocalDpi xmlns:a14="http://schemas.microsoft.com/office/drawing/2010/main" val="0"/>
+              </a:ext>
+            </a:extLst>
+          </a:blip>
+          <a:srcRect t="21302"/>
+          <a:stretch/>
+        </p:blipFill>
+        <p:spPr>
+          <a:xfrm>
+            <a:off x="1934091" y="2052319"/>
+            <a:ext cx="8327509" cy="3624913"/>
+          </a:xfrm>
+          <a:prstGeom prst="rect">
+            <a:avLst/>
+          </a:prstGeom>
+        </p:spPr>
+      </p:pic>
       <p:cxnSp>
         <p:nvCxnSpPr>
-          <p:cNvPr id="22" name="직선 연결선 21"/>
+          <p:cNvPr id="41" name="직선 연결선 40"/>
           <p:cNvCxnSpPr/>
           <p:nvPr/>
         </p:nvCxnSpPr>
@@ -5338,7 +5681,7 @@
       </p:cxnSp>
       <p:sp>
         <p:nvSpPr>
-          <p:cNvPr id="23" name="직사각형 22"/>
+          <p:cNvPr id="42" name="직사각형 41"/>
           <p:cNvSpPr/>
           <p:nvPr/>
         </p:nvSpPr>
@@ -5382,443 +5725,126 @@
       </p:sp>
       <p:sp>
         <p:nvSpPr>
-          <p:cNvPr id="27" name="직사각형 26"/>
-          <p:cNvSpPr>
-            <a:spLocks noChangeAspect="1"/>
-          </p:cNvSpPr>
-          <p:nvPr/>
-        </p:nvSpPr>
-        <p:spPr>
-          <a:xfrm>
-            <a:off x="998700" y="966484"/>
-            <a:ext cx="2160000" cy="2160000"/>
-          </a:xfrm>
-          <a:prstGeom prst="rect">
-            <a:avLst/>
-          </a:prstGeom>
-        </p:spPr>
-        <p:style>
-          <a:lnRef idx="2">
-            <a:schemeClr val="accent1">
-              <a:shade val="50000"/>
-            </a:schemeClr>
-          </a:lnRef>
-          <a:fillRef idx="1">
-            <a:schemeClr val="accent1"/>
-          </a:fillRef>
-          <a:effectRef idx="0">
-            <a:schemeClr val="accent1"/>
-          </a:effectRef>
-          <a:fontRef idx="minor">
-            <a:schemeClr val="lt1"/>
-          </a:fontRef>
-        </p:style>
-        <p:txBody>
-          <a:bodyPr rtlCol="0" anchor="ctr"/>
-          <a:lstStyle/>
-          <a:p>
-            <a:pPr algn="ctr"/>
-            <a:r>
-              <a:rPr lang="ko-KR" altLang="en-US" sz="2000" smtClean="0"/>
-              <a:t>해님 달님</a:t>
-            </a:r>
-            <a:endParaRPr lang="ko-KR" altLang="en-US" sz="2000"/>
-          </a:p>
-        </p:txBody>
-      </p:sp>
-      <p:sp>
-        <p:nvSpPr>
-          <p:cNvPr id="11" name="TextBox 10"/>
-          <p:cNvSpPr txBox="1"/>
-          <p:nvPr/>
-        </p:nvSpPr>
-        <p:spPr>
-          <a:xfrm>
-            <a:off x="361963" y="315410"/>
-            <a:ext cx="8406116" cy="369332"/>
-          </a:xfrm>
-          <a:prstGeom prst="rect">
-            <a:avLst/>
-          </a:prstGeom>
-          <a:noFill/>
-        </p:spPr>
-        <p:txBody>
-          <a:bodyPr wrap="square" rtlCol="0">
+          <p:cNvPr id="43" name="직사각형 42"/>
+          <p:cNvSpPr/>
+          <p:nvPr/>
+        </p:nvSpPr>
+        <p:spPr>
+          <a:xfrm>
+            <a:off x="4128398" y="1267488"/>
+            <a:ext cx="3928033" cy="830997"/>
+          </a:xfrm>
+          <a:prstGeom prst="rect">
+            <a:avLst/>
+          </a:prstGeom>
+        </p:spPr>
+        <p:txBody>
+          <a:bodyPr wrap="square">
             <a:spAutoFit/>
           </a:bodyPr>
           <a:lstStyle/>
           <a:p>
-            <a:r>
-              <a:rPr lang="ko-KR" altLang="en-US" smtClean="0">
+            <a:pPr algn="ctr"/>
+            <a:r>
+              <a:rPr lang="ko-KR" altLang="en-US" sz="4800" smtClean="0">
                 <a:latin typeface="+mj-ea"/>
                 <a:ea typeface="+mj-ea"/>
               </a:rPr>
-              <a:t>메인화면 </a:t>
+              <a:t>해님달님</a:t>
+            </a:r>
+            <a:endParaRPr lang="ko-KR" altLang="en-US" sz="4800">
+              <a:latin typeface="+mj-ea"/>
+              <a:ea typeface="+mj-ea"/>
+            </a:endParaRPr>
+          </a:p>
+        </p:txBody>
+      </p:sp>
+      <p:sp>
+        <p:nvSpPr>
+          <p:cNvPr id="44" name="직사각형 43"/>
+          <p:cNvSpPr/>
+          <p:nvPr/>
+        </p:nvSpPr>
+        <p:spPr>
+          <a:xfrm>
+            <a:off x="7234116" y="1682987"/>
+            <a:ext cx="2854764" cy="369332"/>
+          </a:xfrm>
+          <a:prstGeom prst="rect">
+            <a:avLst/>
+          </a:prstGeom>
+        </p:spPr>
+        <p:txBody>
+          <a:bodyPr wrap="square">
+            <a:spAutoFit/>
+          </a:bodyPr>
+          <a:lstStyle/>
+          <a:p>
+            <a:pPr algn="r"/>
+            <a:r>
+              <a:rPr lang="ko-KR" altLang="en-US">
+                <a:latin typeface="+mn-ea"/>
+              </a:rPr>
+              <a:t>학습날짜 </a:t>
+            </a:r>
+            <a:r>
+              <a:rPr lang="en-US" altLang="ko-KR">
+                <a:latin typeface="+mn-ea"/>
+              </a:rPr>
+              <a:t>| 2022.12.12</a:t>
+            </a:r>
+          </a:p>
+        </p:txBody>
+      </p:sp>
+      <p:sp>
+        <p:nvSpPr>
+          <p:cNvPr id="45" name="직사각형 44"/>
+          <p:cNvSpPr/>
+          <p:nvPr/>
+        </p:nvSpPr>
+        <p:spPr>
+          <a:xfrm>
+            <a:off x="2062676" y="1682987"/>
+            <a:ext cx="2854764" cy="369332"/>
+          </a:xfrm>
+          <a:prstGeom prst="rect">
+            <a:avLst/>
+          </a:prstGeom>
+        </p:spPr>
+        <p:txBody>
+          <a:bodyPr wrap="square">
+            <a:spAutoFit/>
+          </a:bodyPr>
+          <a:lstStyle/>
+          <a:p>
+            <a:r>
+              <a:rPr lang="ko-KR" altLang="en-US" smtClean="0">
+                <a:latin typeface="+mn-ea"/>
+              </a:rPr>
+              <a:t>종합점수 </a:t>
             </a:r>
             <a:r>
               <a:rPr lang="en-US" altLang="ko-KR" smtClean="0">
-                <a:latin typeface="+mj-ea"/>
-                <a:ea typeface="+mj-ea"/>
-              </a:rPr>
-              <a:t>Main</a:t>
+                <a:latin typeface="+mn-ea"/>
+              </a:rPr>
+              <a:t>| 70</a:t>
             </a:r>
             <a:r>
               <a:rPr lang="ko-KR" altLang="en-US" smtClean="0">
-                <a:latin typeface="+mj-ea"/>
-                <a:ea typeface="+mj-ea"/>
-              </a:rPr>
-              <a:t> </a:t>
-            </a:r>
-            <a:r>
-              <a:rPr lang="en-US" altLang="ko-KR" smtClean="0">
-                <a:latin typeface="+mj-ea"/>
-                <a:ea typeface="+mj-ea"/>
-              </a:rPr>
-              <a:t>&gt; </a:t>
-            </a:r>
-            <a:r>
-              <a:rPr lang="ko-KR" altLang="en-US" smtClean="0">
-                <a:latin typeface="+mj-ea"/>
-                <a:ea typeface="+mj-ea"/>
-              </a:rPr>
-              <a:t>동화 선택 </a:t>
-            </a:r>
-            <a:r>
-              <a:rPr lang="en-US" altLang="ko-KR" smtClean="0">
-                <a:latin typeface="+mj-ea"/>
-                <a:ea typeface="+mj-ea"/>
-              </a:rPr>
-              <a:t>Story</a:t>
-            </a:r>
-          </a:p>
-        </p:txBody>
-      </p:sp>
-      <p:sp>
-        <p:nvSpPr>
-          <p:cNvPr id="12" name="직사각형 11"/>
-          <p:cNvSpPr>
-            <a:spLocks noChangeAspect="1"/>
-          </p:cNvSpPr>
-          <p:nvPr/>
-        </p:nvSpPr>
-        <p:spPr>
-          <a:xfrm>
-            <a:off x="3693569" y="966484"/>
-            <a:ext cx="2160000" cy="2160000"/>
-          </a:xfrm>
-          <a:prstGeom prst="rect">
-            <a:avLst/>
-          </a:prstGeom>
-        </p:spPr>
-        <p:style>
-          <a:lnRef idx="2">
-            <a:schemeClr val="accent1">
-              <a:shade val="50000"/>
-            </a:schemeClr>
-          </a:lnRef>
-          <a:fillRef idx="1">
-            <a:schemeClr val="accent1"/>
-          </a:fillRef>
-          <a:effectRef idx="0">
-            <a:schemeClr val="accent1"/>
-          </a:effectRef>
-          <a:fontRef idx="minor">
-            <a:schemeClr val="lt1"/>
-          </a:fontRef>
-        </p:style>
-        <p:txBody>
-          <a:bodyPr rtlCol="0" anchor="ctr"/>
-          <a:lstStyle/>
-          <a:p>
-            <a:pPr algn="ctr"/>
-            <a:r>
-              <a:rPr lang="ko-KR" altLang="en-US" sz="2000" smtClean="0"/>
-              <a:t>여우와 신포도</a:t>
-            </a:r>
-            <a:endParaRPr lang="ko-KR" altLang="en-US" sz="2000"/>
-          </a:p>
-        </p:txBody>
-      </p:sp>
-      <p:sp>
-        <p:nvSpPr>
-          <p:cNvPr id="13" name="직사각형 12"/>
-          <p:cNvSpPr>
-            <a:spLocks noChangeAspect="1"/>
-          </p:cNvSpPr>
-          <p:nvPr/>
-        </p:nvSpPr>
-        <p:spPr>
-          <a:xfrm>
-            <a:off x="6388438" y="966484"/>
-            <a:ext cx="2160000" cy="2160000"/>
-          </a:xfrm>
-          <a:prstGeom prst="rect">
-            <a:avLst/>
-          </a:prstGeom>
-        </p:spPr>
-        <p:style>
-          <a:lnRef idx="2">
-            <a:schemeClr val="accent1">
-              <a:shade val="50000"/>
-            </a:schemeClr>
-          </a:lnRef>
-          <a:fillRef idx="1">
-            <a:schemeClr val="accent1"/>
-          </a:fillRef>
-          <a:effectRef idx="0">
-            <a:schemeClr val="accent1"/>
-          </a:effectRef>
-          <a:fontRef idx="minor">
-            <a:schemeClr val="lt1"/>
-          </a:fontRef>
-        </p:style>
-        <p:txBody>
-          <a:bodyPr rtlCol="0" anchor="ctr"/>
-          <a:lstStyle/>
-          <a:p>
-            <a:pPr algn="ctr"/>
-            <a:r>
-              <a:rPr lang="ko-KR" altLang="en-US" sz="2000" smtClean="0"/>
-              <a:t>여우와 신포도</a:t>
-            </a:r>
-            <a:endParaRPr lang="ko-KR" altLang="en-US" sz="2000"/>
-          </a:p>
-        </p:txBody>
-      </p:sp>
-      <p:sp>
-        <p:nvSpPr>
-          <p:cNvPr id="14" name="직사각형 13"/>
-          <p:cNvSpPr>
-            <a:spLocks noChangeAspect="1"/>
-          </p:cNvSpPr>
-          <p:nvPr/>
-        </p:nvSpPr>
-        <p:spPr>
-          <a:xfrm>
-            <a:off x="9083307" y="966484"/>
-            <a:ext cx="2160000" cy="2160000"/>
-          </a:xfrm>
-          <a:prstGeom prst="rect">
-            <a:avLst/>
-          </a:prstGeom>
-        </p:spPr>
-        <p:style>
-          <a:lnRef idx="2">
-            <a:schemeClr val="accent1">
-              <a:shade val="50000"/>
-            </a:schemeClr>
-          </a:lnRef>
-          <a:fillRef idx="1">
-            <a:schemeClr val="accent1"/>
-          </a:fillRef>
-          <a:effectRef idx="0">
-            <a:schemeClr val="accent1"/>
-          </a:effectRef>
-          <a:fontRef idx="minor">
-            <a:schemeClr val="lt1"/>
-          </a:fontRef>
-        </p:style>
-        <p:txBody>
-          <a:bodyPr rtlCol="0" anchor="ctr"/>
-          <a:lstStyle/>
-          <a:p>
-            <a:pPr algn="ctr"/>
-            <a:r>
-              <a:rPr lang="ko-KR" altLang="en-US" sz="2000" smtClean="0"/>
-              <a:t>여우와 신포도</a:t>
-            </a:r>
-            <a:endParaRPr lang="ko-KR" altLang="en-US" sz="2000"/>
-          </a:p>
-        </p:txBody>
-      </p:sp>
-      <p:sp>
-        <p:nvSpPr>
-          <p:cNvPr id="15" name="직사각형 14"/>
-          <p:cNvSpPr>
-            <a:spLocks noChangeAspect="1"/>
-          </p:cNvSpPr>
-          <p:nvPr/>
-        </p:nvSpPr>
-        <p:spPr>
-          <a:xfrm>
-            <a:off x="998700" y="3415583"/>
-            <a:ext cx="2160000" cy="2160000"/>
-          </a:xfrm>
-          <a:prstGeom prst="rect">
-            <a:avLst/>
-          </a:prstGeom>
-        </p:spPr>
-        <p:style>
-          <a:lnRef idx="2">
-            <a:schemeClr val="accent1">
-              <a:shade val="50000"/>
-            </a:schemeClr>
-          </a:lnRef>
-          <a:fillRef idx="1">
-            <a:schemeClr val="accent1"/>
-          </a:fillRef>
-          <a:effectRef idx="0">
-            <a:schemeClr val="accent1"/>
-          </a:effectRef>
-          <a:fontRef idx="minor">
-            <a:schemeClr val="lt1"/>
-          </a:fontRef>
-        </p:style>
-        <p:txBody>
-          <a:bodyPr rtlCol="0" anchor="ctr"/>
-          <a:lstStyle/>
-          <a:p>
-            <a:pPr algn="ctr"/>
-            <a:r>
-              <a:rPr lang="ko-KR" altLang="en-US" sz="2000" smtClean="0"/>
-              <a:t>해님 달님</a:t>
-            </a:r>
-            <a:endParaRPr lang="ko-KR" altLang="en-US" sz="2000"/>
-          </a:p>
-        </p:txBody>
-      </p:sp>
-      <p:sp>
-        <p:nvSpPr>
-          <p:cNvPr id="16" name="직사각형 15"/>
-          <p:cNvSpPr>
-            <a:spLocks noChangeAspect="1"/>
-          </p:cNvSpPr>
-          <p:nvPr/>
-        </p:nvSpPr>
-        <p:spPr>
-          <a:xfrm>
-            <a:off x="3693569" y="3415583"/>
-            <a:ext cx="2160000" cy="2160000"/>
-          </a:xfrm>
-          <a:prstGeom prst="rect">
-            <a:avLst/>
-          </a:prstGeom>
-        </p:spPr>
-        <p:style>
-          <a:lnRef idx="2">
-            <a:schemeClr val="accent1">
-              <a:shade val="50000"/>
-            </a:schemeClr>
-          </a:lnRef>
-          <a:fillRef idx="1">
-            <a:schemeClr val="accent1"/>
-          </a:fillRef>
-          <a:effectRef idx="0">
-            <a:schemeClr val="accent1"/>
-          </a:effectRef>
-          <a:fontRef idx="minor">
-            <a:schemeClr val="lt1"/>
-          </a:fontRef>
-        </p:style>
-        <p:txBody>
-          <a:bodyPr rtlCol="0" anchor="ctr"/>
-          <a:lstStyle/>
-          <a:p>
-            <a:pPr algn="ctr"/>
-            <a:r>
-              <a:rPr lang="ko-KR" altLang="en-US" sz="2000" smtClean="0"/>
-              <a:t>여우와 신포도</a:t>
-            </a:r>
-            <a:endParaRPr lang="ko-KR" altLang="en-US" sz="2000"/>
-          </a:p>
-        </p:txBody>
-      </p:sp>
-      <p:sp>
-        <p:nvSpPr>
-          <p:cNvPr id="17" name="직사각형 16"/>
-          <p:cNvSpPr>
-            <a:spLocks noChangeAspect="1"/>
-          </p:cNvSpPr>
-          <p:nvPr/>
-        </p:nvSpPr>
-        <p:spPr>
-          <a:xfrm>
-            <a:off x="6388438" y="3415583"/>
-            <a:ext cx="2160000" cy="2160000"/>
-          </a:xfrm>
-          <a:prstGeom prst="rect">
-            <a:avLst/>
-          </a:prstGeom>
-        </p:spPr>
-        <p:style>
-          <a:lnRef idx="2">
-            <a:schemeClr val="accent1">
-              <a:shade val="50000"/>
-            </a:schemeClr>
-          </a:lnRef>
-          <a:fillRef idx="1">
-            <a:schemeClr val="accent1"/>
-          </a:fillRef>
-          <a:effectRef idx="0">
-            <a:schemeClr val="accent1"/>
-          </a:effectRef>
-          <a:fontRef idx="minor">
-            <a:schemeClr val="lt1"/>
-          </a:fontRef>
-        </p:style>
-        <p:txBody>
-          <a:bodyPr rtlCol="0" anchor="ctr"/>
-          <a:lstStyle/>
-          <a:p>
-            <a:pPr algn="ctr"/>
-            <a:r>
-              <a:rPr lang="ko-KR" altLang="en-US" sz="2000" smtClean="0"/>
-              <a:t>여우와 신포도</a:t>
-            </a:r>
-            <a:endParaRPr lang="ko-KR" altLang="en-US" sz="2000"/>
-          </a:p>
-        </p:txBody>
-      </p:sp>
-      <p:sp>
-        <p:nvSpPr>
-          <p:cNvPr id="18" name="직사각형 17"/>
-          <p:cNvSpPr>
-            <a:spLocks noChangeAspect="1"/>
-          </p:cNvSpPr>
-          <p:nvPr/>
-        </p:nvSpPr>
-        <p:spPr>
-          <a:xfrm>
-            <a:off x="9083307" y="3415583"/>
-            <a:ext cx="2160000" cy="2160000"/>
-          </a:xfrm>
-          <a:prstGeom prst="rect">
-            <a:avLst/>
-          </a:prstGeom>
-        </p:spPr>
-        <p:style>
-          <a:lnRef idx="2">
-            <a:schemeClr val="accent1">
-              <a:shade val="50000"/>
-            </a:schemeClr>
-          </a:lnRef>
-          <a:fillRef idx="1">
-            <a:schemeClr val="accent1"/>
-          </a:fillRef>
-          <a:effectRef idx="0">
-            <a:schemeClr val="accent1"/>
-          </a:effectRef>
-          <a:fontRef idx="minor">
-            <a:schemeClr val="lt1"/>
-          </a:fontRef>
-        </p:style>
-        <p:txBody>
-          <a:bodyPr rtlCol="0" anchor="ctr"/>
-          <a:lstStyle/>
-          <a:p>
-            <a:pPr algn="ctr"/>
-            <a:r>
-              <a:rPr lang="ko-KR" altLang="en-US" sz="2000" smtClean="0"/>
-              <a:t>여우와 신포도</a:t>
-            </a:r>
-            <a:endParaRPr lang="ko-KR" altLang="en-US" sz="2000"/>
+                <a:latin typeface="+mn-ea"/>
+              </a:rPr>
+              <a:t>점</a:t>
+            </a:r>
+            <a:endParaRPr lang="en-US" altLang="ko-KR">
+              <a:latin typeface="+mn-ea"/>
+            </a:endParaRPr>
           </a:p>
         </p:txBody>
       </p:sp>
     </p:spTree>
     <p:extLst>
       <p:ext uri="{BB962C8B-B14F-4D97-AF65-F5344CB8AC3E}">
-        <p14:creationId xmlns:p14="http://schemas.microsoft.com/office/powerpoint/2010/main" val="1259180523"/>
+        <p14:creationId xmlns:p14="http://schemas.microsoft.com/office/powerpoint/2010/main" val="2484256157"/>
       </p:ext>
     </p:extLst>
   </p:cSld>

--- a/frontend/프론트목업.pptx
+++ b/frontend/프론트목업.pptx
@@ -5,26 +5,26 @@
     <p:sldMasterId id="2147483672" r:id="rId1"/>
   </p:sldMasterIdLst>
   <p:sldIdLst>
-    <p:sldId id="264" r:id="rId2"/>
-    <p:sldId id="266" r:id="rId3"/>
-    <p:sldId id="257" r:id="rId4"/>
-    <p:sldId id="258" r:id="rId5"/>
-    <p:sldId id="259" r:id="rId6"/>
-    <p:sldId id="265" r:id="rId7"/>
-    <p:sldId id="263" r:id="rId8"/>
-    <p:sldId id="262" r:id="rId9"/>
-    <p:sldId id="261" r:id="rId10"/>
+    <p:sldId id="262" r:id="rId2"/>
+    <p:sldId id="261" r:id="rId3"/>
+    <p:sldId id="265" r:id="rId4"/>
+    <p:sldId id="266" r:id="rId5"/>
+    <p:sldId id="257" r:id="rId6"/>
+    <p:sldId id="258" r:id="rId7"/>
+    <p:sldId id="259" r:id="rId8"/>
+    <p:sldId id="263" r:id="rId9"/>
+    <p:sldId id="264" r:id="rId10"/>
   </p:sldIdLst>
   <p:sldSz cx="12192000" cy="6858000"/>
   <p:notesSz cx="6858000" cy="9144000"/>
   <p:embeddedFontLst>
     <p:embeddedFont>
-      <p:font typeface="G마켓 산스 TTF Bold" panose="02000000000000000000" pitchFamily="2" charset="-127"/>
-      <p:bold r:id="rId11"/>
+      <p:font typeface="G마켓 산스 TTF Medium" panose="02000000000000000000" pitchFamily="2" charset="-127"/>
+      <p:regular r:id="rId11"/>
     </p:embeddedFont>
     <p:embeddedFont>
-      <p:font typeface="G마켓 산스 TTF Medium" panose="02000000000000000000" pitchFamily="2" charset="-127"/>
-      <p:regular r:id="rId12"/>
+      <p:font typeface="G마켓 산스 TTF Bold" panose="02000000000000000000" pitchFamily="2" charset="-127"/>
+      <p:bold r:id="rId12"/>
     </p:embeddedFont>
   </p:embeddedFontLst>
   <p:defaultTextStyle>
@@ -261,7 +261,7 @@
           <a:p>
             <a:fld id="{8ADA5018-6767-4E3A-8F85-C154FA34D86E}" type="datetimeFigureOut">
               <a:rPr lang="ko-KR" altLang="en-US" smtClean="0"/>
-              <a:t>2023-01-18</a:t>
+              <a:t>2023-01-19</a:t>
             </a:fld>
             <a:endParaRPr lang="ko-KR" altLang="en-US"/>
           </a:p>
@@ -431,7 +431,7 @@
           <a:p>
             <a:fld id="{8ADA5018-6767-4E3A-8F85-C154FA34D86E}" type="datetimeFigureOut">
               <a:rPr lang="ko-KR" altLang="en-US" smtClean="0"/>
-              <a:t>2023-01-18</a:t>
+              <a:t>2023-01-19</a:t>
             </a:fld>
             <a:endParaRPr lang="ko-KR" altLang="en-US"/>
           </a:p>
@@ -611,7 +611,7 @@
           <a:p>
             <a:fld id="{8ADA5018-6767-4E3A-8F85-C154FA34D86E}" type="datetimeFigureOut">
               <a:rPr lang="ko-KR" altLang="en-US" smtClean="0"/>
-              <a:t>2023-01-18</a:t>
+              <a:t>2023-01-19</a:t>
             </a:fld>
             <a:endParaRPr lang="ko-KR" altLang="en-US"/>
           </a:p>
@@ -781,7 +781,7 @@
           <a:p>
             <a:fld id="{8ADA5018-6767-4E3A-8F85-C154FA34D86E}" type="datetimeFigureOut">
               <a:rPr lang="ko-KR" altLang="en-US" smtClean="0"/>
-              <a:t>2023-01-18</a:t>
+              <a:t>2023-01-19</a:t>
             </a:fld>
             <a:endParaRPr lang="ko-KR" altLang="en-US"/>
           </a:p>
@@ -1027,7 +1027,7 @@
           <a:p>
             <a:fld id="{8ADA5018-6767-4E3A-8F85-C154FA34D86E}" type="datetimeFigureOut">
               <a:rPr lang="ko-KR" altLang="en-US" smtClean="0"/>
-              <a:t>2023-01-18</a:t>
+              <a:t>2023-01-19</a:t>
             </a:fld>
             <a:endParaRPr lang="ko-KR" altLang="en-US"/>
           </a:p>
@@ -1259,7 +1259,7 @@
           <a:p>
             <a:fld id="{8ADA5018-6767-4E3A-8F85-C154FA34D86E}" type="datetimeFigureOut">
               <a:rPr lang="ko-KR" altLang="en-US" smtClean="0"/>
-              <a:t>2023-01-18</a:t>
+              <a:t>2023-01-19</a:t>
             </a:fld>
             <a:endParaRPr lang="ko-KR" altLang="en-US"/>
           </a:p>
@@ -1626,7 +1626,7 @@
           <a:p>
             <a:fld id="{8ADA5018-6767-4E3A-8F85-C154FA34D86E}" type="datetimeFigureOut">
               <a:rPr lang="ko-KR" altLang="en-US" smtClean="0"/>
-              <a:t>2023-01-18</a:t>
+              <a:t>2023-01-19</a:t>
             </a:fld>
             <a:endParaRPr lang="ko-KR" altLang="en-US"/>
           </a:p>
@@ -1744,7 +1744,7 @@
           <a:p>
             <a:fld id="{8ADA5018-6767-4E3A-8F85-C154FA34D86E}" type="datetimeFigureOut">
               <a:rPr lang="ko-KR" altLang="en-US" smtClean="0"/>
-              <a:t>2023-01-18</a:t>
+              <a:t>2023-01-19</a:t>
             </a:fld>
             <a:endParaRPr lang="ko-KR" altLang="en-US"/>
           </a:p>
@@ -1839,7 +1839,7 @@
           <a:p>
             <a:fld id="{8ADA5018-6767-4E3A-8F85-C154FA34D86E}" type="datetimeFigureOut">
               <a:rPr lang="ko-KR" altLang="en-US" smtClean="0"/>
-              <a:t>2023-01-18</a:t>
+              <a:t>2023-01-19</a:t>
             </a:fld>
             <a:endParaRPr lang="ko-KR" altLang="en-US"/>
           </a:p>
@@ -2116,7 +2116,7 @@
           <a:p>
             <a:fld id="{8ADA5018-6767-4E3A-8F85-C154FA34D86E}" type="datetimeFigureOut">
               <a:rPr lang="ko-KR" altLang="en-US" smtClean="0"/>
-              <a:t>2023-01-18</a:t>
+              <a:t>2023-01-19</a:t>
             </a:fld>
             <a:endParaRPr lang="ko-KR" altLang="en-US"/>
           </a:p>
@@ -2373,7 +2373,7 @@
           <a:p>
             <a:fld id="{8ADA5018-6767-4E3A-8F85-C154FA34D86E}" type="datetimeFigureOut">
               <a:rPr lang="ko-KR" altLang="en-US" smtClean="0"/>
-              <a:t>2023-01-18</a:t>
+              <a:t>2023-01-19</a:t>
             </a:fld>
             <a:endParaRPr lang="ko-KR" altLang="en-US"/>
           </a:p>
@@ -2586,7 +2586,7 @@
           <a:p>
             <a:fld id="{8ADA5018-6767-4E3A-8F85-C154FA34D86E}" type="datetimeFigureOut">
               <a:rPr lang="ko-KR" altLang="en-US" smtClean="0"/>
-              <a:t>2023-01-18</a:t>
+              <a:t>2023-01-19</a:t>
             </a:fld>
             <a:endParaRPr lang="ko-KR" altLang="en-US"/>
           </a:p>
@@ -3018,29 +3018,33 @@
                 <a:latin typeface="+mj-ea"/>
                 <a:ea typeface="+mj-ea"/>
               </a:rPr>
-              <a:t>메인화면 </a:t>
+              <a:t>사용자 </a:t>
             </a:r>
             <a:r>
               <a:rPr lang="en-US" altLang="ko-KR" smtClean="0">
                 <a:latin typeface="+mj-ea"/>
                 <a:ea typeface="+mj-ea"/>
               </a:rPr>
-              <a:t>Main</a:t>
+              <a:t>User &gt;</a:t>
             </a:r>
             <a:r>
               <a:rPr lang="ko-KR" altLang="en-US" smtClean="0">
                 <a:latin typeface="+mj-ea"/>
                 <a:ea typeface="+mj-ea"/>
               </a:rPr>
-              <a:t> </a:t>
+              <a:t> 사용자 등록 </a:t>
             </a:r>
             <a:r>
               <a:rPr lang="en-US" altLang="ko-KR" smtClean="0">
                 <a:latin typeface="+mj-ea"/>
                 <a:ea typeface="+mj-ea"/>
               </a:rPr>
-              <a:t>&gt;</a:t>
-            </a:r>
+              <a:t>User Registeration &gt;</a:t>
+            </a:r>
+            <a:endParaRPr lang="ko-KR" altLang="en-US">
+              <a:latin typeface="+mj-ea"/>
+              <a:ea typeface="+mj-ea"/>
+            </a:endParaRPr>
           </a:p>
         </p:txBody>
       </p:sp>
@@ -3120,18 +3124,133 @@
       </p:sp>
       <p:sp>
         <p:nvSpPr>
-          <p:cNvPr id="27" name="직사각형 26"/>
+          <p:cNvPr id="20" name="직사각형 19"/>
           <p:cNvSpPr/>
           <p:nvPr/>
         </p:nvSpPr>
         <p:spPr>
           <a:xfrm>
-            <a:off x="3007360" y="2197766"/>
-            <a:ext cx="6008303" cy="746858"/>
-          </a:xfrm>
-          <a:prstGeom prst="rect">
-            <a:avLst/>
-          </a:prstGeom>
+            <a:off x="4278162" y="3101217"/>
+            <a:ext cx="925253" cy="515526"/>
+          </a:xfrm>
+          <a:prstGeom prst="rect">
+            <a:avLst/>
+          </a:prstGeom>
+        </p:spPr>
+        <p:txBody>
+          <a:bodyPr wrap="none">
+            <a:spAutoFit/>
+          </a:bodyPr>
+          <a:lstStyle/>
+          <a:p>
+            <a:pPr>
+              <a:lnSpc>
+                <a:spcPct val="150000"/>
+              </a:lnSpc>
+            </a:pPr>
+            <a:r>
+              <a:rPr lang="ko-KR" altLang="en-US" sz="2000" smtClean="0">
+                <a:latin typeface="+mj-ea"/>
+              </a:rPr>
+              <a:t>아이디</a:t>
+            </a:r>
+            <a:endParaRPr lang="en-US" altLang="ko-KR" sz="2000">
+              <a:latin typeface="+mj-ea"/>
+            </a:endParaRPr>
+          </a:p>
+        </p:txBody>
+      </p:sp>
+      <p:sp>
+        <p:nvSpPr>
+          <p:cNvPr id="21" name="직사각형 20"/>
+          <p:cNvSpPr/>
+          <p:nvPr/>
+        </p:nvSpPr>
+        <p:spPr>
+          <a:xfrm>
+            <a:off x="4278162" y="3719063"/>
+            <a:ext cx="1406358" cy="515526"/>
+          </a:xfrm>
+          <a:prstGeom prst="rect">
+            <a:avLst/>
+          </a:prstGeom>
+        </p:spPr>
+        <p:txBody>
+          <a:bodyPr wrap="square">
+            <a:spAutoFit/>
+          </a:bodyPr>
+          <a:lstStyle/>
+          <a:p>
+            <a:pPr>
+              <a:lnSpc>
+                <a:spcPct val="150000"/>
+              </a:lnSpc>
+            </a:pPr>
+            <a:r>
+              <a:rPr lang="ko-KR" altLang="en-US" sz="2000" smtClean="0">
+                <a:latin typeface="+mj-ea"/>
+              </a:rPr>
+              <a:t>비밀번호</a:t>
+            </a:r>
+            <a:endParaRPr lang="en-US" altLang="ko-KR" sz="2000">
+              <a:latin typeface="+mj-ea"/>
+            </a:endParaRPr>
+          </a:p>
+        </p:txBody>
+      </p:sp>
+      <p:sp>
+        <p:nvSpPr>
+          <p:cNvPr id="24" name="직사각형 23"/>
+          <p:cNvSpPr/>
+          <p:nvPr/>
+        </p:nvSpPr>
+        <p:spPr>
+          <a:xfrm>
+            <a:off x="3298069" y="4981716"/>
+            <a:ext cx="5809222" cy="515526"/>
+          </a:xfrm>
+          <a:prstGeom prst="rect">
+            <a:avLst/>
+          </a:prstGeom>
+        </p:spPr>
+        <p:txBody>
+          <a:bodyPr wrap="square">
+            <a:spAutoFit/>
+          </a:bodyPr>
+          <a:lstStyle/>
+          <a:p>
+            <a:pPr algn="ctr">
+              <a:lnSpc>
+                <a:spcPct val="150000"/>
+              </a:lnSpc>
+            </a:pPr>
+            <a:r>
+              <a:rPr lang="ko-KR" altLang="en-US" sz="2000" smtClean="0">
+                <a:latin typeface="+mj-ea"/>
+              </a:rPr>
+              <a:t>회원가입은 웹페이지에서 진행해 주세요</a:t>
+            </a:r>
+            <a:endParaRPr lang="en-US" altLang="ko-KR" sz="2000">
+              <a:latin typeface="+mj-ea"/>
+            </a:endParaRPr>
+          </a:p>
+        </p:txBody>
+      </p:sp>
+      <p:sp>
+        <p:nvSpPr>
+          <p:cNvPr id="25" name="직사각형 24"/>
+          <p:cNvSpPr/>
+          <p:nvPr/>
+        </p:nvSpPr>
+        <p:spPr>
+          <a:xfrm>
+            <a:off x="5538695" y="3169628"/>
+            <a:ext cx="2660425" cy="399614"/>
+          </a:xfrm>
+          <a:prstGeom prst="rect">
+            <a:avLst/>
+          </a:prstGeom>
+          <a:noFill/>
         </p:spPr>
         <p:style>
           <a:lnRef idx="2">
@@ -3155,27 +3274,28 @@
           <a:p>
             <a:pPr algn="ctr"/>
             <a:r>
-              <a:rPr lang="ko-KR" altLang="en-US" sz="3200" smtClean="0"/>
-              <a:t>동화 선택</a:t>
-            </a:r>
-            <a:endParaRPr lang="ko-KR" altLang="en-US" sz="3200"/>
-          </a:p>
-        </p:txBody>
-      </p:sp>
-      <p:sp>
-        <p:nvSpPr>
-          <p:cNvPr id="11" name="직사각형 10"/>
+              <a:rPr lang="ko-KR" altLang="en-US" sz="1400" smtClean="0"/>
+              <a:t>뒤로가기</a:t>
+            </a:r>
+            <a:endParaRPr lang="ko-KR" altLang="en-US" sz="1400"/>
+          </a:p>
+        </p:txBody>
+      </p:sp>
+      <p:sp>
+        <p:nvSpPr>
+          <p:cNvPr id="26" name="직사각형 25"/>
           <p:cNvSpPr/>
           <p:nvPr/>
         </p:nvSpPr>
         <p:spPr>
           <a:xfrm>
-            <a:off x="3007359" y="3346780"/>
-            <a:ext cx="6008303" cy="746858"/>
-          </a:xfrm>
-          <a:prstGeom prst="rect">
-            <a:avLst/>
-          </a:prstGeom>
+            <a:off x="5538694" y="3777019"/>
+            <a:ext cx="2660425" cy="399614"/>
+          </a:xfrm>
+          <a:prstGeom prst="rect">
+            <a:avLst/>
+          </a:prstGeom>
+          <a:noFill/>
         </p:spPr>
         <p:style>
           <a:lnRef idx="2">
@@ -3199,111 +3319,23 @@
           <a:p>
             <a:pPr algn="ctr"/>
             <a:r>
-              <a:rPr lang="ko-KR" altLang="en-US" sz="3200" smtClean="0"/>
-              <a:t>마이 페이지</a:t>
-            </a:r>
-            <a:endParaRPr lang="ko-KR" altLang="en-US" sz="3200"/>
-          </a:p>
-        </p:txBody>
-      </p:sp>
-      <p:sp>
-        <p:nvSpPr>
-          <p:cNvPr id="12" name="직사각형 11"/>
-          <p:cNvSpPr/>
-          <p:nvPr/>
-        </p:nvSpPr>
-        <p:spPr>
-          <a:xfrm>
-            <a:off x="3007360" y="4495794"/>
-            <a:ext cx="2880094" cy="746858"/>
-          </a:xfrm>
-          <a:prstGeom prst="rect">
-            <a:avLst/>
-          </a:prstGeom>
-        </p:spPr>
-        <p:style>
-          <a:lnRef idx="2">
-            <a:schemeClr val="accent1">
-              <a:shade val="50000"/>
-            </a:schemeClr>
-          </a:lnRef>
-          <a:fillRef idx="1">
-            <a:schemeClr val="accent1"/>
-          </a:fillRef>
-          <a:effectRef idx="0">
-            <a:schemeClr val="accent1"/>
-          </a:effectRef>
-          <a:fontRef idx="minor">
-            <a:schemeClr val="lt1"/>
-          </a:fontRef>
-        </p:style>
-        <p:txBody>
-          <a:bodyPr rtlCol="0" anchor="ctr"/>
-          <a:lstStyle/>
-          <a:p>
-            <a:pPr algn="ctr"/>
-            <a:r>
-              <a:rPr lang="ko-KR" altLang="en-US" sz="3200" smtClean="0"/>
-              <a:t>혼자할래요</a:t>
-            </a:r>
-            <a:endParaRPr lang="ko-KR" altLang="en-US" sz="3200"/>
-          </a:p>
-        </p:txBody>
-      </p:sp>
-      <p:sp>
-        <p:nvSpPr>
-          <p:cNvPr id="13" name="직사각형 12"/>
-          <p:cNvSpPr/>
-          <p:nvPr/>
-        </p:nvSpPr>
-        <p:spPr>
-          <a:xfrm>
-            <a:off x="6135568" y="4495794"/>
-            <a:ext cx="2880094" cy="746858"/>
-          </a:xfrm>
-          <a:prstGeom prst="rect">
-            <a:avLst/>
-          </a:prstGeom>
-        </p:spPr>
-        <p:style>
-          <a:lnRef idx="2">
-            <a:schemeClr val="accent1">
-              <a:shade val="50000"/>
-            </a:schemeClr>
-          </a:lnRef>
-          <a:fillRef idx="1">
-            <a:schemeClr val="accent1"/>
-          </a:fillRef>
-          <a:effectRef idx="0">
-            <a:schemeClr val="accent1"/>
-          </a:effectRef>
-          <a:fontRef idx="minor">
-            <a:schemeClr val="lt1"/>
-          </a:fontRef>
-        </p:style>
-        <p:txBody>
-          <a:bodyPr rtlCol="0" anchor="ctr"/>
-          <a:lstStyle/>
-          <a:p>
-            <a:pPr algn="ctr"/>
-            <a:r>
-              <a:rPr lang="ko-KR" altLang="en-US" sz="3200" smtClean="0"/>
-              <a:t>같이할래요</a:t>
-            </a:r>
-            <a:endParaRPr lang="ko-KR" altLang="en-US" sz="3200"/>
-          </a:p>
-        </p:txBody>
-      </p:sp>
-      <p:sp>
-        <p:nvSpPr>
-          <p:cNvPr id="15" name="TextBox 14"/>
+              <a:rPr lang="ko-KR" altLang="en-US" sz="1400" smtClean="0"/>
+              <a:t>뒤로가기</a:t>
+            </a:r>
+            <a:endParaRPr lang="ko-KR" altLang="en-US" sz="1400"/>
+          </a:p>
+        </p:txBody>
+      </p:sp>
+      <p:sp>
+        <p:nvSpPr>
+          <p:cNvPr id="11" name="TextBox 10"/>
           <p:cNvSpPr txBox="1"/>
           <p:nvPr/>
         </p:nvSpPr>
         <p:spPr>
           <a:xfrm>
-            <a:off x="1373095" y="971894"/>
-            <a:ext cx="9438640" cy="938719"/>
+            <a:off x="1483360" y="958261"/>
+            <a:ext cx="9438640" cy="1846659"/>
           </a:xfrm>
           <a:prstGeom prst="rect">
             <a:avLst/>
@@ -3328,6 +3360,35 @@
               </a:rPr>
               <a:t>프로그램명</a:t>
             </a:r>
+            <a:endParaRPr lang="en-US" altLang="ko-KR" sz="4000" smtClean="0">
+              <a:latin typeface="+mj-ea"/>
+              <a:ea typeface="+mj-ea"/>
+            </a:endParaRPr>
+          </a:p>
+          <a:p>
+            <a:pPr algn="ctr">
+              <a:lnSpc>
+                <a:spcPct val="150000"/>
+              </a:lnSpc>
+            </a:pPr>
+            <a:endParaRPr lang="en-US" altLang="ko-KR" sz="600">
+              <a:latin typeface="+mj-ea"/>
+              <a:ea typeface="+mj-ea"/>
+            </a:endParaRPr>
+          </a:p>
+          <a:p>
+            <a:pPr algn="ctr">
+              <a:lnSpc>
+                <a:spcPct val="150000"/>
+              </a:lnSpc>
+            </a:pPr>
+            <a:r>
+              <a:rPr lang="ko-KR" altLang="en-US" sz="2800" smtClean="0">
+                <a:latin typeface="+mj-ea"/>
+                <a:ea typeface="+mj-ea"/>
+              </a:rPr>
+              <a:t>사용자를 등록해 주세요</a:t>
+            </a:r>
             <a:endParaRPr lang="en-US" altLang="ko-KR" sz="2800" smtClean="0">
               <a:latin typeface="+mj-ea"/>
               <a:ea typeface="+mj-ea"/>
@@ -3338,7 +3399,7 @@
     </p:spTree>
     <p:extLst>
       <p:ext uri="{BB962C8B-B14F-4D97-AF65-F5344CB8AC3E}">
-        <p14:creationId xmlns:p14="http://schemas.microsoft.com/office/powerpoint/2010/main" val="1115873725"/>
+        <p14:creationId xmlns:p14="http://schemas.microsoft.com/office/powerpoint/2010/main" val="1960045758"/>
       </p:ext>
     </p:extLst>
   </p:cSld>
@@ -3372,6 +3433,119 @@
           <a:chExt cx="0" cy="0"/>
         </a:xfrm>
       </p:grpSpPr>
+      <p:sp>
+        <p:nvSpPr>
+          <p:cNvPr id="4" name="TextBox 3"/>
+          <p:cNvSpPr txBox="1"/>
+          <p:nvPr/>
+        </p:nvSpPr>
+        <p:spPr>
+          <a:xfrm>
+            <a:off x="361963" y="315410"/>
+            <a:ext cx="8406116" cy="369332"/>
+          </a:xfrm>
+          <a:prstGeom prst="rect">
+            <a:avLst/>
+          </a:prstGeom>
+          <a:noFill/>
+        </p:spPr>
+        <p:txBody>
+          <a:bodyPr wrap="square" rtlCol="0">
+            <a:spAutoFit/>
+          </a:bodyPr>
+          <a:lstStyle/>
+          <a:p>
+            <a:r>
+              <a:rPr lang="ko-KR" altLang="en-US" smtClean="0">
+                <a:latin typeface="+mj-ea"/>
+                <a:ea typeface="+mj-ea"/>
+              </a:rPr>
+              <a:t>회원가입</a:t>
+            </a:r>
+            <a:r>
+              <a:rPr lang="en-US" altLang="ko-KR" smtClean="0">
+                <a:latin typeface="+mj-ea"/>
+                <a:ea typeface="+mj-ea"/>
+              </a:rPr>
+              <a:t> Sign In &gt;</a:t>
+            </a:r>
+            <a:endParaRPr lang="ko-KR" altLang="en-US">
+              <a:latin typeface="+mj-ea"/>
+              <a:ea typeface="+mj-ea"/>
+            </a:endParaRPr>
+          </a:p>
+        </p:txBody>
+      </p:sp>
+      <p:sp>
+        <p:nvSpPr>
+          <p:cNvPr id="5" name="TextBox 4"/>
+          <p:cNvSpPr txBox="1"/>
+          <p:nvPr/>
+        </p:nvSpPr>
+        <p:spPr>
+          <a:xfrm>
+            <a:off x="1483360" y="958261"/>
+            <a:ext cx="9438640" cy="1846659"/>
+          </a:xfrm>
+          <a:prstGeom prst="rect">
+            <a:avLst/>
+          </a:prstGeom>
+          <a:noFill/>
+        </p:spPr>
+        <p:txBody>
+          <a:bodyPr wrap="square" rtlCol="0">
+            <a:spAutoFit/>
+          </a:bodyPr>
+          <a:lstStyle/>
+          <a:p>
+            <a:pPr algn="ctr">
+              <a:lnSpc>
+                <a:spcPct val="150000"/>
+              </a:lnSpc>
+            </a:pPr>
+            <a:r>
+              <a:rPr lang="ko-KR" altLang="en-US" sz="4000" smtClean="0">
+                <a:latin typeface="+mj-ea"/>
+                <a:ea typeface="+mj-ea"/>
+              </a:rPr>
+              <a:t>프로그램명</a:t>
+            </a:r>
+            <a:endParaRPr lang="en-US" altLang="ko-KR" sz="4000" smtClean="0">
+              <a:latin typeface="+mj-ea"/>
+              <a:ea typeface="+mj-ea"/>
+            </a:endParaRPr>
+          </a:p>
+          <a:p>
+            <a:pPr algn="ctr">
+              <a:lnSpc>
+                <a:spcPct val="150000"/>
+              </a:lnSpc>
+            </a:pPr>
+            <a:endParaRPr lang="en-US" altLang="ko-KR" sz="600">
+              <a:latin typeface="+mj-ea"/>
+              <a:ea typeface="+mj-ea"/>
+            </a:endParaRPr>
+          </a:p>
+          <a:p>
+            <a:pPr algn="ctr">
+              <a:lnSpc>
+                <a:spcPct val="150000"/>
+              </a:lnSpc>
+            </a:pPr>
+            <a:r>
+              <a:rPr lang="ko-KR" altLang="en-US" sz="2800" smtClean="0">
+                <a:latin typeface="+mj-ea"/>
+                <a:ea typeface="+mj-ea"/>
+              </a:rPr>
+              <a:t>사용자를 등록해 주세요</a:t>
+            </a:r>
+            <a:endParaRPr lang="en-US" altLang="ko-KR" sz="2800" smtClean="0">
+              <a:latin typeface="+mj-ea"/>
+              <a:ea typeface="+mj-ea"/>
+            </a:endParaRPr>
+          </a:p>
+        </p:txBody>
+      </p:sp>
       <p:cxnSp>
         <p:nvCxnSpPr>
           <p:cNvPr id="22" name="직선 연결선 21"/>
@@ -3448,20 +3622,95 @@
       </p:sp>
       <p:sp>
         <p:nvSpPr>
-          <p:cNvPr id="27" name="직사각형 26"/>
-          <p:cNvSpPr>
-            <a:spLocks noChangeAspect="1"/>
-          </p:cNvSpPr>
-          <p:nvPr/>
-        </p:nvSpPr>
-        <p:spPr>
-          <a:xfrm>
-            <a:off x="998700" y="966484"/>
-            <a:ext cx="2160000" cy="2160000"/>
-          </a:xfrm>
-          <a:prstGeom prst="rect">
-            <a:avLst/>
-          </a:prstGeom>
+          <p:cNvPr id="20" name="직사각형 19"/>
+          <p:cNvSpPr/>
+          <p:nvPr/>
+        </p:nvSpPr>
+        <p:spPr>
+          <a:xfrm>
+            <a:off x="3887928" y="2870864"/>
+            <a:ext cx="2077526" cy="553998"/>
+          </a:xfrm>
+          <a:prstGeom prst="rect">
+            <a:avLst/>
+          </a:prstGeom>
+        </p:spPr>
+        <p:txBody>
+          <a:bodyPr wrap="none">
+            <a:spAutoFit/>
+          </a:bodyPr>
+          <a:lstStyle/>
+          <a:p>
+            <a:pPr>
+              <a:lnSpc>
+                <a:spcPct val="150000"/>
+              </a:lnSpc>
+            </a:pPr>
+            <a:r>
+              <a:rPr lang="ko-KR" altLang="en-US" sz="2000" smtClean="0">
+                <a:latin typeface="+mj-ea"/>
+              </a:rPr>
+              <a:t>시리얼넘버</a:t>
+            </a:r>
+            <a:endParaRPr lang="en-US" altLang="ko-KR" sz="2000">
+              <a:latin typeface="+mj-ea"/>
+            </a:endParaRPr>
+          </a:p>
+        </p:txBody>
+      </p:sp>
+      <p:sp>
+        <p:nvSpPr>
+          <p:cNvPr id="21" name="직사각형 20"/>
+          <p:cNvSpPr/>
+          <p:nvPr/>
+        </p:nvSpPr>
+        <p:spPr>
+          <a:xfrm>
+            <a:off x="3912672" y="3444345"/>
+            <a:ext cx="2059048" cy="515526"/>
+          </a:xfrm>
+          <a:prstGeom prst="rect">
+            <a:avLst/>
+          </a:prstGeom>
+        </p:spPr>
+        <p:txBody>
+          <a:bodyPr wrap="square">
+            <a:spAutoFit/>
+          </a:bodyPr>
+          <a:lstStyle/>
+          <a:p>
+            <a:pPr>
+              <a:lnSpc>
+                <a:spcPct val="150000"/>
+              </a:lnSpc>
+            </a:pPr>
+            <a:r>
+              <a:rPr lang="ko-KR" altLang="en-US" sz="2000" smtClean="0">
+                <a:latin typeface="+mj-ea"/>
+              </a:rPr>
+              <a:t>아이디</a:t>
+            </a:r>
+            <a:endParaRPr lang="en-US" altLang="ko-KR" sz="2000">
+              <a:latin typeface="+mj-ea"/>
+            </a:endParaRPr>
+          </a:p>
+        </p:txBody>
+      </p:sp>
+      <p:sp>
+        <p:nvSpPr>
+          <p:cNvPr id="25" name="직사각형 24"/>
+          <p:cNvSpPr/>
+          <p:nvPr/>
+        </p:nvSpPr>
+        <p:spPr>
+          <a:xfrm>
+            <a:off x="5736814" y="2914049"/>
+            <a:ext cx="2660425" cy="399614"/>
+          </a:xfrm>
+          <a:prstGeom prst="rect">
+            <a:avLst/>
+          </a:prstGeom>
+          <a:noFill/>
         </p:spPr>
         <p:style>
           <a:lnRef idx="2">
@@ -3485,96 +3734,28 @@
           <a:p>
             <a:pPr algn="ctr"/>
             <a:r>
-              <a:rPr lang="ko-KR" altLang="en-US" sz="2000" smtClean="0"/>
-              <a:t>해님 달님</a:t>
-            </a:r>
-            <a:endParaRPr lang="ko-KR" altLang="en-US" sz="2000"/>
-          </a:p>
-        </p:txBody>
-      </p:sp>
-      <p:sp>
-        <p:nvSpPr>
-          <p:cNvPr id="11" name="TextBox 10"/>
-          <p:cNvSpPr txBox="1"/>
-          <p:nvPr/>
-        </p:nvSpPr>
-        <p:spPr>
-          <a:xfrm>
-            <a:off x="361963" y="315410"/>
-            <a:ext cx="8406116" cy="369332"/>
+              <a:rPr lang="ko-KR" altLang="en-US" sz="1400" smtClean="0"/>
+              <a:t>뒤로가기</a:t>
+            </a:r>
+            <a:endParaRPr lang="ko-KR" altLang="en-US" sz="1400"/>
+          </a:p>
+        </p:txBody>
+      </p:sp>
+      <p:sp>
+        <p:nvSpPr>
+          <p:cNvPr id="26" name="직사각형 25"/>
+          <p:cNvSpPr/>
+          <p:nvPr/>
+        </p:nvSpPr>
+        <p:spPr>
+          <a:xfrm>
+            <a:off x="5736814" y="3493704"/>
+            <a:ext cx="2660425" cy="399614"/>
           </a:xfrm>
           <a:prstGeom prst="rect">
             <a:avLst/>
           </a:prstGeom>
           <a:noFill/>
-        </p:spPr>
-        <p:txBody>
-          <a:bodyPr wrap="square" rtlCol="0">
-            <a:spAutoFit/>
-          </a:bodyPr>
-          <a:lstStyle/>
-          <a:p>
-            <a:r>
-              <a:rPr lang="ko-KR" altLang="en-US" smtClean="0">
-                <a:latin typeface="+mj-ea"/>
-                <a:ea typeface="+mj-ea"/>
-              </a:rPr>
-              <a:t>메인화면 </a:t>
-            </a:r>
-            <a:r>
-              <a:rPr lang="en-US" altLang="ko-KR" smtClean="0">
-                <a:latin typeface="+mj-ea"/>
-                <a:ea typeface="+mj-ea"/>
-              </a:rPr>
-              <a:t>Main</a:t>
-            </a:r>
-            <a:r>
-              <a:rPr lang="ko-KR" altLang="en-US" smtClean="0">
-                <a:latin typeface="+mj-ea"/>
-                <a:ea typeface="+mj-ea"/>
-              </a:rPr>
-              <a:t> </a:t>
-            </a:r>
-            <a:r>
-              <a:rPr lang="en-US" altLang="ko-KR" smtClean="0">
-                <a:latin typeface="+mj-ea"/>
-                <a:ea typeface="+mj-ea"/>
-              </a:rPr>
-              <a:t>&gt; </a:t>
-            </a:r>
-            <a:r>
-              <a:rPr lang="ko-KR" altLang="en-US" smtClean="0">
-                <a:latin typeface="+mj-ea"/>
-                <a:ea typeface="+mj-ea"/>
-              </a:rPr>
-              <a:t>동화 선택 </a:t>
-            </a:r>
-            <a:r>
-              <a:rPr lang="en-US" altLang="ko-KR" smtClean="0">
-                <a:latin typeface="+mj-ea"/>
-                <a:ea typeface="+mj-ea"/>
-              </a:rPr>
-              <a:t>Story</a:t>
-            </a:r>
-          </a:p>
-        </p:txBody>
-      </p:sp>
-      <p:sp>
-        <p:nvSpPr>
-          <p:cNvPr id="12" name="직사각형 11"/>
-          <p:cNvSpPr>
-            <a:spLocks noChangeAspect="1"/>
-          </p:cNvSpPr>
-          <p:nvPr/>
-        </p:nvSpPr>
-        <p:spPr>
-          <a:xfrm>
-            <a:off x="3693569" y="966484"/>
-            <a:ext cx="2160000" cy="2160000"/>
-          </a:xfrm>
-          <a:prstGeom prst="rect">
-            <a:avLst/>
-          </a:prstGeom>
         </p:spPr>
         <p:style>
           <a:lnRef idx="2">
@@ -3598,29 +3779,104 @@
           <a:p>
             <a:pPr algn="ctr"/>
             <a:r>
-              <a:rPr lang="ko-KR" altLang="en-US" sz="2000" smtClean="0"/>
-              <a:t>여우와 신포도</a:t>
-            </a:r>
-            <a:endParaRPr lang="ko-KR" altLang="en-US" sz="2000"/>
+              <a:rPr lang="ko-KR" altLang="en-US" sz="1400" smtClean="0"/>
+              <a:t>뒤로가기</a:t>
+            </a:r>
+            <a:endParaRPr lang="ko-KR" altLang="en-US" sz="1400"/>
+          </a:p>
+        </p:txBody>
+      </p:sp>
+      <p:sp>
+        <p:nvSpPr>
+          <p:cNvPr id="11" name="직사각형 10"/>
+          <p:cNvSpPr/>
+          <p:nvPr/>
+        </p:nvSpPr>
+        <p:spPr>
+          <a:xfrm>
+            <a:off x="3945212" y="4040350"/>
+            <a:ext cx="1716096" cy="553998"/>
+          </a:xfrm>
+          <a:prstGeom prst="rect">
+            <a:avLst/>
+          </a:prstGeom>
+        </p:spPr>
+        <p:txBody>
+          <a:bodyPr wrap="none">
+            <a:spAutoFit/>
+          </a:bodyPr>
+          <a:lstStyle/>
+          <a:p>
+            <a:pPr>
+              <a:lnSpc>
+                <a:spcPct val="150000"/>
+              </a:lnSpc>
+            </a:pPr>
+            <a:r>
+              <a:rPr lang="ko-KR" altLang="en-US" sz="2000" smtClean="0">
+                <a:latin typeface="+mj-ea"/>
+              </a:rPr>
+              <a:t>비밀번호</a:t>
+            </a:r>
+            <a:endParaRPr lang="en-US" altLang="ko-KR" sz="2000">
+              <a:latin typeface="+mj-ea"/>
+            </a:endParaRPr>
+          </a:p>
+        </p:txBody>
+      </p:sp>
+      <p:sp>
+        <p:nvSpPr>
+          <p:cNvPr id="12" name="직사각형 11"/>
+          <p:cNvSpPr/>
+          <p:nvPr/>
+        </p:nvSpPr>
+        <p:spPr>
+          <a:xfrm>
+            <a:off x="3912672" y="4613831"/>
+            <a:ext cx="2059048" cy="1015663"/>
+          </a:xfrm>
+          <a:prstGeom prst="rect">
+            <a:avLst/>
+          </a:prstGeom>
+        </p:spPr>
+        <p:txBody>
+          <a:bodyPr wrap="square">
+            <a:spAutoFit/>
+          </a:bodyPr>
+          <a:lstStyle/>
+          <a:p>
+            <a:pPr>
+              <a:lnSpc>
+                <a:spcPct val="150000"/>
+              </a:lnSpc>
+            </a:pPr>
+            <a:r>
+              <a:rPr lang="ko-KR" altLang="en-US" sz="2000" smtClean="0">
+                <a:latin typeface="+mj-ea"/>
+              </a:rPr>
+              <a:t>비밀번호 확인</a:t>
+            </a:r>
+            <a:endParaRPr lang="en-US" altLang="ko-KR" sz="2000">
+              <a:latin typeface="+mj-ea"/>
+            </a:endParaRPr>
           </a:p>
         </p:txBody>
       </p:sp>
       <p:sp>
         <p:nvSpPr>
           <p:cNvPr id="13" name="직사각형 12"/>
-          <p:cNvSpPr>
-            <a:spLocks noChangeAspect="1"/>
-          </p:cNvSpPr>
-          <p:nvPr/>
-        </p:nvSpPr>
-        <p:spPr>
-          <a:xfrm>
-            <a:off x="6388438" y="966484"/>
-            <a:ext cx="2160000" cy="2160000"/>
-          </a:xfrm>
-          <a:prstGeom prst="rect">
-            <a:avLst/>
-          </a:prstGeom>
+          <p:cNvSpPr/>
+          <p:nvPr/>
+        </p:nvSpPr>
+        <p:spPr>
+          <a:xfrm>
+            <a:off x="5736814" y="4083535"/>
+            <a:ext cx="2660425" cy="399614"/>
+          </a:xfrm>
+          <a:prstGeom prst="rect">
+            <a:avLst/>
+          </a:prstGeom>
+          <a:noFill/>
         </p:spPr>
         <p:style>
           <a:lnRef idx="2">
@@ -3644,29 +3900,28 @@
           <a:p>
             <a:pPr algn="ctr"/>
             <a:r>
-              <a:rPr lang="ko-KR" altLang="en-US" sz="2000" smtClean="0"/>
-              <a:t>여우와 신포도</a:t>
-            </a:r>
-            <a:endParaRPr lang="ko-KR" altLang="en-US" sz="2000"/>
+              <a:rPr lang="ko-KR" altLang="en-US" sz="1400" smtClean="0"/>
+              <a:t>뒤로가기</a:t>
+            </a:r>
+            <a:endParaRPr lang="ko-KR" altLang="en-US" sz="1400"/>
           </a:p>
         </p:txBody>
       </p:sp>
       <p:sp>
         <p:nvSpPr>
           <p:cNvPr id="14" name="직사각형 13"/>
-          <p:cNvSpPr>
-            <a:spLocks noChangeAspect="1"/>
-          </p:cNvSpPr>
-          <p:nvPr/>
-        </p:nvSpPr>
-        <p:spPr>
-          <a:xfrm>
-            <a:off x="9083307" y="966484"/>
-            <a:ext cx="2160000" cy="2160000"/>
-          </a:xfrm>
-          <a:prstGeom prst="rect">
-            <a:avLst/>
-          </a:prstGeom>
+          <p:cNvSpPr/>
+          <p:nvPr/>
+        </p:nvSpPr>
+        <p:spPr>
+          <a:xfrm>
+            <a:off x="5736814" y="4663190"/>
+            <a:ext cx="2660425" cy="399614"/>
+          </a:xfrm>
+          <a:prstGeom prst="rect">
+            <a:avLst/>
+          </a:prstGeom>
+          <a:noFill/>
         </p:spPr>
         <p:style>
           <a:lnRef idx="2">
@@ -3690,201 +3945,17 @@
           <a:p>
             <a:pPr algn="ctr"/>
             <a:r>
-              <a:rPr lang="ko-KR" altLang="en-US" sz="2000" smtClean="0"/>
-              <a:t>여우와 신포도</a:t>
-            </a:r>
-            <a:endParaRPr lang="ko-KR" altLang="en-US" sz="2000"/>
-          </a:p>
-        </p:txBody>
-      </p:sp>
-      <p:sp>
-        <p:nvSpPr>
-          <p:cNvPr id="15" name="직사각형 14"/>
-          <p:cNvSpPr>
-            <a:spLocks noChangeAspect="1"/>
-          </p:cNvSpPr>
-          <p:nvPr/>
-        </p:nvSpPr>
-        <p:spPr>
-          <a:xfrm>
-            <a:off x="998700" y="3415583"/>
-            <a:ext cx="2160000" cy="2160000"/>
-          </a:xfrm>
-          <a:prstGeom prst="rect">
-            <a:avLst/>
-          </a:prstGeom>
-        </p:spPr>
-        <p:style>
-          <a:lnRef idx="2">
-            <a:schemeClr val="accent1">
-              <a:shade val="50000"/>
-            </a:schemeClr>
-          </a:lnRef>
-          <a:fillRef idx="1">
-            <a:schemeClr val="accent1"/>
-          </a:fillRef>
-          <a:effectRef idx="0">
-            <a:schemeClr val="accent1"/>
-          </a:effectRef>
-          <a:fontRef idx="minor">
-            <a:schemeClr val="lt1"/>
-          </a:fontRef>
-        </p:style>
-        <p:txBody>
-          <a:bodyPr rtlCol="0" anchor="ctr"/>
-          <a:lstStyle/>
-          <a:p>
-            <a:pPr algn="ctr"/>
-            <a:r>
-              <a:rPr lang="ko-KR" altLang="en-US" sz="2000" smtClean="0"/>
-              <a:t>해님 달님</a:t>
-            </a:r>
-            <a:endParaRPr lang="ko-KR" altLang="en-US" sz="2000"/>
-          </a:p>
-        </p:txBody>
-      </p:sp>
-      <p:sp>
-        <p:nvSpPr>
-          <p:cNvPr id="16" name="직사각형 15"/>
-          <p:cNvSpPr>
-            <a:spLocks noChangeAspect="1"/>
-          </p:cNvSpPr>
-          <p:nvPr/>
-        </p:nvSpPr>
-        <p:spPr>
-          <a:xfrm>
-            <a:off x="3693569" y="3415583"/>
-            <a:ext cx="2160000" cy="2160000"/>
-          </a:xfrm>
-          <a:prstGeom prst="rect">
-            <a:avLst/>
-          </a:prstGeom>
-        </p:spPr>
-        <p:style>
-          <a:lnRef idx="2">
-            <a:schemeClr val="accent1">
-              <a:shade val="50000"/>
-            </a:schemeClr>
-          </a:lnRef>
-          <a:fillRef idx="1">
-            <a:schemeClr val="accent1"/>
-          </a:fillRef>
-          <a:effectRef idx="0">
-            <a:schemeClr val="accent1"/>
-          </a:effectRef>
-          <a:fontRef idx="minor">
-            <a:schemeClr val="lt1"/>
-          </a:fontRef>
-        </p:style>
-        <p:txBody>
-          <a:bodyPr rtlCol="0" anchor="ctr"/>
-          <a:lstStyle/>
-          <a:p>
-            <a:pPr algn="ctr"/>
-            <a:r>
-              <a:rPr lang="ko-KR" altLang="en-US" sz="2000" smtClean="0"/>
-              <a:t>여우와 신포도</a:t>
-            </a:r>
-            <a:endParaRPr lang="ko-KR" altLang="en-US" sz="2000"/>
-          </a:p>
-        </p:txBody>
-      </p:sp>
-      <p:sp>
-        <p:nvSpPr>
-          <p:cNvPr id="17" name="직사각형 16"/>
-          <p:cNvSpPr>
-            <a:spLocks noChangeAspect="1"/>
-          </p:cNvSpPr>
-          <p:nvPr/>
-        </p:nvSpPr>
-        <p:spPr>
-          <a:xfrm>
-            <a:off x="6388438" y="3415583"/>
-            <a:ext cx="2160000" cy="2160000"/>
-          </a:xfrm>
-          <a:prstGeom prst="rect">
-            <a:avLst/>
-          </a:prstGeom>
-        </p:spPr>
-        <p:style>
-          <a:lnRef idx="2">
-            <a:schemeClr val="accent1">
-              <a:shade val="50000"/>
-            </a:schemeClr>
-          </a:lnRef>
-          <a:fillRef idx="1">
-            <a:schemeClr val="accent1"/>
-          </a:fillRef>
-          <a:effectRef idx="0">
-            <a:schemeClr val="accent1"/>
-          </a:effectRef>
-          <a:fontRef idx="minor">
-            <a:schemeClr val="lt1"/>
-          </a:fontRef>
-        </p:style>
-        <p:txBody>
-          <a:bodyPr rtlCol="0" anchor="ctr"/>
-          <a:lstStyle/>
-          <a:p>
-            <a:pPr algn="ctr"/>
-            <a:r>
-              <a:rPr lang="ko-KR" altLang="en-US" sz="2000" smtClean="0"/>
-              <a:t>여우와 신포도</a:t>
-            </a:r>
-            <a:endParaRPr lang="ko-KR" altLang="en-US" sz="2000"/>
-          </a:p>
-        </p:txBody>
-      </p:sp>
-      <p:sp>
-        <p:nvSpPr>
-          <p:cNvPr id="18" name="직사각형 17"/>
-          <p:cNvSpPr>
-            <a:spLocks noChangeAspect="1"/>
-          </p:cNvSpPr>
-          <p:nvPr/>
-        </p:nvSpPr>
-        <p:spPr>
-          <a:xfrm>
-            <a:off x="9083307" y="3415583"/>
-            <a:ext cx="2160000" cy="2160000"/>
-          </a:xfrm>
-          <a:prstGeom prst="rect">
-            <a:avLst/>
-          </a:prstGeom>
-        </p:spPr>
-        <p:style>
-          <a:lnRef idx="2">
-            <a:schemeClr val="accent1">
-              <a:shade val="50000"/>
-            </a:schemeClr>
-          </a:lnRef>
-          <a:fillRef idx="1">
-            <a:schemeClr val="accent1"/>
-          </a:fillRef>
-          <a:effectRef idx="0">
-            <a:schemeClr val="accent1"/>
-          </a:effectRef>
-          <a:fontRef idx="minor">
-            <a:schemeClr val="lt1"/>
-          </a:fontRef>
-        </p:style>
-        <p:txBody>
-          <a:bodyPr rtlCol="0" anchor="ctr"/>
-          <a:lstStyle/>
-          <a:p>
-            <a:pPr algn="ctr"/>
-            <a:r>
-              <a:rPr lang="ko-KR" altLang="en-US" sz="2000" smtClean="0"/>
-              <a:t>여우와 신포도</a:t>
-            </a:r>
-            <a:endParaRPr lang="ko-KR" altLang="en-US" sz="2000"/>
+              <a:rPr lang="ko-KR" altLang="en-US" sz="1400" smtClean="0"/>
+              <a:t>뒤로가기</a:t>
+            </a:r>
+            <a:endParaRPr lang="ko-KR" altLang="en-US" sz="1400"/>
           </a:p>
         </p:txBody>
       </p:sp>
     </p:spTree>
     <p:extLst>
       <p:ext uri="{BB962C8B-B14F-4D97-AF65-F5344CB8AC3E}">
-        <p14:creationId xmlns:p14="http://schemas.microsoft.com/office/powerpoint/2010/main" val="1259180523"/>
+        <p14:creationId xmlns:p14="http://schemas.microsoft.com/office/powerpoint/2010/main" val="2729126358"/>
       </p:ext>
     </p:extLst>
   </p:cSld>
@@ -3927,7 +3998,7 @@
         <p:spPr>
           <a:xfrm>
             <a:off x="361963" y="315410"/>
-            <a:ext cx="8430345" cy="369332"/>
+            <a:ext cx="8406116" cy="369332"/>
           </a:xfrm>
           <a:prstGeom prst="rect">
             <a:avLst/>
@@ -3941,44 +4012,33 @@
           <a:lstStyle/>
           <a:p>
             <a:r>
-              <a:rPr lang="ko-KR" altLang="en-US">
+              <a:rPr lang="ko-KR" altLang="en-US" smtClean="0">
                 <a:latin typeface="+mj-ea"/>
                 <a:ea typeface="+mj-ea"/>
               </a:rPr>
-              <a:t>메인화면 </a:t>
-            </a:r>
-            <a:r>
-              <a:rPr lang="en-US" altLang="ko-KR">
-                <a:latin typeface="+mj-ea"/>
-                <a:ea typeface="+mj-ea"/>
-              </a:rPr>
-              <a:t>Main </a:t>
+              <a:t>프로필 </a:t>
             </a:r>
             <a:r>
               <a:rPr lang="en-US" altLang="ko-KR" smtClean="0">
                 <a:latin typeface="+mj-ea"/>
                 <a:ea typeface="+mj-ea"/>
               </a:rPr>
-              <a:t>&gt; </a:t>
+              <a:t>Profile</a:t>
             </a:r>
             <a:r>
               <a:rPr lang="ko-KR" altLang="en-US" smtClean="0">
                 <a:latin typeface="+mj-ea"/>
                 <a:ea typeface="+mj-ea"/>
               </a:rPr>
-              <a:t>마이페이지 </a:t>
+              <a:t> </a:t>
             </a:r>
             <a:r>
               <a:rPr lang="en-US" altLang="ko-KR" smtClean="0">
                 <a:latin typeface="+mj-ea"/>
                 <a:ea typeface="+mj-ea"/>
               </a:rPr>
-              <a:t>MyPage &gt;</a:t>
-            </a:r>
-            <a:endParaRPr lang="ko-KR" altLang="en-US">
-              <a:latin typeface="+mj-ea"/>
-              <a:ea typeface="+mj-ea"/>
-            </a:endParaRPr>
+              <a:t>&gt;</a:t>
+            </a:r>
           </a:p>
         </p:txBody>
       </p:sp>
@@ -3990,8 +4050,8 @@
         </p:nvSpPr>
         <p:spPr>
           <a:xfrm>
-            <a:off x="4977087" y="3330832"/>
-            <a:ext cx="3106689" cy="1246495"/>
+            <a:off x="1483360" y="958261"/>
+            <a:ext cx="9438640" cy="938719"/>
           </a:xfrm>
           <a:prstGeom prst="rect">
             <a:avLst/>
@@ -4004,57 +4064,74 @@
           </a:bodyPr>
           <a:lstStyle/>
           <a:p>
-            <a:pPr>
+            <a:pPr algn="ctr">
               <a:lnSpc>
                 <a:spcPct val="150000"/>
               </a:lnSpc>
             </a:pPr>
             <a:r>
-              <a:rPr lang="ko-KR" altLang="en-US" sz="2500" smtClean="0">
+              <a:rPr lang="ko-KR" altLang="en-US" sz="4000" smtClean="0">
                 <a:latin typeface="+mj-ea"/>
                 <a:ea typeface="+mj-ea"/>
               </a:rPr>
-              <a:t>난이도 설정하기</a:t>
-            </a:r>
-            <a:endParaRPr lang="en-US" altLang="ko-KR" sz="2500" smtClean="0">
+              <a:t>프로필 </a:t>
+            </a:r>
+            <a:r>
+              <a:rPr lang="en-US" altLang="ko-KR" sz="4000" smtClean="0">
+                <a:latin typeface="+mj-ea"/>
+                <a:ea typeface="+mj-ea"/>
+              </a:rPr>
+              <a:t>Profile</a:t>
+            </a:r>
+            <a:endParaRPr lang="en-US" altLang="ko-KR" sz="2800" smtClean="0">
               <a:latin typeface="+mj-ea"/>
               <a:ea typeface="+mj-ea"/>
             </a:endParaRPr>
           </a:p>
-          <a:p>
-            <a:pPr>
-              <a:lnSpc>
-                <a:spcPct val="150000"/>
-              </a:lnSpc>
-            </a:pPr>
-            <a:r>
-              <a:rPr lang="ko-KR" altLang="en-US" sz="2500" smtClean="0">
-                <a:latin typeface="+mj-ea"/>
-                <a:ea typeface="+mj-ea"/>
-              </a:rPr>
-              <a:t>나의 학습기록</a:t>
-            </a:r>
-            <a:endParaRPr lang="en-US" altLang="ko-KR" sz="2500" smtClean="0">
-              <a:latin typeface="+mj-ea"/>
-              <a:ea typeface="+mj-ea"/>
-            </a:endParaRPr>
-          </a:p>
-        </p:txBody>
-      </p:sp>
-      <p:sp>
-        <p:nvSpPr>
-          <p:cNvPr id="9" name="타원 8"/>
-          <p:cNvSpPr>
-            <a:spLocks noChangeAspect="1"/>
-          </p:cNvSpPr>
-          <p:nvPr/>
-        </p:nvSpPr>
-        <p:spPr>
-          <a:xfrm>
-            <a:off x="1679825" y="1962607"/>
-            <a:ext cx="3003445" cy="3003445"/>
-          </a:xfrm>
-          <a:prstGeom prst="ellipse">
+        </p:txBody>
+      </p:sp>
+      <p:cxnSp>
+        <p:nvCxnSpPr>
+          <p:cNvPr id="22" name="직선 연결선 21"/>
+          <p:cNvCxnSpPr/>
+          <p:nvPr/>
+        </p:nvCxnSpPr>
+        <p:spPr>
+          <a:xfrm>
+            <a:off x="359629" y="5857325"/>
+            <a:ext cx="11486931" cy="25315"/>
+          </a:xfrm>
+          <a:prstGeom prst="line">
+            <a:avLst/>
+          </a:prstGeom>
+        </p:spPr>
+        <p:style>
+          <a:lnRef idx="1">
+            <a:schemeClr val="accent1"/>
+          </a:lnRef>
+          <a:fillRef idx="0">
+            <a:schemeClr val="accent1"/>
+          </a:fillRef>
+          <a:effectRef idx="0">
+            <a:schemeClr val="accent1"/>
+          </a:effectRef>
+          <a:fontRef idx="minor">
+            <a:schemeClr val="tx1"/>
+          </a:fontRef>
+        </p:style>
+      </p:cxnSp>
+      <p:sp>
+        <p:nvSpPr>
+          <p:cNvPr id="23" name="직사각형 22"/>
+          <p:cNvSpPr/>
+          <p:nvPr/>
+        </p:nvSpPr>
+        <p:spPr>
+          <a:xfrm>
+            <a:off x="5279615" y="6032462"/>
+            <a:ext cx="1625601" cy="430887"/>
+          </a:xfrm>
+          <a:prstGeom prst="rect">
             <a:avLst/>
           </a:prstGeom>
         </p:spPr>
@@ -4075,107 +4152,32 @@
           </a:fontRef>
         </p:style>
         <p:txBody>
-          <a:bodyPr rot="0" spcFirstLastPara="0" vertOverflow="overflow" horzOverflow="overflow" vert="horz" wrap="square" lIns="28932" tIns="14466" rIns="28932" bIns="14466" numCol="1" spcCol="0" rtlCol="0" fromWordArt="0" anchor="ctr" anchorCtr="0" forceAA="0" compatLnSpc="1">
-            <a:prstTxWarp prst="textNoShape">
-              <a:avLst/>
-            </a:prstTxWarp>
-            <a:noAutofit/>
-          </a:bodyPr>
+          <a:bodyPr rtlCol="0" anchor="ctr"/>
           <a:lstStyle/>
           <a:p>
             <a:pPr algn="ctr"/>
-            <a:endParaRPr lang="ko-KR" altLang="en-US" sz="570"/>
-          </a:p>
-        </p:txBody>
-      </p:sp>
-      <p:sp>
-        <p:nvSpPr>
-          <p:cNvPr id="11" name="TextBox 10"/>
-          <p:cNvSpPr txBox="1"/>
-          <p:nvPr/>
-        </p:nvSpPr>
-        <p:spPr>
-          <a:xfrm>
-            <a:off x="4977087" y="2473124"/>
-            <a:ext cx="5297256" cy="707886"/>
-          </a:xfrm>
-          <a:prstGeom prst="rect">
-            <a:avLst/>
-          </a:prstGeom>
-          <a:noFill/>
-        </p:spPr>
-        <p:txBody>
-          <a:bodyPr wrap="square" rtlCol="0">
-            <a:spAutoFit/>
-          </a:bodyPr>
-          <a:lstStyle/>
-          <a:p>
-            <a:r>
-              <a:rPr lang="ko-KR" altLang="en-US" sz="4000" smtClean="0">
-                <a:latin typeface="+mj-ea"/>
-                <a:ea typeface="+mj-ea"/>
-              </a:rPr>
-              <a:t>김찰스 </a:t>
-            </a:r>
-            <a:r>
-              <a:rPr lang="en-US" altLang="ko-KR" sz="4000" smtClean="0">
-                <a:latin typeface="+mj-ea"/>
-                <a:ea typeface="+mj-ea"/>
-              </a:rPr>
-              <a:t>(</a:t>
-            </a:r>
-            <a:r>
-              <a:rPr lang="ko-KR" altLang="en-US" sz="4000" smtClean="0">
-                <a:latin typeface="+mj-ea"/>
-                <a:ea typeface="+mj-ea"/>
-              </a:rPr>
-              <a:t>만 </a:t>
-            </a:r>
-            <a:r>
-              <a:rPr lang="en-US" altLang="ko-KR" sz="4000" smtClean="0">
-                <a:latin typeface="+mj-ea"/>
-                <a:ea typeface="+mj-ea"/>
-              </a:rPr>
-              <a:t>3</a:t>
-            </a:r>
-            <a:r>
-              <a:rPr lang="ko-KR" altLang="en-US" sz="4000" smtClean="0">
-                <a:latin typeface="+mj-ea"/>
-                <a:ea typeface="+mj-ea"/>
-              </a:rPr>
-              <a:t>세</a:t>
-            </a:r>
-            <a:r>
-              <a:rPr lang="en-US" altLang="ko-KR" sz="4000" smtClean="0">
-                <a:latin typeface="+mj-ea"/>
-                <a:ea typeface="+mj-ea"/>
-              </a:rPr>
-              <a:t>)</a:t>
-            </a:r>
-            <a:endParaRPr lang="en-US" altLang="ko-KR" sz="4000">
-              <a:latin typeface="+mj-ea"/>
-              <a:ea typeface="+mj-ea"/>
-            </a:endParaRPr>
-          </a:p>
-        </p:txBody>
-      </p:sp>
-      <p:sp>
-        <p:nvSpPr>
-          <p:cNvPr id="14" name="직사각형 13"/>
+            <a:r>
+              <a:rPr lang="ko-KR" altLang="en-US" sz="1400" smtClean="0"/>
+              <a:t>뒤로가기</a:t>
+            </a:r>
+            <a:endParaRPr lang="ko-KR" altLang="en-US" sz="1400"/>
+          </a:p>
+        </p:txBody>
+      </p:sp>
+      <p:sp>
+        <p:nvSpPr>
+          <p:cNvPr id="27" name="직사각형 26"/>
           <p:cNvSpPr/>
           <p:nvPr/>
         </p:nvSpPr>
         <p:spPr>
           <a:xfrm>
-            <a:off x="7747673" y="3465408"/>
-            <a:ext cx="629920" cy="377112"/>
-          </a:xfrm>
-          <a:prstGeom prst="rect">
-            <a:avLst/>
-          </a:prstGeom>
-          <a:solidFill>
-            <a:srgbClr val="FF0000"/>
-          </a:solidFill>
+            <a:off x="2413802" y="2411058"/>
+            <a:ext cx="1625601" cy="1464011"/>
+          </a:xfrm>
+          <a:prstGeom prst="rect">
+            <a:avLst/>
+          </a:prstGeom>
         </p:spPr>
         <p:style>
           <a:lnRef idx="2">
@@ -4199,23 +4201,27 @@
           <a:p>
             <a:pPr algn="ctr"/>
             <a:r>
-              <a:rPr lang="ko-KR" altLang="en-US" smtClean="0"/>
-              <a:t>상</a:t>
-            </a:r>
-            <a:endParaRPr lang="ko-KR" altLang="en-US"/>
-          </a:p>
-        </p:txBody>
-      </p:sp>
-      <p:sp>
-        <p:nvSpPr>
-          <p:cNvPr id="15" name="직사각형 14"/>
+              <a:rPr lang="ko-KR" altLang="en-US" sz="2000" smtClean="0"/>
+              <a:t>프로필 </a:t>
+            </a:r>
+            <a:r>
+              <a:rPr lang="en-US" altLang="ko-KR" sz="2000" smtClean="0"/>
+              <a:t>1</a:t>
+            </a:r>
+            <a:endParaRPr lang="ko-KR" altLang="en-US" sz="2000"/>
+          </a:p>
+        </p:txBody>
+      </p:sp>
+      <p:sp>
+        <p:nvSpPr>
+          <p:cNvPr id="28" name="직사각형 27"/>
           <p:cNvSpPr/>
           <p:nvPr/>
         </p:nvSpPr>
         <p:spPr>
           <a:xfrm>
-            <a:off x="9487897" y="3464300"/>
-            <a:ext cx="629920" cy="377112"/>
+            <a:off x="4498364" y="2411057"/>
+            <a:ext cx="1625601" cy="1464011"/>
           </a:xfrm>
           <a:prstGeom prst="rect">
             <a:avLst/>
@@ -4243,23 +4249,27 @@
           <a:p>
             <a:pPr algn="ctr"/>
             <a:r>
-              <a:rPr lang="ko-KR" altLang="en-US" smtClean="0"/>
-              <a:t>하</a:t>
-            </a:r>
-            <a:endParaRPr lang="ko-KR" altLang="en-US"/>
-          </a:p>
-        </p:txBody>
-      </p:sp>
-      <p:sp>
-        <p:nvSpPr>
-          <p:cNvPr id="16" name="직사각형 15"/>
+              <a:rPr lang="ko-KR" altLang="en-US" sz="2000" smtClean="0"/>
+              <a:t>프로필 </a:t>
+            </a:r>
+            <a:r>
+              <a:rPr lang="en-US" altLang="ko-KR" sz="2000" smtClean="0"/>
+              <a:t>2</a:t>
+            </a:r>
+            <a:endParaRPr lang="ko-KR" altLang="en-US" sz="2000"/>
+          </a:p>
+        </p:txBody>
+      </p:sp>
+      <p:sp>
+        <p:nvSpPr>
+          <p:cNvPr id="29" name="직사각형 28"/>
           <p:cNvSpPr/>
           <p:nvPr/>
         </p:nvSpPr>
         <p:spPr>
           <a:xfrm>
-            <a:off x="8617785" y="3459332"/>
-            <a:ext cx="629920" cy="377112"/>
+            <a:off x="6582926" y="2411056"/>
+            <a:ext cx="1625601" cy="1464011"/>
           </a:xfrm>
           <a:prstGeom prst="rect">
             <a:avLst/>
@@ -4287,23 +4297,27 @@
           <a:p>
             <a:pPr algn="ctr"/>
             <a:r>
-              <a:rPr lang="ko-KR" altLang="en-US" smtClean="0"/>
-              <a:t>중</a:t>
-            </a:r>
-            <a:endParaRPr lang="ko-KR" altLang="en-US"/>
-          </a:p>
-        </p:txBody>
-      </p:sp>
-      <p:sp>
-        <p:nvSpPr>
-          <p:cNvPr id="18" name="직사각형 17"/>
+              <a:rPr lang="ko-KR" altLang="en-US" sz="2000" smtClean="0"/>
+              <a:t>프로필 </a:t>
+            </a:r>
+            <a:r>
+              <a:rPr lang="en-US" altLang="ko-KR" sz="2000" smtClean="0"/>
+              <a:t>3</a:t>
+            </a:r>
+            <a:endParaRPr lang="ko-KR" altLang="en-US" sz="2000"/>
+          </a:p>
+        </p:txBody>
+      </p:sp>
+      <p:sp>
+        <p:nvSpPr>
+          <p:cNvPr id="30" name="직사각형 29"/>
           <p:cNvSpPr/>
           <p:nvPr/>
         </p:nvSpPr>
         <p:spPr>
           <a:xfrm>
-            <a:off x="7747673" y="4070324"/>
-            <a:ext cx="2370144" cy="377112"/>
+            <a:off x="8667488" y="2411055"/>
+            <a:ext cx="1625601" cy="1464011"/>
           </a:xfrm>
           <a:prstGeom prst="rect">
             <a:avLst/>
@@ -4331,129 +4345,71 @@
           <a:p>
             <a:pPr algn="ctr"/>
             <a:r>
-              <a:rPr lang="ko-KR" altLang="en-US" smtClean="0"/>
-              <a:t>이동하기</a:t>
-            </a:r>
-            <a:endParaRPr lang="ko-KR" altLang="en-US"/>
-          </a:p>
-        </p:txBody>
-      </p:sp>
-      <p:sp>
-        <p:nvSpPr>
-          <p:cNvPr id="19" name="직사각형 18"/>
+              <a:rPr lang="en-US" altLang="ko-KR" sz="4000" smtClean="0"/>
+              <a:t>+</a:t>
+            </a:r>
+            <a:endParaRPr lang="ko-KR" altLang="en-US" sz="4000"/>
+          </a:p>
+        </p:txBody>
+      </p:sp>
+      <p:sp>
+        <p:nvSpPr>
+          <p:cNvPr id="31" name="직사각형 30"/>
           <p:cNvSpPr/>
           <p:nvPr/>
         </p:nvSpPr>
         <p:spPr>
           <a:xfrm>
-            <a:off x="6021295" y="6032462"/>
-            <a:ext cx="1625601" cy="430887"/>
-          </a:xfrm>
-          <a:prstGeom prst="rect">
-            <a:avLst/>
-          </a:prstGeom>
-        </p:spPr>
-        <p:style>
-          <a:lnRef idx="2">
-            <a:schemeClr val="accent1">
-              <a:shade val="50000"/>
-            </a:schemeClr>
-          </a:lnRef>
-          <a:fillRef idx="1">
-            <a:schemeClr val="accent1"/>
-          </a:fillRef>
-          <a:effectRef idx="0">
-            <a:schemeClr val="accent1"/>
-          </a:effectRef>
-          <a:fontRef idx="minor">
-            <a:schemeClr val="lt1"/>
-          </a:fontRef>
-        </p:style>
-        <p:txBody>
-          <a:bodyPr rtlCol="0" anchor="ctr"/>
-          <a:lstStyle/>
-          <a:p>
-            <a:pPr algn="ctr"/>
-            <a:r>
-              <a:rPr lang="ko-KR" altLang="en-US" sz="1400" smtClean="0"/>
-              <a:t>삭제하기</a:t>
-            </a:r>
-            <a:endParaRPr lang="ko-KR" altLang="en-US" sz="1400"/>
-          </a:p>
-        </p:txBody>
-      </p:sp>
-      <p:sp>
-        <p:nvSpPr>
-          <p:cNvPr id="20" name="직사각형 19"/>
-          <p:cNvSpPr/>
-          <p:nvPr/>
-        </p:nvSpPr>
-        <p:spPr>
-          <a:xfrm>
-            <a:off x="4692324" y="6032461"/>
-            <a:ext cx="1228221" cy="430887"/>
-          </a:xfrm>
-          <a:prstGeom prst="rect">
-            <a:avLst/>
-          </a:prstGeom>
-        </p:spPr>
-        <p:txBody>
-          <a:bodyPr wrap="none">
+            <a:off x="3298069" y="4702583"/>
+            <a:ext cx="5809222" cy="1015663"/>
+          </a:xfrm>
+          <a:prstGeom prst="rect">
+            <a:avLst/>
+          </a:prstGeom>
+        </p:spPr>
+        <p:txBody>
+          <a:bodyPr wrap="square">
             <a:spAutoFit/>
           </a:bodyPr>
           <a:lstStyle/>
           <a:p>
-            <a:pPr>
+            <a:pPr algn="ctr">
               <a:lnSpc>
                 <a:spcPct val="150000"/>
               </a:lnSpc>
             </a:pPr>
             <a:r>
-              <a:rPr lang="ko-KR" altLang="en-US" sz="1600">
+              <a:rPr lang="ko-KR" altLang="en-US" sz="2000" smtClean="0">
                 <a:latin typeface="+mj-ea"/>
               </a:rPr>
-              <a:t>프로필 삭제</a:t>
-            </a:r>
-            <a:endParaRPr lang="en-US" altLang="ko-KR" sz="1600">
+              <a:t>프로필 추가하기 ▶</a:t>
+            </a:r>
+            <a:endParaRPr lang="en-US" altLang="ko-KR" sz="2000" smtClean="0">
               <a:latin typeface="+mj-ea"/>
             </a:endParaRPr>
           </a:p>
-        </p:txBody>
-      </p:sp>
-      <p:cxnSp>
-        <p:nvCxnSpPr>
-          <p:cNvPr id="22" name="직선 연결선 21"/>
-          <p:cNvCxnSpPr/>
-          <p:nvPr/>
-        </p:nvCxnSpPr>
-        <p:spPr>
-          <a:xfrm>
-            <a:off x="359629" y="5857325"/>
-            <a:ext cx="11486931" cy="25315"/>
-          </a:xfrm>
-          <a:prstGeom prst="line">
-            <a:avLst/>
-          </a:prstGeom>
-        </p:spPr>
-        <p:style>
-          <a:lnRef idx="1">
-            <a:schemeClr val="accent1"/>
-          </a:lnRef>
-          <a:fillRef idx="0">
-            <a:schemeClr val="accent1"/>
-          </a:fillRef>
-          <a:effectRef idx="0">
-            <a:schemeClr val="accent1"/>
-          </a:effectRef>
-          <a:fontRef idx="minor">
-            <a:schemeClr val="tx1"/>
-          </a:fontRef>
-        </p:style>
-      </p:cxnSp>
+          <a:p>
+            <a:pPr algn="ctr">
+              <a:lnSpc>
+                <a:spcPct val="150000"/>
+              </a:lnSpc>
+            </a:pPr>
+            <a:r>
+              <a:rPr lang="ko-KR" altLang="en-US" sz="2000" smtClean="0">
+                <a:latin typeface="+mj-ea"/>
+              </a:rPr>
+              <a:t>프로필 관리하기 ▶</a:t>
+            </a:r>
+            <a:endParaRPr lang="en-US" altLang="ko-KR" sz="2000">
+              <a:latin typeface="+mj-ea"/>
+            </a:endParaRPr>
+          </a:p>
+        </p:txBody>
+      </p:sp>
     </p:spTree>
     <p:extLst>
       <p:ext uri="{BB962C8B-B14F-4D97-AF65-F5344CB8AC3E}">
-        <p14:creationId xmlns:p14="http://schemas.microsoft.com/office/powerpoint/2010/main" val="985792216"/>
+        <p14:creationId xmlns:p14="http://schemas.microsoft.com/office/powerpoint/2010/main" val="1957893337"/>
       </p:ext>
     </p:extLst>
   </p:cSld>
@@ -4487,170 +4443,16 @@
           <a:chExt cx="0" cy="0"/>
         </a:xfrm>
       </p:grpSpPr>
-      <p:sp>
-        <p:nvSpPr>
-          <p:cNvPr id="4" name="TextBox 3"/>
-          <p:cNvSpPr txBox="1"/>
-          <p:nvPr/>
-        </p:nvSpPr>
-        <p:spPr>
-          <a:xfrm>
-            <a:off x="361963" y="315410"/>
-            <a:ext cx="8406116" cy="369332"/>
-          </a:xfrm>
-          <a:prstGeom prst="rect">
-            <a:avLst/>
-          </a:prstGeom>
-          <a:noFill/>
-        </p:spPr>
-        <p:txBody>
-          <a:bodyPr wrap="square" rtlCol="0">
-            <a:spAutoFit/>
-          </a:bodyPr>
-          <a:lstStyle/>
-          <a:p>
-            <a:r>
-              <a:rPr lang="ko-KR" altLang="en-US">
-                <a:latin typeface="+mj-ea"/>
-                <a:ea typeface="+mj-ea"/>
-              </a:rPr>
-              <a:t>마이페이지 </a:t>
-            </a:r>
-            <a:r>
-              <a:rPr lang="en-US" altLang="ko-KR">
-                <a:latin typeface="+mj-ea"/>
-                <a:ea typeface="+mj-ea"/>
-              </a:rPr>
-              <a:t>MyPage </a:t>
-            </a:r>
-            <a:r>
-              <a:rPr lang="en-US" altLang="ko-KR" smtClean="0">
-                <a:latin typeface="+mj-ea"/>
-                <a:ea typeface="+mj-ea"/>
-              </a:rPr>
-              <a:t>&gt; </a:t>
-            </a:r>
-            <a:r>
-              <a:rPr lang="ko-KR" altLang="en-US" smtClean="0">
-                <a:latin typeface="+mj-ea"/>
-                <a:ea typeface="+mj-ea"/>
-              </a:rPr>
-              <a:t>나의 학습기록 </a:t>
-            </a:r>
-            <a:r>
-              <a:rPr lang="en-US" altLang="ko-KR" smtClean="0">
-                <a:latin typeface="+mj-ea"/>
-                <a:ea typeface="+mj-ea"/>
-              </a:rPr>
-              <a:t>MyHistory &gt;</a:t>
-            </a:r>
-            <a:endParaRPr lang="ko-KR" altLang="en-US">
-              <a:latin typeface="+mj-ea"/>
-              <a:ea typeface="+mj-ea"/>
-            </a:endParaRPr>
-          </a:p>
-        </p:txBody>
-      </p:sp>
-      <p:sp>
-        <p:nvSpPr>
-          <p:cNvPr id="5" name="TextBox 4"/>
-          <p:cNvSpPr txBox="1"/>
-          <p:nvPr/>
-        </p:nvSpPr>
-        <p:spPr>
-          <a:xfrm>
-            <a:off x="1483360" y="961351"/>
-            <a:ext cx="9438640" cy="669414"/>
-          </a:xfrm>
-          <a:prstGeom prst="rect">
-            <a:avLst/>
-          </a:prstGeom>
-          <a:noFill/>
-        </p:spPr>
-        <p:txBody>
-          <a:bodyPr wrap="square" rtlCol="0">
-            <a:spAutoFit/>
-          </a:bodyPr>
-          <a:lstStyle/>
-          <a:p>
-            <a:pPr algn="ctr">
-              <a:lnSpc>
-                <a:spcPct val="150000"/>
-              </a:lnSpc>
-            </a:pPr>
-            <a:r>
-              <a:rPr lang="ko-KR" altLang="en-US" sz="2500" smtClean="0">
-                <a:latin typeface="+mj-ea"/>
-                <a:ea typeface="+mj-ea"/>
-              </a:rPr>
-              <a:t>학습날짜</a:t>
-            </a:r>
-            <a:r>
-              <a:rPr lang="en-US" altLang="ko-KR" sz="2500" smtClean="0">
-                <a:latin typeface="+mj-ea"/>
-                <a:ea typeface="+mj-ea"/>
-              </a:rPr>
-              <a:t>			  </a:t>
-            </a:r>
-            <a:r>
-              <a:rPr lang="ko-KR" altLang="en-US" sz="2500" smtClean="0">
-                <a:latin typeface="+mj-ea"/>
-                <a:ea typeface="+mj-ea"/>
-              </a:rPr>
-              <a:t>학습동화</a:t>
-            </a:r>
-            <a:r>
-              <a:rPr lang="en-US" altLang="ko-KR" sz="2500">
-                <a:latin typeface="+mj-ea"/>
-                <a:ea typeface="+mj-ea"/>
-              </a:rPr>
-              <a:t>	</a:t>
-            </a:r>
-            <a:r>
-              <a:rPr lang="en-US" altLang="ko-KR" sz="2500" smtClean="0">
-                <a:latin typeface="+mj-ea"/>
-                <a:ea typeface="+mj-ea"/>
-              </a:rPr>
-              <a:t>		</a:t>
-            </a:r>
-            <a:r>
-              <a:rPr lang="ko-KR" altLang="en-US" sz="2500" smtClean="0">
-                <a:latin typeface="+mj-ea"/>
-                <a:ea typeface="+mj-ea"/>
-              </a:rPr>
-              <a:t>점수</a:t>
-            </a:r>
-            <a:r>
-              <a:rPr lang="en-US" altLang="ko-KR" sz="2500" smtClean="0">
-                <a:latin typeface="+mj-ea"/>
-                <a:ea typeface="+mj-ea"/>
-              </a:rPr>
-              <a:t>			</a:t>
-            </a:r>
-            <a:r>
-              <a:rPr lang="ko-KR" altLang="en-US" sz="2500" smtClean="0">
-                <a:latin typeface="+mj-ea"/>
-                <a:ea typeface="+mj-ea"/>
-              </a:rPr>
-              <a:t>자세히보기</a:t>
-            </a:r>
-            <a:endParaRPr lang="en-US" altLang="ko-KR" sz="2500" smtClean="0">
-              <a:latin typeface="+mj-ea"/>
-              <a:ea typeface="+mj-ea"/>
-            </a:endParaRPr>
-          </a:p>
-        </p:txBody>
-      </p:sp>
       <p:cxnSp>
         <p:nvCxnSpPr>
-          <p:cNvPr id="6" name="직선 연결선 5"/>
+          <p:cNvPr id="22" name="직선 연결선 21"/>
           <p:cNvCxnSpPr/>
           <p:nvPr/>
         </p:nvCxnSpPr>
         <p:spPr>
           <a:xfrm>
-            <a:off x="1356428" y="1630765"/>
-            <a:ext cx="9493332" cy="25315"/>
+            <a:off x="359629" y="5857325"/>
+            <a:ext cx="11486931" cy="25315"/>
           </a:xfrm>
           <a:prstGeom prst="line">
             <a:avLst/>
@@ -4673,422 +4475,14 @@
       </p:cxnSp>
       <p:sp>
         <p:nvSpPr>
-          <p:cNvPr id="7" name="직사각형 6"/>
+          <p:cNvPr id="23" name="직사각형 22"/>
           <p:cNvSpPr/>
           <p:nvPr/>
         </p:nvSpPr>
         <p:spPr>
           <a:xfrm>
-            <a:off x="1686560" y="1717742"/>
-            <a:ext cx="1292341" cy="4031873"/>
-          </a:xfrm>
-          <a:prstGeom prst="rect">
-            <a:avLst/>
-          </a:prstGeom>
-        </p:spPr>
-        <p:txBody>
-          <a:bodyPr wrap="none">
-            <a:spAutoFit/>
-          </a:bodyPr>
-          <a:lstStyle/>
-          <a:p>
-            <a:pPr algn="ctr">
-              <a:lnSpc>
-                <a:spcPct val="200000"/>
-              </a:lnSpc>
-            </a:pPr>
-            <a:r>
-              <a:rPr lang="en-US" altLang="ko-KR" sz="1600" smtClean="0">
-                <a:latin typeface="+mn-ea"/>
-              </a:rPr>
-              <a:t>2022.12.12</a:t>
-            </a:r>
-          </a:p>
-          <a:p>
-            <a:pPr algn="ctr">
-              <a:lnSpc>
-                <a:spcPct val="200000"/>
-              </a:lnSpc>
-            </a:pPr>
-            <a:r>
-              <a:rPr lang="en-US" altLang="ko-KR" sz="1600">
-                <a:latin typeface="+mn-ea"/>
-              </a:rPr>
-              <a:t>2022.12.12</a:t>
-            </a:r>
-          </a:p>
-          <a:p>
-            <a:pPr algn="ctr">
-              <a:lnSpc>
-                <a:spcPct val="200000"/>
-              </a:lnSpc>
-            </a:pPr>
-            <a:r>
-              <a:rPr lang="en-US" altLang="ko-KR" sz="1600">
-                <a:latin typeface="+mn-ea"/>
-              </a:rPr>
-              <a:t>2022.12.12</a:t>
-            </a:r>
-          </a:p>
-          <a:p>
-            <a:pPr algn="ctr">
-              <a:lnSpc>
-                <a:spcPct val="200000"/>
-              </a:lnSpc>
-            </a:pPr>
-            <a:r>
-              <a:rPr lang="en-US" altLang="ko-KR" sz="1600">
-                <a:latin typeface="+mn-ea"/>
-              </a:rPr>
-              <a:t>2022.12.12</a:t>
-            </a:r>
-          </a:p>
-          <a:p>
-            <a:pPr algn="ctr">
-              <a:lnSpc>
-                <a:spcPct val="200000"/>
-              </a:lnSpc>
-            </a:pPr>
-            <a:r>
-              <a:rPr lang="en-US" altLang="ko-KR" sz="1600">
-                <a:latin typeface="+mn-ea"/>
-              </a:rPr>
-              <a:t>2022.12.12</a:t>
-            </a:r>
-          </a:p>
-          <a:p>
-            <a:pPr algn="ctr">
-              <a:lnSpc>
-                <a:spcPct val="200000"/>
-              </a:lnSpc>
-            </a:pPr>
-            <a:r>
-              <a:rPr lang="en-US" altLang="ko-KR" sz="1600">
-                <a:latin typeface="+mn-ea"/>
-              </a:rPr>
-              <a:t>2022.12.12</a:t>
-            </a:r>
-          </a:p>
-          <a:p>
-            <a:pPr algn="ctr">
-              <a:lnSpc>
-                <a:spcPct val="200000"/>
-              </a:lnSpc>
-            </a:pPr>
-            <a:r>
-              <a:rPr lang="en-US" altLang="ko-KR" sz="1600">
-                <a:latin typeface="+mn-ea"/>
-              </a:rPr>
-              <a:t>2022.12.12</a:t>
-            </a:r>
-          </a:p>
-          <a:p>
-            <a:pPr algn="ctr">
-              <a:lnSpc>
-                <a:spcPct val="200000"/>
-              </a:lnSpc>
-            </a:pPr>
-            <a:r>
-              <a:rPr lang="en-US" altLang="ko-KR" sz="1600" smtClean="0">
-                <a:latin typeface="+mn-ea"/>
-              </a:rPr>
-              <a:t>2022.12.12</a:t>
-            </a:r>
-            <a:endParaRPr lang="en-US" altLang="ko-KR" sz="1600">
-              <a:latin typeface="+mn-ea"/>
-            </a:endParaRPr>
-          </a:p>
-        </p:txBody>
-      </p:sp>
-      <p:sp>
-        <p:nvSpPr>
-          <p:cNvPr id="8" name="직사각형 7"/>
-          <p:cNvSpPr/>
-          <p:nvPr/>
-        </p:nvSpPr>
-        <p:spPr>
-          <a:xfrm>
-            <a:off x="4090351" y="1717742"/>
-            <a:ext cx="1425390" cy="4031873"/>
-          </a:xfrm>
-          <a:prstGeom prst="rect">
-            <a:avLst/>
-          </a:prstGeom>
-        </p:spPr>
-        <p:txBody>
-          <a:bodyPr wrap="none">
-            <a:spAutoFit/>
-          </a:bodyPr>
-          <a:lstStyle/>
-          <a:p>
-            <a:pPr algn="ctr">
-              <a:lnSpc>
-                <a:spcPct val="200000"/>
-              </a:lnSpc>
-            </a:pPr>
-            <a:r>
-              <a:rPr lang="ko-KR" altLang="en-US" sz="1600" smtClean="0">
-                <a:latin typeface="+mn-ea"/>
-              </a:rPr>
-              <a:t>해님 달님</a:t>
-            </a:r>
-            <a:endParaRPr lang="en-US" altLang="ko-KR" sz="1600" smtClean="0">
-              <a:latin typeface="+mn-ea"/>
-            </a:endParaRPr>
-          </a:p>
-          <a:p>
-            <a:pPr algn="ctr">
-              <a:lnSpc>
-                <a:spcPct val="200000"/>
-              </a:lnSpc>
-            </a:pPr>
-            <a:r>
-              <a:rPr lang="ko-KR" altLang="en-US" sz="1600" smtClean="0">
-                <a:latin typeface="+mn-ea"/>
-              </a:rPr>
-              <a:t>여우와 신포도</a:t>
-            </a:r>
-            <a:endParaRPr lang="en-US" altLang="ko-KR" sz="1600" smtClean="0">
-              <a:latin typeface="+mn-ea"/>
-            </a:endParaRPr>
-          </a:p>
-          <a:p>
-            <a:pPr algn="ctr">
-              <a:lnSpc>
-                <a:spcPct val="200000"/>
-              </a:lnSpc>
-            </a:pPr>
-            <a:r>
-              <a:rPr lang="ko-KR" altLang="en-US" sz="1600" smtClean="0">
-                <a:latin typeface="+mn-ea"/>
-              </a:rPr>
-              <a:t>해님 달님</a:t>
-            </a:r>
-            <a:endParaRPr lang="en-US" altLang="ko-KR" sz="1600" smtClean="0">
-              <a:latin typeface="+mn-ea"/>
-            </a:endParaRPr>
-          </a:p>
-          <a:p>
-            <a:pPr algn="ctr">
-              <a:lnSpc>
-                <a:spcPct val="200000"/>
-              </a:lnSpc>
-            </a:pPr>
-            <a:r>
-              <a:rPr lang="ko-KR" altLang="en-US" sz="1600" smtClean="0">
-                <a:latin typeface="+mn-ea"/>
-              </a:rPr>
-              <a:t>여우와 신포도</a:t>
-            </a:r>
-            <a:endParaRPr lang="en-US" altLang="ko-KR" sz="1600" smtClean="0">
-              <a:latin typeface="+mn-ea"/>
-            </a:endParaRPr>
-          </a:p>
-          <a:p>
-            <a:pPr algn="ctr">
-              <a:lnSpc>
-                <a:spcPct val="200000"/>
-              </a:lnSpc>
-            </a:pPr>
-            <a:r>
-              <a:rPr lang="ko-KR" altLang="en-US" sz="1600" smtClean="0">
-                <a:latin typeface="+mn-ea"/>
-              </a:rPr>
-              <a:t>해님 달님</a:t>
-            </a:r>
-            <a:endParaRPr lang="en-US" altLang="ko-KR" sz="1600" smtClean="0">
-              <a:latin typeface="+mn-ea"/>
-            </a:endParaRPr>
-          </a:p>
-          <a:p>
-            <a:pPr algn="ctr">
-              <a:lnSpc>
-                <a:spcPct val="200000"/>
-              </a:lnSpc>
-            </a:pPr>
-            <a:r>
-              <a:rPr lang="ko-KR" altLang="en-US" sz="1600" smtClean="0">
-                <a:latin typeface="+mn-ea"/>
-              </a:rPr>
-              <a:t>여우와 신포도</a:t>
-            </a:r>
-            <a:endParaRPr lang="en-US" altLang="ko-KR" sz="1600" smtClean="0">
-              <a:latin typeface="+mn-ea"/>
-            </a:endParaRPr>
-          </a:p>
-          <a:p>
-            <a:pPr algn="ctr">
-              <a:lnSpc>
-                <a:spcPct val="200000"/>
-              </a:lnSpc>
-            </a:pPr>
-            <a:r>
-              <a:rPr lang="ko-KR" altLang="en-US" sz="1600" smtClean="0">
-                <a:latin typeface="+mn-ea"/>
-              </a:rPr>
-              <a:t>해님 달님</a:t>
-            </a:r>
-            <a:endParaRPr lang="en-US" altLang="ko-KR" sz="1600" smtClean="0">
-              <a:latin typeface="+mn-ea"/>
-            </a:endParaRPr>
-          </a:p>
-          <a:p>
-            <a:pPr algn="ctr">
-              <a:lnSpc>
-                <a:spcPct val="200000"/>
-              </a:lnSpc>
-            </a:pPr>
-            <a:r>
-              <a:rPr lang="ko-KR" altLang="en-US" sz="1600" smtClean="0">
-                <a:latin typeface="+mn-ea"/>
-              </a:rPr>
-              <a:t>여우와 신포도</a:t>
-            </a:r>
-            <a:endParaRPr lang="en-US" altLang="ko-KR" sz="1600">
-              <a:latin typeface="+mn-ea"/>
-            </a:endParaRPr>
-          </a:p>
-        </p:txBody>
-      </p:sp>
-      <p:sp>
-        <p:nvSpPr>
-          <p:cNvPr id="9" name="직사각형 8"/>
-          <p:cNvSpPr/>
-          <p:nvPr/>
-        </p:nvSpPr>
-        <p:spPr>
-          <a:xfrm>
-            <a:off x="7018209" y="1717741"/>
-            <a:ext cx="466794" cy="4031873"/>
-          </a:xfrm>
-          <a:prstGeom prst="rect">
-            <a:avLst/>
-          </a:prstGeom>
-        </p:spPr>
-        <p:txBody>
-          <a:bodyPr wrap="none">
-            <a:spAutoFit/>
-          </a:bodyPr>
-          <a:lstStyle/>
-          <a:p>
-            <a:pPr algn="ctr">
-              <a:lnSpc>
-                <a:spcPct val="200000"/>
-              </a:lnSpc>
-            </a:pPr>
-            <a:r>
-              <a:rPr lang="en-US" altLang="ko-KR" sz="1600" smtClean="0">
-                <a:latin typeface="+mn-ea"/>
-              </a:rPr>
-              <a:t>70</a:t>
-            </a:r>
-          </a:p>
-          <a:p>
-            <a:pPr algn="ctr">
-              <a:lnSpc>
-                <a:spcPct val="200000"/>
-              </a:lnSpc>
-            </a:pPr>
-            <a:r>
-              <a:rPr lang="en-US" altLang="ko-KR" sz="1600" smtClean="0">
-                <a:latin typeface="+mn-ea"/>
-              </a:rPr>
-              <a:t>30</a:t>
-            </a:r>
-          </a:p>
-          <a:p>
-            <a:pPr algn="ctr">
-              <a:lnSpc>
-                <a:spcPct val="200000"/>
-              </a:lnSpc>
-            </a:pPr>
-            <a:r>
-              <a:rPr lang="en-US" altLang="ko-KR" sz="1600" smtClean="0">
-                <a:latin typeface="+mn-ea"/>
-              </a:rPr>
-              <a:t>60</a:t>
-            </a:r>
-          </a:p>
-          <a:p>
-            <a:pPr algn="ctr">
-              <a:lnSpc>
-                <a:spcPct val="200000"/>
-              </a:lnSpc>
-            </a:pPr>
-            <a:r>
-              <a:rPr lang="en-US" altLang="ko-KR" sz="1600" smtClean="0">
-                <a:latin typeface="+mn-ea"/>
-              </a:rPr>
-              <a:t>50</a:t>
-            </a:r>
-          </a:p>
-          <a:p>
-            <a:pPr algn="ctr">
-              <a:lnSpc>
-                <a:spcPct val="200000"/>
-              </a:lnSpc>
-            </a:pPr>
-            <a:r>
-              <a:rPr lang="en-US" altLang="ko-KR" sz="1600" smtClean="0">
-                <a:latin typeface="+mn-ea"/>
-              </a:rPr>
-              <a:t>90</a:t>
-            </a:r>
-          </a:p>
-          <a:p>
-            <a:pPr algn="ctr">
-              <a:lnSpc>
-                <a:spcPct val="200000"/>
-              </a:lnSpc>
-            </a:pPr>
-            <a:r>
-              <a:rPr lang="en-US" altLang="ko-KR" sz="1600" smtClean="0">
-                <a:latin typeface="+mn-ea"/>
-              </a:rPr>
-              <a:t>30</a:t>
-            </a:r>
-          </a:p>
-          <a:p>
-            <a:pPr algn="ctr">
-              <a:lnSpc>
-                <a:spcPct val="200000"/>
-              </a:lnSpc>
-            </a:pPr>
-            <a:r>
-              <a:rPr lang="en-US" altLang="ko-KR" sz="1600" smtClean="0">
-                <a:latin typeface="+mn-ea"/>
-              </a:rPr>
-              <a:t>40</a:t>
-            </a:r>
-          </a:p>
-          <a:p>
-            <a:pPr algn="ctr">
-              <a:lnSpc>
-                <a:spcPct val="200000"/>
-              </a:lnSpc>
-            </a:pPr>
-            <a:r>
-              <a:rPr lang="en-US" altLang="ko-KR" sz="1600" smtClean="0">
-                <a:latin typeface="+mn-ea"/>
-              </a:rPr>
-              <a:t>20</a:t>
-            </a:r>
-            <a:endParaRPr lang="en-US" altLang="ko-KR" sz="1600">
-              <a:latin typeface="+mn-ea"/>
-            </a:endParaRPr>
-          </a:p>
-        </p:txBody>
-      </p:sp>
-      <p:sp>
-        <p:nvSpPr>
-          <p:cNvPr id="10" name="직사각형 9"/>
-          <p:cNvSpPr/>
-          <p:nvPr/>
-        </p:nvSpPr>
-        <p:spPr>
-          <a:xfrm>
-            <a:off x="8778239" y="1846543"/>
-            <a:ext cx="1625601" cy="348018"/>
+            <a:off x="5279615" y="6032462"/>
+            <a:ext cx="1625601" cy="430887"/>
           </a:xfrm>
           <a:prstGeom prst="rect">
             <a:avLst/>
@@ -5117,7 +4511,7 @@
             <a:pPr algn="ctr"/>
             <a:r>
               <a:rPr lang="ko-KR" altLang="en-US" sz="1400" smtClean="0"/>
-              <a:t>자세히</a:t>
+              <a:t>뒤로가기</a:t>
             </a:r>
             <a:endParaRPr lang="ko-KR" altLang="en-US" sz="1400"/>
           </a:p>
@@ -5125,14 +4519,16 @@
       </p:sp>
       <p:sp>
         <p:nvSpPr>
-          <p:cNvPr id="13" name="직사각형 12"/>
-          <p:cNvSpPr/>
-          <p:nvPr/>
-        </p:nvSpPr>
-        <p:spPr>
-          <a:xfrm>
-            <a:off x="8768079" y="2354543"/>
-            <a:ext cx="1625601" cy="348018"/>
+          <p:cNvPr id="27" name="직사각형 26"/>
+          <p:cNvSpPr>
+            <a:spLocks noChangeAspect="1"/>
+          </p:cNvSpPr>
+          <p:nvPr/>
+        </p:nvSpPr>
+        <p:spPr>
+          <a:xfrm>
+            <a:off x="998700" y="966484"/>
+            <a:ext cx="2160000" cy="2160000"/>
           </a:xfrm>
           <a:prstGeom prst="rect">
             <a:avLst/>
@@ -5160,23 +4556,92 @@
           <a:p>
             <a:pPr algn="ctr"/>
             <a:r>
-              <a:rPr lang="ko-KR" altLang="en-US" sz="1400" smtClean="0"/>
-              <a:t>자세히</a:t>
-            </a:r>
-            <a:endParaRPr lang="ko-KR" altLang="en-US" sz="1400"/>
-          </a:p>
-        </p:txBody>
-      </p:sp>
-      <p:sp>
-        <p:nvSpPr>
-          <p:cNvPr id="14" name="직사각형 13"/>
-          <p:cNvSpPr/>
-          <p:nvPr/>
-        </p:nvSpPr>
-        <p:spPr>
-          <a:xfrm>
-            <a:off x="8768079" y="2862543"/>
-            <a:ext cx="1625601" cy="348018"/>
+              <a:rPr lang="ko-KR" altLang="en-US" sz="2000" smtClean="0"/>
+              <a:t>해님 달님</a:t>
+            </a:r>
+            <a:endParaRPr lang="ko-KR" altLang="en-US" sz="2000"/>
+          </a:p>
+        </p:txBody>
+      </p:sp>
+      <p:sp>
+        <p:nvSpPr>
+          <p:cNvPr id="11" name="TextBox 10"/>
+          <p:cNvSpPr txBox="1"/>
+          <p:nvPr/>
+        </p:nvSpPr>
+        <p:spPr>
+          <a:xfrm>
+            <a:off x="361963" y="315410"/>
+            <a:ext cx="8406116" cy="369332"/>
+          </a:xfrm>
+          <a:prstGeom prst="rect">
+            <a:avLst/>
+          </a:prstGeom>
+          <a:noFill/>
+        </p:spPr>
+        <p:txBody>
+          <a:bodyPr wrap="square" rtlCol="0">
+            <a:spAutoFit/>
+          </a:bodyPr>
+          <a:lstStyle/>
+          <a:p>
+            <a:r>
+              <a:rPr lang="ko-KR" altLang="en-US" smtClean="0">
+                <a:latin typeface="+mj-ea"/>
+                <a:ea typeface="+mj-ea"/>
+              </a:rPr>
+              <a:t>메인화면 </a:t>
+            </a:r>
+            <a:r>
+              <a:rPr lang="en-US" altLang="ko-KR" smtClean="0">
+                <a:latin typeface="+mj-ea"/>
+                <a:ea typeface="+mj-ea"/>
+              </a:rPr>
+              <a:t>Main</a:t>
+            </a:r>
+            <a:r>
+              <a:rPr lang="ko-KR" altLang="en-US" smtClean="0">
+                <a:latin typeface="+mj-ea"/>
+                <a:ea typeface="+mj-ea"/>
+              </a:rPr>
+              <a:t> </a:t>
+            </a:r>
+            <a:r>
+              <a:rPr lang="en-US" altLang="ko-KR" smtClean="0">
+                <a:latin typeface="+mj-ea"/>
+                <a:ea typeface="+mj-ea"/>
+              </a:rPr>
+              <a:t>&gt; </a:t>
+            </a:r>
+            <a:r>
+              <a:rPr lang="ko-KR" altLang="en-US" smtClean="0">
+                <a:latin typeface="+mj-ea"/>
+                <a:ea typeface="+mj-ea"/>
+              </a:rPr>
+              <a:t>동화 선택 </a:t>
+            </a:r>
+            <a:r>
+              <a:rPr lang="en-US" altLang="ko-KR" smtClean="0">
+                <a:latin typeface="+mj-ea"/>
+                <a:ea typeface="+mj-ea"/>
+              </a:rPr>
+              <a:t>Story</a:t>
+            </a:r>
+          </a:p>
+        </p:txBody>
+      </p:sp>
+      <p:sp>
+        <p:nvSpPr>
+          <p:cNvPr id="12" name="직사각형 11"/>
+          <p:cNvSpPr>
+            <a:spLocks noChangeAspect="1"/>
+          </p:cNvSpPr>
+          <p:nvPr/>
+        </p:nvSpPr>
+        <p:spPr>
+          <a:xfrm>
+            <a:off x="3693569" y="966484"/>
+            <a:ext cx="2160000" cy="2160000"/>
           </a:xfrm>
           <a:prstGeom prst="rect">
             <a:avLst/>
@@ -5204,23 +4669,25 @@
           <a:p>
             <a:pPr algn="ctr"/>
             <a:r>
-              <a:rPr lang="ko-KR" altLang="en-US" sz="1400" smtClean="0"/>
-              <a:t>자세히</a:t>
-            </a:r>
-            <a:endParaRPr lang="ko-KR" altLang="en-US" sz="1400"/>
-          </a:p>
-        </p:txBody>
-      </p:sp>
-      <p:sp>
-        <p:nvSpPr>
-          <p:cNvPr id="15" name="직사각형 14"/>
-          <p:cNvSpPr/>
-          <p:nvPr/>
-        </p:nvSpPr>
-        <p:spPr>
-          <a:xfrm>
-            <a:off x="8778239" y="3370543"/>
-            <a:ext cx="1625601" cy="348018"/>
+              <a:rPr lang="ko-KR" altLang="en-US" sz="2000" smtClean="0"/>
+              <a:t>여우와 신포도</a:t>
+            </a:r>
+            <a:endParaRPr lang="ko-KR" altLang="en-US" sz="2000"/>
+          </a:p>
+        </p:txBody>
+      </p:sp>
+      <p:sp>
+        <p:nvSpPr>
+          <p:cNvPr id="13" name="직사각형 12"/>
+          <p:cNvSpPr>
+            <a:spLocks noChangeAspect="1"/>
+          </p:cNvSpPr>
+          <p:nvPr/>
+        </p:nvSpPr>
+        <p:spPr>
+          <a:xfrm>
+            <a:off x="6388438" y="966484"/>
+            <a:ext cx="2160000" cy="2160000"/>
           </a:xfrm>
           <a:prstGeom prst="rect">
             <a:avLst/>
@@ -5248,23 +4715,25 @@
           <a:p>
             <a:pPr algn="ctr"/>
             <a:r>
-              <a:rPr lang="ko-KR" altLang="en-US" sz="1400" smtClean="0"/>
-              <a:t>자세히</a:t>
-            </a:r>
-            <a:endParaRPr lang="ko-KR" altLang="en-US" sz="1400"/>
-          </a:p>
-        </p:txBody>
-      </p:sp>
-      <p:sp>
-        <p:nvSpPr>
-          <p:cNvPr id="16" name="직사각형 15"/>
-          <p:cNvSpPr/>
-          <p:nvPr/>
-        </p:nvSpPr>
-        <p:spPr>
-          <a:xfrm>
-            <a:off x="8768079" y="3878543"/>
-            <a:ext cx="1625601" cy="348018"/>
+              <a:rPr lang="ko-KR" altLang="en-US" sz="2000" smtClean="0"/>
+              <a:t>여우와 신포도</a:t>
+            </a:r>
+            <a:endParaRPr lang="ko-KR" altLang="en-US" sz="2000"/>
+          </a:p>
+        </p:txBody>
+      </p:sp>
+      <p:sp>
+        <p:nvSpPr>
+          <p:cNvPr id="14" name="직사각형 13"/>
+          <p:cNvSpPr>
+            <a:spLocks noChangeAspect="1"/>
+          </p:cNvSpPr>
+          <p:nvPr/>
+        </p:nvSpPr>
+        <p:spPr>
+          <a:xfrm>
+            <a:off x="9083307" y="966484"/>
+            <a:ext cx="2160000" cy="2160000"/>
           </a:xfrm>
           <a:prstGeom prst="rect">
             <a:avLst/>
@@ -5292,23 +4761,25 @@
           <a:p>
             <a:pPr algn="ctr"/>
             <a:r>
-              <a:rPr lang="ko-KR" altLang="en-US" sz="1400" smtClean="0"/>
-              <a:t>자세히</a:t>
-            </a:r>
-            <a:endParaRPr lang="ko-KR" altLang="en-US" sz="1400"/>
-          </a:p>
-        </p:txBody>
-      </p:sp>
-      <p:sp>
-        <p:nvSpPr>
-          <p:cNvPr id="17" name="직사각형 16"/>
-          <p:cNvSpPr/>
-          <p:nvPr/>
-        </p:nvSpPr>
-        <p:spPr>
-          <a:xfrm>
-            <a:off x="8768079" y="4386543"/>
-            <a:ext cx="1625601" cy="348018"/>
+              <a:rPr lang="ko-KR" altLang="en-US" sz="2000" smtClean="0"/>
+              <a:t>여우와 신포도</a:t>
+            </a:r>
+            <a:endParaRPr lang="ko-KR" altLang="en-US" sz="2000"/>
+          </a:p>
+        </p:txBody>
+      </p:sp>
+      <p:sp>
+        <p:nvSpPr>
+          <p:cNvPr id="15" name="직사각형 14"/>
+          <p:cNvSpPr>
+            <a:spLocks noChangeAspect="1"/>
+          </p:cNvSpPr>
+          <p:nvPr/>
+        </p:nvSpPr>
+        <p:spPr>
+          <a:xfrm>
+            <a:off x="998700" y="3415583"/>
+            <a:ext cx="2160000" cy="2160000"/>
           </a:xfrm>
           <a:prstGeom prst="rect">
             <a:avLst/>
@@ -5336,23 +4807,25 @@
           <a:p>
             <a:pPr algn="ctr"/>
             <a:r>
-              <a:rPr lang="ko-KR" altLang="en-US" sz="1400" smtClean="0"/>
-              <a:t>자세히</a:t>
-            </a:r>
-            <a:endParaRPr lang="ko-KR" altLang="en-US" sz="1400"/>
-          </a:p>
-        </p:txBody>
-      </p:sp>
-      <p:sp>
-        <p:nvSpPr>
-          <p:cNvPr id="18" name="직사각형 17"/>
-          <p:cNvSpPr/>
-          <p:nvPr/>
-        </p:nvSpPr>
-        <p:spPr>
-          <a:xfrm>
-            <a:off x="8778239" y="4873276"/>
-            <a:ext cx="1625601" cy="348018"/>
+              <a:rPr lang="ko-KR" altLang="en-US" sz="2000" smtClean="0"/>
+              <a:t>해님 달님</a:t>
+            </a:r>
+            <a:endParaRPr lang="ko-KR" altLang="en-US" sz="2000"/>
+          </a:p>
+        </p:txBody>
+      </p:sp>
+      <p:sp>
+        <p:nvSpPr>
+          <p:cNvPr id="16" name="직사각형 15"/>
+          <p:cNvSpPr>
+            <a:spLocks noChangeAspect="1"/>
+          </p:cNvSpPr>
+          <p:nvPr/>
+        </p:nvSpPr>
+        <p:spPr>
+          <a:xfrm>
+            <a:off x="3693569" y="3415583"/>
+            <a:ext cx="2160000" cy="2160000"/>
           </a:xfrm>
           <a:prstGeom prst="rect">
             <a:avLst/>
@@ -5380,23 +4853,25 @@
           <a:p>
             <a:pPr algn="ctr"/>
             <a:r>
-              <a:rPr lang="ko-KR" altLang="en-US" sz="1400" smtClean="0"/>
-              <a:t>자세히</a:t>
-            </a:r>
-            <a:endParaRPr lang="ko-KR" altLang="en-US" sz="1400"/>
-          </a:p>
-        </p:txBody>
-      </p:sp>
-      <p:sp>
-        <p:nvSpPr>
-          <p:cNvPr id="19" name="직사각형 18"/>
-          <p:cNvSpPr/>
-          <p:nvPr/>
-        </p:nvSpPr>
-        <p:spPr>
-          <a:xfrm>
-            <a:off x="8778239" y="5381276"/>
-            <a:ext cx="1625601" cy="348018"/>
+              <a:rPr lang="ko-KR" altLang="en-US" sz="2000" smtClean="0"/>
+              <a:t>여우와 신포도</a:t>
+            </a:r>
+            <a:endParaRPr lang="ko-KR" altLang="en-US" sz="2000"/>
+          </a:p>
+        </p:txBody>
+      </p:sp>
+      <p:sp>
+        <p:nvSpPr>
+          <p:cNvPr id="17" name="직사각형 16"/>
+          <p:cNvSpPr>
+            <a:spLocks noChangeAspect="1"/>
+          </p:cNvSpPr>
+          <p:nvPr/>
+        </p:nvSpPr>
+        <p:spPr>
+          <a:xfrm>
+            <a:off x="6388438" y="3415583"/>
+            <a:ext cx="2160000" cy="2160000"/>
           </a:xfrm>
           <a:prstGeom prst="rect">
             <a:avLst/>
@@ -5424,53 +4899,25 @@
           <a:p>
             <a:pPr algn="ctr"/>
             <a:r>
-              <a:rPr lang="ko-KR" altLang="en-US" sz="1400" smtClean="0"/>
-              <a:t>자세히</a:t>
-            </a:r>
-            <a:endParaRPr lang="ko-KR" altLang="en-US" sz="1400"/>
-          </a:p>
-        </p:txBody>
-      </p:sp>
-      <p:cxnSp>
-        <p:nvCxnSpPr>
-          <p:cNvPr id="22" name="직선 연결선 21"/>
-          <p:cNvCxnSpPr/>
-          <p:nvPr/>
-        </p:nvCxnSpPr>
-        <p:spPr>
-          <a:xfrm>
-            <a:off x="359629" y="5857325"/>
-            <a:ext cx="11486931" cy="25315"/>
-          </a:xfrm>
-          <a:prstGeom prst="line">
-            <a:avLst/>
-          </a:prstGeom>
-        </p:spPr>
-        <p:style>
-          <a:lnRef idx="1">
-            <a:schemeClr val="accent1"/>
-          </a:lnRef>
-          <a:fillRef idx="0">
-            <a:schemeClr val="accent1"/>
-          </a:fillRef>
-          <a:effectRef idx="0">
-            <a:schemeClr val="accent1"/>
-          </a:effectRef>
-          <a:fontRef idx="minor">
-            <a:schemeClr val="tx1"/>
-          </a:fontRef>
-        </p:style>
-      </p:cxnSp>
-      <p:sp>
-        <p:nvSpPr>
-          <p:cNvPr id="23" name="직사각형 22"/>
-          <p:cNvSpPr/>
-          <p:nvPr/>
-        </p:nvSpPr>
-        <p:spPr>
-          <a:xfrm>
-            <a:off x="5279615" y="6032462"/>
-            <a:ext cx="1625601" cy="430887"/>
+              <a:rPr lang="ko-KR" altLang="en-US" sz="2000" smtClean="0"/>
+              <a:t>여우와 신포도</a:t>
+            </a:r>
+            <a:endParaRPr lang="ko-KR" altLang="en-US" sz="2000"/>
+          </a:p>
+        </p:txBody>
+      </p:sp>
+      <p:sp>
+        <p:nvSpPr>
+          <p:cNvPr id="18" name="직사각형 17"/>
+          <p:cNvSpPr>
+            <a:spLocks noChangeAspect="1"/>
+          </p:cNvSpPr>
+          <p:nvPr/>
+        </p:nvSpPr>
+        <p:spPr>
+          <a:xfrm>
+            <a:off x="9083307" y="3415583"/>
+            <a:ext cx="2160000" cy="2160000"/>
           </a:xfrm>
           <a:prstGeom prst="rect">
             <a:avLst/>
@@ -5498,17 +4945,17 @@
           <a:p>
             <a:pPr algn="ctr"/>
             <a:r>
-              <a:rPr lang="ko-KR" altLang="en-US" sz="1400" smtClean="0"/>
-              <a:t>뒤로가기</a:t>
-            </a:r>
-            <a:endParaRPr lang="ko-KR" altLang="en-US" sz="1400"/>
+              <a:rPr lang="ko-KR" altLang="en-US" sz="2000" smtClean="0"/>
+              <a:t>여우와 신포도</a:t>
+            </a:r>
+            <a:endParaRPr lang="ko-KR" altLang="en-US" sz="2000"/>
           </a:p>
         </p:txBody>
       </p:sp>
     </p:spTree>
     <p:extLst>
       <p:ext uri="{BB962C8B-B14F-4D97-AF65-F5344CB8AC3E}">
-        <p14:creationId xmlns:p14="http://schemas.microsoft.com/office/powerpoint/2010/main" val="1828187430"/>
+        <p14:creationId xmlns:p14="http://schemas.microsoft.com/office/powerpoint/2010/main" val="1259180523"/>
       </p:ext>
     </p:extLst>
   </p:cSld>
@@ -5551,7 +4998,7 @@
         <p:spPr>
           <a:xfrm>
             <a:off x="361963" y="315410"/>
-            <a:ext cx="10824197" cy="369332"/>
+            <a:ext cx="8430345" cy="369332"/>
           </a:xfrm>
           <a:prstGeom prst="rect">
             <a:avLst/>
@@ -5569,28 +5016,14 @@
                 <a:latin typeface="+mj-ea"/>
                 <a:ea typeface="+mj-ea"/>
               </a:rPr>
-              <a:t>마이페이지 </a:t>
+              <a:t>메인화면 </a:t>
             </a:r>
             <a:r>
               <a:rPr lang="en-US" altLang="ko-KR">
                 <a:latin typeface="+mj-ea"/>
                 <a:ea typeface="+mj-ea"/>
               </a:rPr>
-              <a:t>MyPage &gt; </a:t>
-            </a:r>
-            <a:r>
-              <a:rPr lang="ko-KR" altLang="en-US">
-                <a:latin typeface="+mj-ea"/>
-                <a:ea typeface="+mj-ea"/>
-              </a:rPr>
-              <a:t>나의 학습기록 </a:t>
-            </a:r>
-            <a:r>
-              <a:rPr lang="en-US" altLang="ko-KR">
-                <a:latin typeface="+mj-ea"/>
-                <a:ea typeface="+mj-ea"/>
-              </a:rPr>
-              <a:t>MyHistory </a:t>
+              <a:t>Main </a:t>
             </a:r>
             <a:r>
               <a:rPr lang="en-US" altLang="ko-KR" smtClean="0">
@@ -5604,93 +5037,95 @@
                 <a:latin typeface="+mj-ea"/>
                 <a:ea typeface="+mj-ea"/>
               </a:rPr>
-              <a:t>자세히보기 </a:t>
+              <a:t>마이페이지 </a:t>
             </a:r>
             <a:r>
               <a:rPr lang="en-US" altLang="ko-KR" smtClean="0">
                 <a:latin typeface="+mj-ea"/>
                 <a:ea typeface="+mj-ea"/>
               </a:rPr>
-              <a:t>More</a:t>
-            </a:r>
-            <a:endParaRPr lang="en-US" altLang="ko-KR">
+              <a:t>MyPage &gt;</a:t>
+            </a:r>
+            <a:endParaRPr lang="ko-KR" altLang="en-US">
               <a:latin typeface="+mj-ea"/>
               <a:ea typeface="+mj-ea"/>
             </a:endParaRPr>
           </a:p>
         </p:txBody>
       </p:sp>
-      <p:pic>
-        <p:nvPicPr>
-          <p:cNvPr id="40" name="그림 39"/>
-          <p:cNvPicPr>
-            <a:picLocks noChangeAspect="1"/>
-          </p:cNvPicPr>
-          <p:nvPr/>
-        </p:nvPicPr>
-        <p:blipFill rotWithShape="1">
-          <a:blip r:embed="rId2">
-            <a:extLst>
-              <a:ext uri="{28A0092B-C50C-407E-A947-70E740481C1C}">
-                <a14:useLocalDpi xmlns:a14="http://schemas.microsoft.com/office/drawing/2010/main" val="0"/>
-              </a:ext>
-            </a:extLst>
-          </a:blip>
-          <a:srcRect t="21302"/>
-          <a:stretch/>
-        </p:blipFill>
-        <p:spPr>
-          <a:xfrm>
-            <a:off x="1934091" y="2052319"/>
-            <a:ext cx="8327509" cy="3624913"/>
-          </a:xfrm>
-          <a:prstGeom prst="rect">
-            <a:avLst/>
-          </a:prstGeom>
-        </p:spPr>
-      </p:pic>
-      <p:cxnSp>
-        <p:nvCxnSpPr>
-          <p:cNvPr id="41" name="직선 연결선 40"/>
-          <p:cNvCxnSpPr/>
-          <p:nvPr/>
-        </p:nvCxnSpPr>
-        <p:spPr>
-          <a:xfrm>
-            <a:off x="359629" y="5857325"/>
-            <a:ext cx="11486931" cy="25315"/>
-          </a:xfrm>
-          <a:prstGeom prst="line">
-            <a:avLst/>
-          </a:prstGeom>
-        </p:spPr>
-        <p:style>
-          <a:lnRef idx="1">
-            <a:schemeClr val="accent1"/>
-          </a:lnRef>
-          <a:fillRef idx="0">
-            <a:schemeClr val="accent1"/>
-          </a:fillRef>
-          <a:effectRef idx="0">
-            <a:schemeClr val="accent1"/>
-          </a:effectRef>
-          <a:fontRef idx="minor">
-            <a:schemeClr val="tx1"/>
-          </a:fontRef>
-        </p:style>
-      </p:cxnSp>
-      <p:sp>
-        <p:nvSpPr>
-          <p:cNvPr id="42" name="직사각형 41"/>
-          <p:cNvSpPr/>
-          <p:nvPr/>
-        </p:nvSpPr>
-        <p:spPr>
-          <a:xfrm>
-            <a:off x="5279615" y="6032462"/>
-            <a:ext cx="1625601" cy="430887"/>
-          </a:xfrm>
-          <a:prstGeom prst="rect">
+      <p:sp>
+        <p:nvSpPr>
+          <p:cNvPr id="5" name="TextBox 4"/>
+          <p:cNvSpPr txBox="1"/>
+          <p:nvPr/>
+        </p:nvSpPr>
+        <p:spPr>
+          <a:xfrm>
+            <a:off x="4977087" y="3330832"/>
+            <a:ext cx="3106689" cy="1246495"/>
+          </a:xfrm>
+          <a:prstGeom prst="rect">
+            <a:avLst/>
+          </a:prstGeom>
+          <a:noFill/>
+        </p:spPr>
+        <p:txBody>
+          <a:bodyPr wrap="square" rtlCol="0">
+            <a:spAutoFit/>
+          </a:bodyPr>
+          <a:lstStyle/>
+          <a:p>
+            <a:pPr>
+              <a:lnSpc>
+                <a:spcPct val="150000"/>
+              </a:lnSpc>
+            </a:pPr>
+            <a:r>
+              <a:rPr lang="ko-KR" altLang="en-US" sz="2500" smtClean="0">
+                <a:latin typeface="+mj-ea"/>
+                <a:ea typeface="+mj-ea"/>
+              </a:rPr>
+              <a:t>난이도 설정하기</a:t>
+            </a:r>
+            <a:endParaRPr lang="en-US" altLang="ko-KR" sz="2500" smtClean="0">
+              <a:latin typeface="+mj-ea"/>
+              <a:ea typeface="+mj-ea"/>
+            </a:endParaRPr>
+          </a:p>
+          <a:p>
+            <a:pPr>
+              <a:lnSpc>
+                <a:spcPct val="150000"/>
+              </a:lnSpc>
+            </a:pPr>
+            <a:r>
+              <a:rPr lang="ko-KR" altLang="en-US" sz="2500" smtClean="0">
+                <a:latin typeface="+mj-ea"/>
+                <a:ea typeface="+mj-ea"/>
+              </a:rPr>
+              <a:t>나의 학습기록</a:t>
+            </a:r>
+            <a:endParaRPr lang="en-US" altLang="ko-KR" sz="2500" smtClean="0">
+              <a:latin typeface="+mj-ea"/>
+              <a:ea typeface="+mj-ea"/>
+            </a:endParaRPr>
+          </a:p>
+        </p:txBody>
+      </p:sp>
+      <p:sp>
+        <p:nvSpPr>
+          <p:cNvPr id="9" name="타원 8"/>
+          <p:cNvSpPr>
+            <a:spLocks noChangeAspect="1"/>
+          </p:cNvSpPr>
+          <p:nvPr/>
+        </p:nvSpPr>
+        <p:spPr>
+          <a:xfrm>
+            <a:off x="1679825" y="1962607"/>
+            <a:ext cx="3003445" cy="3003445"/>
+          </a:xfrm>
+          <a:prstGeom prst="ellipse">
             <a:avLst/>
           </a:prstGeom>
         </p:spPr>
@@ -5711,48 +5146,84 @@
           </a:fontRef>
         </p:style>
         <p:txBody>
-          <a:bodyPr rtlCol="0" anchor="ctr"/>
+          <a:bodyPr rot="0" spcFirstLastPara="0" vertOverflow="overflow" horzOverflow="overflow" vert="horz" wrap="square" lIns="28932" tIns="14466" rIns="28932" bIns="14466" numCol="1" spcCol="0" rtlCol="0" fromWordArt="0" anchor="ctr" anchorCtr="0" forceAA="0" compatLnSpc="1">
+            <a:prstTxWarp prst="textNoShape">
+              <a:avLst/>
+            </a:prstTxWarp>
+            <a:noAutofit/>
+          </a:bodyPr>
           <a:lstStyle/>
           <a:p>
             <a:pPr algn="ctr"/>
-            <a:r>
-              <a:rPr lang="ko-KR" altLang="en-US" sz="1400" smtClean="0"/>
-              <a:t>뒤로가기</a:t>
-            </a:r>
-            <a:endParaRPr lang="ko-KR" altLang="en-US" sz="1400"/>
-          </a:p>
-        </p:txBody>
-      </p:sp>
-      <p:sp>
-        <p:nvSpPr>
-          <p:cNvPr id="43" name="직사각형 42"/>
-          <p:cNvSpPr/>
-          <p:nvPr/>
-        </p:nvSpPr>
-        <p:spPr>
-          <a:xfrm>
-            <a:off x="4128398" y="1267488"/>
-            <a:ext cx="3928033" cy="830997"/>
-          </a:xfrm>
-          <a:prstGeom prst="rect">
-            <a:avLst/>
-          </a:prstGeom>
-        </p:spPr>
-        <p:txBody>
-          <a:bodyPr wrap="square">
+            <a:endParaRPr lang="ko-KR" altLang="en-US" sz="570"/>
+          </a:p>
+        </p:txBody>
+      </p:sp>
+      <p:sp>
+        <p:nvSpPr>
+          <p:cNvPr id="11" name="TextBox 10"/>
+          <p:cNvSpPr txBox="1"/>
+          <p:nvPr/>
+        </p:nvSpPr>
+        <p:spPr>
+          <a:xfrm>
+            <a:off x="4977087" y="2473124"/>
+            <a:ext cx="5297256" cy="707886"/>
+          </a:xfrm>
+          <a:prstGeom prst="rect">
+            <a:avLst/>
+          </a:prstGeom>
+          <a:noFill/>
+        </p:spPr>
+        <p:txBody>
+          <a:bodyPr wrap="square" rtlCol="0">
             <a:spAutoFit/>
           </a:bodyPr>
           <a:lstStyle/>
           <a:p>
-            <a:pPr algn="ctr"/>
-            <a:r>
-              <a:rPr lang="ko-KR" altLang="en-US" sz="4800" smtClean="0">
+            <a:r>
+              <a:rPr lang="ko-KR" altLang="en-US" sz="4000" smtClean="0">
                 <a:latin typeface="+mj-ea"/>
                 <a:ea typeface="+mj-ea"/>
               </a:rPr>
-              <a:t>해님달님</a:t>
-            </a:r>
-            <a:endParaRPr lang="ko-KR" altLang="en-US" sz="4800">
+              <a:t>김찰스 </a:t>
+            </a:r>
+            <a:r>
+              <a:rPr lang="en-US" altLang="ko-KR" sz="4000" smtClean="0">
+                <a:latin typeface="+mj-ea"/>
+                <a:ea typeface="+mj-ea"/>
+              </a:rPr>
+              <a:t>(</a:t>
+            </a:r>
+            <a:r>
+              <a:rPr lang="ko-KR" altLang="en-US" sz="4000" smtClean="0">
+                <a:latin typeface="+mj-ea"/>
+                <a:ea typeface="+mj-ea"/>
+              </a:rPr>
+              <a:t>만 </a:t>
+            </a:r>
+            <a:r>
+              <a:rPr lang="en-US" altLang="ko-KR" sz="4000" smtClean="0">
+                <a:latin typeface="+mj-ea"/>
+                <a:ea typeface="+mj-ea"/>
+              </a:rPr>
+              <a:t>3</a:t>
+            </a:r>
+            <a:r>
+              <a:rPr lang="ko-KR" altLang="en-US" sz="4000" smtClean="0">
+                <a:latin typeface="+mj-ea"/>
+                <a:ea typeface="+mj-ea"/>
+              </a:rPr>
+              <a:t>세</a:t>
+            </a:r>
+            <a:r>
+              <a:rPr lang="en-US" altLang="ko-KR" sz="4000" smtClean="0">
+                <a:latin typeface="+mj-ea"/>
+                <a:ea typeface="+mj-ea"/>
+              </a:rPr>
+              <a:t>)</a:t>
+            </a:r>
+            <a:endParaRPr lang="en-US" altLang="ko-KR" sz="4000">
               <a:latin typeface="+mj-ea"/>
               <a:ea typeface="+mj-ea"/>
             </a:endParaRPr>
@@ -5761,90 +5232,299 @@
       </p:sp>
       <p:sp>
         <p:nvSpPr>
-          <p:cNvPr id="44" name="직사각형 43"/>
+          <p:cNvPr id="14" name="직사각형 13"/>
           <p:cNvSpPr/>
           <p:nvPr/>
         </p:nvSpPr>
         <p:spPr>
           <a:xfrm>
-            <a:off x="7234116" y="1682987"/>
-            <a:ext cx="2854764" cy="369332"/>
-          </a:xfrm>
-          <a:prstGeom prst="rect">
-            <a:avLst/>
-          </a:prstGeom>
-        </p:spPr>
-        <p:txBody>
-          <a:bodyPr wrap="square">
+            <a:off x="7747673" y="3465408"/>
+            <a:ext cx="629920" cy="377112"/>
+          </a:xfrm>
+          <a:prstGeom prst="rect">
+            <a:avLst/>
+          </a:prstGeom>
+          <a:solidFill>
+            <a:srgbClr val="FF0000"/>
+          </a:solidFill>
+        </p:spPr>
+        <p:style>
+          <a:lnRef idx="2">
+            <a:schemeClr val="accent1">
+              <a:shade val="50000"/>
+            </a:schemeClr>
+          </a:lnRef>
+          <a:fillRef idx="1">
+            <a:schemeClr val="accent1"/>
+          </a:fillRef>
+          <a:effectRef idx="0">
+            <a:schemeClr val="accent1"/>
+          </a:effectRef>
+          <a:fontRef idx="minor">
+            <a:schemeClr val="lt1"/>
+          </a:fontRef>
+        </p:style>
+        <p:txBody>
+          <a:bodyPr rtlCol="0" anchor="ctr"/>
+          <a:lstStyle/>
+          <a:p>
+            <a:pPr algn="ctr"/>
+            <a:r>
+              <a:rPr lang="ko-KR" altLang="en-US" smtClean="0"/>
+              <a:t>상</a:t>
+            </a:r>
+            <a:endParaRPr lang="ko-KR" altLang="en-US"/>
+          </a:p>
+        </p:txBody>
+      </p:sp>
+      <p:sp>
+        <p:nvSpPr>
+          <p:cNvPr id="15" name="직사각형 14"/>
+          <p:cNvSpPr/>
+          <p:nvPr/>
+        </p:nvSpPr>
+        <p:spPr>
+          <a:xfrm>
+            <a:off x="9487897" y="3464300"/>
+            <a:ext cx="629920" cy="377112"/>
+          </a:xfrm>
+          <a:prstGeom prst="rect">
+            <a:avLst/>
+          </a:prstGeom>
+        </p:spPr>
+        <p:style>
+          <a:lnRef idx="2">
+            <a:schemeClr val="accent1">
+              <a:shade val="50000"/>
+            </a:schemeClr>
+          </a:lnRef>
+          <a:fillRef idx="1">
+            <a:schemeClr val="accent1"/>
+          </a:fillRef>
+          <a:effectRef idx="0">
+            <a:schemeClr val="accent1"/>
+          </a:effectRef>
+          <a:fontRef idx="minor">
+            <a:schemeClr val="lt1"/>
+          </a:fontRef>
+        </p:style>
+        <p:txBody>
+          <a:bodyPr rtlCol="0" anchor="ctr"/>
+          <a:lstStyle/>
+          <a:p>
+            <a:pPr algn="ctr"/>
+            <a:r>
+              <a:rPr lang="ko-KR" altLang="en-US" smtClean="0"/>
+              <a:t>하</a:t>
+            </a:r>
+            <a:endParaRPr lang="ko-KR" altLang="en-US"/>
+          </a:p>
+        </p:txBody>
+      </p:sp>
+      <p:sp>
+        <p:nvSpPr>
+          <p:cNvPr id="16" name="직사각형 15"/>
+          <p:cNvSpPr/>
+          <p:nvPr/>
+        </p:nvSpPr>
+        <p:spPr>
+          <a:xfrm>
+            <a:off x="8617785" y="3459332"/>
+            <a:ext cx="629920" cy="377112"/>
+          </a:xfrm>
+          <a:prstGeom prst="rect">
+            <a:avLst/>
+          </a:prstGeom>
+        </p:spPr>
+        <p:style>
+          <a:lnRef idx="2">
+            <a:schemeClr val="accent1">
+              <a:shade val="50000"/>
+            </a:schemeClr>
+          </a:lnRef>
+          <a:fillRef idx="1">
+            <a:schemeClr val="accent1"/>
+          </a:fillRef>
+          <a:effectRef idx="0">
+            <a:schemeClr val="accent1"/>
+          </a:effectRef>
+          <a:fontRef idx="minor">
+            <a:schemeClr val="lt1"/>
+          </a:fontRef>
+        </p:style>
+        <p:txBody>
+          <a:bodyPr rtlCol="0" anchor="ctr"/>
+          <a:lstStyle/>
+          <a:p>
+            <a:pPr algn="ctr"/>
+            <a:r>
+              <a:rPr lang="ko-KR" altLang="en-US" smtClean="0"/>
+              <a:t>중</a:t>
+            </a:r>
+            <a:endParaRPr lang="ko-KR" altLang="en-US"/>
+          </a:p>
+        </p:txBody>
+      </p:sp>
+      <p:sp>
+        <p:nvSpPr>
+          <p:cNvPr id="18" name="직사각형 17"/>
+          <p:cNvSpPr/>
+          <p:nvPr/>
+        </p:nvSpPr>
+        <p:spPr>
+          <a:xfrm>
+            <a:off x="7747673" y="4070324"/>
+            <a:ext cx="2370144" cy="377112"/>
+          </a:xfrm>
+          <a:prstGeom prst="rect">
+            <a:avLst/>
+          </a:prstGeom>
+        </p:spPr>
+        <p:style>
+          <a:lnRef idx="2">
+            <a:schemeClr val="accent1">
+              <a:shade val="50000"/>
+            </a:schemeClr>
+          </a:lnRef>
+          <a:fillRef idx="1">
+            <a:schemeClr val="accent1"/>
+          </a:fillRef>
+          <a:effectRef idx="0">
+            <a:schemeClr val="accent1"/>
+          </a:effectRef>
+          <a:fontRef idx="minor">
+            <a:schemeClr val="lt1"/>
+          </a:fontRef>
+        </p:style>
+        <p:txBody>
+          <a:bodyPr rtlCol="0" anchor="ctr"/>
+          <a:lstStyle/>
+          <a:p>
+            <a:pPr algn="ctr"/>
+            <a:r>
+              <a:rPr lang="ko-KR" altLang="en-US" smtClean="0"/>
+              <a:t>이동하기</a:t>
+            </a:r>
+            <a:endParaRPr lang="ko-KR" altLang="en-US"/>
+          </a:p>
+        </p:txBody>
+      </p:sp>
+      <p:sp>
+        <p:nvSpPr>
+          <p:cNvPr id="19" name="직사각형 18"/>
+          <p:cNvSpPr/>
+          <p:nvPr/>
+        </p:nvSpPr>
+        <p:spPr>
+          <a:xfrm>
+            <a:off x="6021295" y="6032462"/>
+            <a:ext cx="1625601" cy="430887"/>
+          </a:xfrm>
+          <a:prstGeom prst="rect">
+            <a:avLst/>
+          </a:prstGeom>
+        </p:spPr>
+        <p:style>
+          <a:lnRef idx="2">
+            <a:schemeClr val="accent1">
+              <a:shade val="50000"/>
+            </a:schemeClr>
+          </a:lnRef>
+          <a:fillRef idx="1">
+            <a:schemeClr val="accent1"/>
+          </a:fillRef>
+          <a:effectRef idx="0">
+            <a:schemeClr val="accent1"/>
+          </a:effectRef>
+          <a:fontRef idx="minor">
+            <a:schemeClr val="lt1"/>
+          </a:fontRef>
+        </p:style>
+        <p:txBody>
+          <a:bodyPr rtlCol="0" anchor="ctr"/>
+          <a:lstStyle/>
+          <a:p>
+            <a:pPr algn="ctr"/>
+            <a:r>
+              <a:rPr lang="ko-KR" altLang="en-US" sz="1400" smtClean="0"/>
+              <a:t>삭제하기</a:t>
+            </a:r>
+            <a:endParaRPr lang="ko-KR" altLang="en-US" sz="1400"/>
+          </a:p>
+        </p:txBody>
+      </p:sp>
+      <p:sp>
+        <p:nvSpPr>
+          <p:cNvPr id="20" name="직사각형 19"/>
+          <p:cNvSpPr/>
+          <p:nvPr/>
+        </p:nvSpPr>
+        <p:spPr>
+          <a:xfrm>
+            <a:off x="4692324" y="6032461"/>
+            <a:ext cx="1228221" cy="430887"/>
+          </a:xfrm>
+          <a:prstGeom prst="rect">
+            <a:avLst/>
+          </a:prstGeom>
+        </p:spPr>
+        <p:txBody>
+          <a:bodyPr wrap="none">
             <a:spAutoFit/>
           </a:bodyPr>
           <a:lstStyle/>
           <a:p>
-            <a:pPr algn="r"/>
-            <a:r>
-              <a:rPr lang="ko-KR" altLang="en-US">
-                <a:latin typeface="+mn-ea"/>
-              </a:rPr>
-              <a:t>학습날짜 </a:t>
-            </a:r>
-            <a:r>
-              <a:rPr lang="en-US" altLang="ko-KR">
-                <a:latin typeface="+mn-ea"/>
-              </a:rPr>
-              <a:t>| 2022.12.12</a:t>
-            </a:r>
-          </a:p>
-        </p:txBody>
-      </p:sp>
-      <p:sp>
-        <p:nvSpPr>
-          <p:cNvPr id="45" name="직사각형 44"/>
-          <p:cNvSpPr/>
-          <p:nvPr/>
-        </p:nvSpPr>
-        <p:spPr>
-          <a:xfrm>
-            <a:off x="2062676" y="1682987"/>
-            <a:ext cx="2854764" cy="369332"/>
-          </a:xfrm>
-          <a:prstGeom prst="rect">
-            <a:avLst/>
-          </a:prstGeom>
-        </p:spPr>
-        <p:txBody>
-          <a:bodyPr wrap="square">
-            <a:spAutoFit/>
-          </a:bodyPr>
-          <a:lstStyle/>
-          <a:p>
-            <a:r>
-              <a:rPr lang="ko-KR" altLang="en-US" smtClean="0">
-                <a:latin typeface="+mn-ea"/>
-              </a:rPr>
-              <a:t>종합점수 </a:t>
-            </a:r>
-            <a:r>
-              <a:rPr lang="en-US" altLang="ko-KR" smtClean="0">
-                <a:latin typeface="+mn-ea"/>
-              </a:rPr>
-              <a:t>| 70</a:t>
-            </a:r>
-            <a:r>
-              <a:rPr lang="ko-KR" altLang="en-US" smtClean="0">
-                <a:latin typeface="+mn-ea"/>
-              </a:rPr>
-              <a:t>점</a:t>
-            </a:r>
-            <a:endParaRPr lang="en-US" altLang="ko-KR">
-              <a:latin typeface="+mn-ea"/>
+            <a:pPr>
+              <a:lnSpc>
+                <a:spcPct val="150000"/>
+              </a:lnSpc>
+            </a:pPr>
+            <a:r>
+              <a:rPr lang="ko-KR" altLang="en-US" sz="1600">
+                <a:latin typeface="+mj-ea"/>
+              </a:rPr>
+              <a:t>프로필 삭제</a:t>
+            </a:r>
+            <a:endParaRPr lang="en-US" altLang="ko-KR" sz="1600">
+              <a:latin typeface="+mj-ea"/>
             </a:endParaRPr>
           </a:p>
         </p:txBody>
       </p:sp>
+      <p:cxnSp>
+        <p:nvCxnSpPr>
+          <p:cNvPr id="22" name="직선 연결선 21"/>
+          <p:cNvCxnSpPr/>
+          <p:nvPr/>
+        </p:nvCxnSpPr>
+        <p:spPr>
+          <a:xfrm>
+            <a:off x="359629" y="5857325"/>
+            <a:ext cx="11486931" cy="25315"/>
+          </a:xfrm>
+          <a:prstGeom prst="line">
+            <a:avLst/>
+          </a:prstGeom>
+        </p:spPr>
+        <p:style>
+          <a:lnRef idx="1">
+            <a:schemeClr val="accent1"/>
+          </a:lnRef>
+          <a:fillRef idx="0">
+            <a:schemeClr val="accent1"/>
+          </a:fillRef>
+          <a:effectRef idx="0">
+            <a:schemeClr val="accent1"/>
+          </a:effectRef>
+          <a:fontRef idx="minor">
+            <a:schemeClr val="tx1"/>
+          </a:fontRef>
+        </p:style>
+      </p:cxnSp>
     </p:spTree>
     <p:extLst>
       <p:ext uri="{BB962C8B-B14F-4D97-AF65-F5344CB8AC3E}">
-        <p14:creationId xmlns:p14="http://schemas.microsoft.com/office/powerpoint/2010/main" val="2484256157"/>
+        <p14:creationId xmlns:p14="http://schemas.microsoft.com/office/powerpoint/2010/main" val="985792216"/>
       </p:ext>
     </p:extLst>
   </p:cSld>
@@ -5901,33 +5581,44 @@
           <a:lstStyle/>
           <a:p>
             <a:r>
+              <a:rPr lang="ko-KR" altLang="en-US">
+                <a:latin typeface="+mj-ea"/>
+                <a:ea typeface="+mj-ea"/>
+              </a:rPr>
+              <a:t>마이페이지 </a:t>
+            </a:r>
+            <a:r>
+              <a:rPr lang="en-US" altLang="ko-KR">
+                <a:latin typeface="+mj-ea"/>
+                <a:ea typeface="+mj-ea"/>
+              </a:rPr>
+              <a:t>MyPage </a:t>
+            </a:r>
+            <a:r>
+              <a:rPr lang="en-US" altLang="ko-KR" smtClean="0">
+                <a:latin typeface="+mj-ea"/>
+                <a:ea typeface="+mj-ea"/>
+              </a:rPr>
+              <a:t>&gt; </a:t>
+            </a:r>
+            <a:r>
               <a:rPr lang="ko-KR" altLang="en-US" smtClean="0">
                 <a:latin typeface="+mj-ea"/>
                 <a:ea typeface="+mj-ea"/>
               </a:rPr>
-              <a:t>프로필 </a:t>
+              <a:t>나의 학습기록 </a:t>
             </a:r>
             <a:r>
               <a:rPr lang="en-US" altLang="ko-KR" smtClean="0">
                 <a:latin typeface="+mj-ea"/>
                 <a:ea typeface="+mj-ea"/>
               </a:rPr>
-              <a:t>Profile</a:t>
-            </a:r>
-            <a:r>
-              <a:rPr lang="ko-KR" altLang="en-US" smtClean="0">
-                <a:latin typeface="+mj-ea"/>
-                <a:ea typeface="+mj-ea"/>
-              </a:rPr>
-              <a:t> </a:t>
-            </a:r>
-            <a:r>
-              <a:rPr lang="en-US" altLang="ko-KR" smtClean="0">
-                <a:latin typeface="+mj-ea"/>
-                <a:ea typeface="+mj-ea"/>
-              </a:rPr>
-              <a:t>&gt;</a:t>
-            </a:r>
+              <a:t>MyHistory &gt;</a:t>
+            </a:r>
+            <a:endParaRPr lang="ko-KR" altLang="en-US">
+              <a:latin typeface="+mj-ea"/>
+              <a:ea typeface="+mj-ea"/>
+            </a:endParaRPr>
           </a:p>
         </p:txBody>
       </p:sp>
@@ -5939,8 +5630,8 @@
         </p:nvSpPr>
         <p:spPr>
           <a:xfrm>
-            <a:off x="1483360" y="958261"/>
-            <a:ext cx="9438640" cy="938719"/>
+            <a:off x="1483360" y="961351"/>
+            <a:ext cx="9438640" cy="669414"/>
           </a:xfrm>
           <a:prstGeom prst="rect">
             <a:avLst/>
@@ -5959,20 +5650,62 @@
               </a:lnSpc>
             </a:pPr>
             <a:r>
-              <a:rPr lang="ko-KR" altLang="en-US" sz="4000" smtClean="0">
+              <a:rPr lang="ko-KR" altLang="en-US" sz="2500" smtClean="0">
                 <a:latin typeface="+mj-ea"/>
                 <a:ea typeface="+mj-ea"/>
               </a:rPr>
-              <a:t>프로필 </a:t>
-            </a:r>
-            <a:r>
-              <a:rPr lang="en-US" altLang="ko-KR" sz="4000" smtClean="0">
+              <a:t>학습날짜</a:t>
+            </a:r>
+            <a:r>
+              <a:rPr lang="en-US" altLang="ko-KR" sz="2500" smtClean="0">
                 <a:latin typeface="+mj-ea"/>
                 <a:ea typeface="+mj-ea"/>
               </a:rPr>
-              <a:t>Profile</a:t>
-            </a:r>
-            <a:endParaRPr lang="en-US" altLang="ko-KR" sz="2800" smtClean="0">
+              <a:t>			  </a:t>
+            </a:r>
+            <a:r>
+              <a:rPr lang="ko-KR" altLang="en-US" sz="2500" smtClean="0">
+                <a:latin typeface="+mj-ea"/>
+                <a:ea typeface="+mj-ea"/>
+              </a:rPr>
+              <a:t>학습동화</a:t>
+            </a:r>
+            <a:r>
+              <a:rPr lang="en-US" altLang="ko-KR" sz="2500">
+                <a:latin typeface="+mj-ea"/>
+                <a:ea typeface="+mj-ea"/>
+              </a:rPr>
+              <a:t>	</a:t>
+            </a:r>
+            <a:r>
+              <a:rPr lang="en-US" altLang="ko-KR" sz="2500" smtClean="0">
+                <a:latin typeface="+mj-ea"/>
+                <a:ea typeface="+mj-ea"/>
+              </a:rPr>
+              <a:t>		</a:t>
+            </a:r>
+            <a:r>
+              <a:rPr lang="ko-KR" altLang="en-US" sz="2500" smtClean="0">
+                <a:latin typeface="+mj-ea"/>
+                <a:ea typeface="+mj-ea"/>
+              </a:rPr>
+              <a:t>점수</a:t>
+            </a:r>
+            <a:r>
+              <a:rPr lang="en-US" altLang="ko-KR" sz="2500" smtClean="0">
+                <a:latin typeface="+mj-ea"/>
+                <a:ea typeface="+mj-ea"/>
+              </a:rPr>
+              <a:t>			</a:t>
+            </a:r>
+            <a:r>
+              <a:rPr lang="ko-KR" altLang="en-US" sz="2500" smtClean="0">
+                <a:latin typeface="+mj-ea"/>
+                <a:ea typeface="+mj-ea"/>
+              </a:rPr>
+              <a:t>자세히보기</a:t>
+            </a:r>
+            <a:endParaRPr lang="en-US" altLang="ko-KR" sz="2500" smtClean="0">
               <a:latin typeface="+mj-ea"/>
               <a:ea typeface="+mj-ea"/>
             </a:endParaRPr>
@@ -5981,14 +5714,14 @@
       </p:sp>
       <p:cxnSp>
         <p:nvCxnSpPr>
-          <p:cNvPr id="22" name="직선 연결선 21"/>
+          <p:cNvPr id="6" name="직선 연결선 5"/>
           <p:cNvCxnSpPr/>
           <p:nvPr/>
         </p:nvCxnSpPr>
         <p:spPr>
           <a:xfrm>
-            <a:off x="359629" y="5857325"/>
-            <a:ext cx="11486931" cy="25315"/>
+            <a:off x="1356428" y="1630765"/>
+            <a:ext cx="9493332" cy="25315"/>
           </a:xfrm>
           <a:prstGeom prst="line">
             <a:avLst/>
@@ -6011,14 +5744,422 @@
       </p:cxnSp>
       <p:sp>
         <p:nvSpPr>
-          <p:cNvPr id="23" name="직사각형 22"/>
+          <p:cNvPr id="7" name="직사각형 6"/>
           <p:cNvSpPr/>
           <p:nvPr/>
         </p:nvSpPr>
         <p:spPr>
           <a:xfrm>
-            <a:off x="5279615" y="6032462"/>
-            <a:ext cx="1625601" cy="430887"/>
+            <a:off x="1686560" y="1717742"/>
+            <a:ext cx="1292341" cy="4031873"/>
+          </a:xfrm>
+          <a:prstGeom prst="rect">
+            <a:avLst/>
+          </a:prstGeom>
+        </p:spPr>
+        <p:txBody>
+          <a:bodyPr wrap="none">
+            <a:spAutoFit/>
+          </a:bodyPr>
+          <a:lstStyle/>
+          <a:p>
+            <a:pPr algn="ctr">
+              <a:lnSpc>
+                <a:spcPct val="200000"/>
+              </a:lnSpc>
+            </a:pPr>
+            <a:r>
+              <a:rPr lang="en-US" altLang="ko-KR" sz="1600" smtClean="0">
+                <a:latin typeface="+mn-ea"/>
+              </a:rPr>
+              <a:t>2022.12.12</a:t>
+            </a:r>
+          </a:p>
+          <a:p>
+            <a:pPr algn="ctr">
+              <a:lnSpc>
+                <a:spcPct val="200000"/>
+              </a:lnSpc>
+            </a:pPr>
+            <a:r>
+              <a:rPr lang="en-US" altLang="ko-KR" sz="1600">
+                <a:latin typeface="+mn-ea"/>
+              </a:rPr>
+              <a:t>2022.12.12</a:t>
+            </a:r>
+          </a:p>
+          <a:p>
+            <a:pPr algn="ctr">
+              <a:lnSpc>
+                <a:spcPct val="200000"/>
+              </a:lnSpc>
+            </a:pPr>
+            <a:r>
+              <a:rPr lang="en-US" altLang="ko-KR" sz="1600">
+                <a:latin typeface="+mn-ea"/>
+              </a:rPr>
+              <a:t>2022.12.12</a:t>
+            </a:r>
+          </a:p>
+          <a:p>
+            <a:pPr algn="ctr">
+              <a:lnSpc>
+                <a:spcPct val="200000"/>
+              </a:lnSpc>
+            </a:pPr>
+            <a:r>
+              <a:rPr lang="en-US" altLang="ko-KR" sz="1600">
+                <a:latin typeface="+mn-ea"/>
+              </a:rPr>
+              <a:t>2022.12.12</a:t>
+            </a:r>
+          </a:p>
+          <a:p>
+            <a:pPr algn="ctr">
+              <a:lnSpc>
+                <a:spcPct val="200000"/>
+              </a:lnSpc>
+            </a:pPr>
+            <a:r>
+              <a:rPr lang="en-US" altLang="ko-KR" sz="1600">
+                <a:latin typeface="+mn-ea"/>
+              </a:rPr>
+              <a:t>2022.12.12</a:t>
+            </a:r>
+          </a:p>
+          <a:p>
+            <a:pPr algn="ctr">
+              <a:lnSpc>
+                <a:spcPct val="200000"/>
+              </a:lnSpc>
+            </a:pPr>
+            <a:r>
+              <a:rPr lang="en-US" altLang="ko-KR" sz="1600">
+                <a:latin typeface="+mn-ea"/>
+              </a:rPr>
+              <a:t>2022.12.12</a:t>
+            </a:r>
+          </a:p>
+          <a:p>
+            <a:pPr algn="ctr">
+              <a:lnSpc>
+                <a:spcPct val="200000"/>
+              </a:lnSpc>
+            </a:pPr>
+            <a:r>
+              <a:rPr lang="en-US" altLang="ko-KR" sz="1600">
+                <a:latin typeface="+mn-ea"/>
+              </a:rPr>
+              <a:t>2022.12.12</a:t>
+            </a:r>
+          </a:p>
+          <a:p>
+            <a:pPr algn="ctr">
+              <a:lnSpc>
+                <a:spcPct val="200000"/>
+              </a:lnSpc>
+            </a:pPr>
+            <a:r>
+              <a:rPr lang="en-US" altLang="ko-KR" sz="1600" smtClean="0">
+                <a:latin typeface="+mn-ea"/>
+              </a:rPr>
+              <a:t>2022.12.12</a:t>
+            </a:r>
+            <a:endParaRPr lang="en-US" altLang="ko-KR" sz="1600">
+              <a:latin typeface="+mn-ea"/>
+            </a:endParaRPr>
+          </a:p>
+        </p:txBody>
+      </p:sp>
+      <p:sp>
+        <p:nvSpPr>
+          <p:cNvPr id="8" name="직사각형 7"/>
+          <p:cNvSpPr/>
+          <p:nvPr/>
+        </p:nvSpPr>
+        <p:spPr>
+          <a:xfrm>
+            <a:off x="4090351" y="1717742"/>
+            <a:ext cx="1425390" cy="4031873"/>
+          </a:xfrm>
+          <a:prstGeom prst="rect">
+            <a:avLst/>
+          </a:prstGeom>
+        </p:spPr>
+        <p:txBody>
+          <a:bodyPr wrap="none">
+            <a:spAutoFit/>
+          </a:bodyPr>
+          <a:lstStyle/>
+          <a:p>
+            <a:pPr algn="ctr">
+              <a:lnSpc>
+                <a:spcPct val="200000"/>
+              </a:lnSpc>
+            </a:pPr>
+            <a:r>
+              <a:rPr lang="ko-KR" altLang="en-US" sz="1600" smtClean="0">
+                <a:latin typeface="+mn-ea"/>
+              </a:rPr>
+              <a:t>해님 달님</a:t>
+            </a:r>
+            <a:endParaRPr lang="en-US" altLang="ko-KR" sz="1600" smtClean="0">
+              <a:latin typeface="+mn-ea"/>
+            </a:endParaRPr>
+          </a:p>
+          <a:p>
+            <a:pPr algn="ctr">
+              <a:lnSpc>
+                <a:spcPct val="200000"/>
+              </a:lnSpc>
+            </a:pPr>
+            <a:r>
+              <a:rPr lang="ko-KR" altLang="en-US" sz="1600" smtClean="0">
+                <a:latin typeface="+mn-ea"/>
+              </a:rPr>
+              <a:t>여우와 신포도</a:t>
+            </a:r>
+            <a:endParaRPr lang="en-US" altLang="ko-KR" sz="1600" smtClean="0">
+              <a:latin typeface="+mn-ea"/>
+            </a:endParaRPr>
+          </a:p>
+          <a:p>
+            <a:pPr algn="ctr">
+              <a:lnSpc>
+                <a:spcPct val="200000"/>
+              </a:lnSpc>
+            </a:pPr>
+            <a:r>
+              <a:rPr lang="ko-KR" altLang="en-US" sz="1600" smtClean="0">
+                <a:latin typeface="+mn-ea"/>
+              </a:rPr>
+              <a:t>해님 달님</a:t>
+            </a:r>
+            <a:endParaRPr lang="en-US" altLang="ko-KR" sz="1600" smtClean="0">
+              <a:latin typeface="+mn-ea"/>
+            </a:endParaRPr>
+          </a:p>
+          <a:p>
+            <a:pPr algn="ctr">
+              <a:lnSpc>
+                <a:spcPct val="200000"/>
+              </a:lnSpc>
+            </a:pPr>
+            <a:r>
+              <a:rPr lang="ko-KR" altLang="en-US" sz="1600" smtClean="0">
+                <a:latin typeface="+mn-ea"/>
+              </a:rPr>
+              <a:t>여우와 신포도</a:t>
+            </a:r>
+            <a:endParaRPr lang="en-US" altLang="ko-KR" sz="1600" smtClean="0">
+              <a:latin typeface="+mn-ea"/>
+            </a:endParaRPr>
+          </a:p>
+          <a:p>
+            <a:pPr algn="ctr">
+              <a:lnSpc>
+                <a:spcPct val="200000"/>
+              </a:lnSpc>
+            </a:pPr>
+            <a:r>
+              <a:rPr lang="ko-KR" altLang="en-US" sz="1600" smtClean="0">
+                <a:latin typeface="+mn-ea"/>
+              </a:rPr>
+              <a:t>해님 달님</a:t>
+            </a:r>
+            <a:endParaRPr lang="en-US" altLang="ko-KR" sz="1600" smtClean="0">
+              <a:latin typeface="+mn-ea"/>
+            </a:endParaRPr>
+          </a:p>
+          <a:p>
+            <a:pPr algn="ctr">
+              <a:lnSpc>
+                <a:spcPct val="200000"/>
+              </a:lnSpc>
+            </a:pPr>
+            <a:r>
+              <a:rPr lang="ko-KR" altLang="en-US" sz="1600" smtClean="0">
+                <a:latin typeface="+mn-ea"/>
+              </a:rPr>
+              <a:t>여우와 신포도</a:t>
+            </a:r>
+            <a:endParaRPr lang="en-US" altLang="ko-KR" sz="1600" smtClean="0">
+              <a:latin typeface="+mn-ea"/>
+            </a:endParaRPr>
+          </a:p>
+          <a:p>
+            <a:pPr algn="ctr">
+              <a:lnSpc>
+                <a:spcPct val="200000"/>
+              </a:lnSpc>
+            </a:pPr>
+            <a:r>
+              <a:rPr lang="ko-KR" altLang="en-US" sz="1600" smtClean="0">
+                <a:latin typeface="+mn-ea"/>
+              </a:rPr>
+              <a:t>해님 달님</a:t>
+            </a:r>
+            <a:endParaRPr lang="en-US" altLang="ko-KR" sz="1600" smtClean="0">
+              <a:latin typeface="+mn-ea"/>
+            </a:endParaRPr>
+          </a:p>
+          <a:p>
+            <a:pPr algn="ctr">
+              <a:lnSpc>
+                <a:spcPct val="200000"/>
+              </a:lnSpc>
+            </a:pPr>
+            <a:r>
+              <a:rPr lang="ko-KR" altLang="en-US" sz="1600" smtClean="0">
+                <a:latin typeface="+mn-ea"/>
+              </a:rPr>
+              <a:t>여우와 신포도</a:t>
+            </a:r>
+            <a:endParaRPr lang="en-US" altLang="ko-KR" sz="1600">
+              <a:latin typeface="+mn-ea"/>
+            </a:endParaRPr>
+          </a:p>
+        </p:txBody>
+      </p:sp>
+      <p:sp>
+        <p:nvSpPr>
+          <p:cNvPr id="9" name="직사각형 8"/>
+          <p:cNvSpPr/>
+          <p:nvPr/>
+        </p:nvSpPr>
+        <p:spPr>
+          <a:xfrm>
+            <a:off x="7018209" y="1717741"/>
+            <a:ext cx="466794" cy="4031873"/>
+          </a:xfrm>
+          <a:prstGeom prst="rect">
+            <a:avLst/>
+          </a:prstGeom>
+        </p:spPr>
+        <p:txBody>
+          <a:bodyPr wrap="none">
+            <a:spAutoFit/>
+          </a:bodyPr>
+          <a:lstStyle/>
+          <a:p>
+            <a:pPr algn="ctr">
+              <a:lnSpc>
+                <a:spcPct val="200000"/>
+              </a:lnSpc>
+            </a:pPr>
+            <a:r>
+              <a:rPr lang="en-US" altLang="ko-KR" sz="1600" smtClean="0">
+                <a:latin typeface="+mn-ea"/>
+              </a:rPr>
+              <a:t>70</a:t>
+            </a:r>
+          </a:p>
+          <a:p>
+            <a:pPr algn="ctr">
+              <a:lnSpc>
+                <a:spcPct val="200000"/>
+              </a:lnSpc>
+            </a:pPr>
+            <a:r>
+              <a:rPr lang="en-US" altLang="ko-KR" sz="1600" smtClean="0">
+                <a:latin typeface="+mn-ea"/>
+              </a:rPr>
+              <a:t>30</a:t>
+            </a:r>
+          </a:p>
+          <a:p>
+            <a:pPr algn="ctr">
+              <a:lnSpc>
+                <a:spcPct val="200000"/>
+              </a:lnSpc>
+            </a:pPr>
+            <a:r>
+              <a:rPr lang="en-US" altLang="ko-KR" sz="1600" smtClean="0">
+                <a:latin typeface="+mn-ea"/>
+              </a:rPr>
+              <a:t>60</a:t>
+            </a:r>
+          </a:p>
+          <a:p>
+            <a:pPr algn="ctr">
+              <a:lnSpc>
+                <a:spcPct val="200000"/>
+              </a:lnSpc>
+            </a:pPr>
+            <a:r>
+              <a:rPr lang="en-US" altLang="ko-KR" sz="1600" smtClean="0">
+                <a:latin typeface="+mn-ea"/>
+              </a:rPr>
+              <a:t>50</a:t>
+            </a:r>
+          </a:p>
+          <a:p>
+            <a:pPr algn="ctr">
+              <a:lnSpc>
+                <a:spcPct val="200000"/>
+              </a:lnSpc>
+            </a:pPr>
+            <a:r>
+              <a:rPr lang="en-US" altLang="ko-KR" sz="1600" smtClean="0">
+                <a:latin typeface="+mn-ea"/>
+              </a:rPr>
+              <a:t>90</a:t>
+            </a:r>
+          </a:p>
+          <a:p>
+            <a:pPr algn="ctr">
+              <a:lnSpc>
+                <a:spcPct val="200000"/>
+              </a:lnSpc>
+            </a:pPr>
+            <a:r>
+              <a:rPr lang="en-US" altLang="ko-KR" sz="1600" smtClean="0">
+                <a:latin typeface="+mn-ea"/>
+              </a:rPr>
+              <a:t>30</a:t>
+            </a:r>
+          </a:p>
+          <a:p>
+            <a:pPr algn="ctr">
+              <a:lnSpc>
+                <a:spcPct val="200000"/>
+              </a:lnSpc>
+            </a:pPr>
+            <a:r>
+              <a:rPr lang="en-US" altLang="ko-KR" sz="1600" smtClean="0">
+                <a:latin typeface="+mn-ea"/>
+              </a:rPr>
+              <a:t>40</a:t>
+            </a:r>
+          </a:p>
+          <a:p>
+            <a:pPr algn="ctr">
+              <a:lnSpc>
+                <a:spcPct val="200000"/>
+              </a:lnSpc>
+            </a:pPr>
+            <a:r>
+              <a:rPr lang="en-US" altLang="ko-KR" sz="1600" smtClean="0">
+                <a:latin typeface="+mn-ea"/>
+              </a:rPr>
+              <a:t>20</a:t>
+            </a:r>
+            <a:endParaRPr lang="en-US" altLang="ko-KR" sz="1600">
+              <a:latin typeface="+mn-ea"/>
+            </a:endParaRPr>
+          </a:p>
+        </p:txBody>
+      </p:sp>
+      <p:sp>
+        <p:nvSpPr>
+          <p:cNvPr id="10" name="직사각형 9"/>
+          <p:cNvSpPr/>
+          <p:nvPr/>
+        </p:nvSpPr>
+        <p:spPr>
+          <a:xfrm>
+            <a:off x="8778239" y="1846543"/>
+            <a:ext cx="1625601" cy="348018"/>
           </a:xfrm>
           <a:prstGeom prst="rect">
             <a:avLst/>
@@ -6047,7 +6188,7 @@
             <a:pPr algn="ctr"/>
             <a:r>
               <a:rPr lang="ko-KR" altLang="en-US" sz="1400" smtClean="0"/>
-              <a:t>뒤로가기</a:t>
+              <a:t>자세히</a:t>
             </a:r>
             <a:endParaRPr lang="ko-KR" altLang="en-US" sz="1400"/>
           </a:p>
@@ -6055,14 +6196,14 @@
       </p:sp>
       <p:sp>
         <p:nvSpPr>
-          <p:cNvPr id="27" name="직사각형 26"/>
+          <p:cNvPr id="13" name="직사각형 12"/>
           <p:cNvSpPr/>
           <p:nvPr/>
         </p:nvSpPr>
         <p:spPr>
           <a:xfrm>
-            <a:off x="2413802" y="2411058"/>
-            <a:ext cx="1625601" cy="1464011"/>
+            <a:off x="8768079" y="2354543"/>
+            <a:ext cx="1625601" cy="348018"/>
           </a:xfrm>
           <a:prstGeom prst="rect">
             <a:avLst/>
@@ -6090,27 +6231,23 @@
           <a:p>
             <a:pPr algn="ctr"/>
             <a:r>
-              <a:rPr lang="ko-KR" altLang="en-US" sz="2000" smtClean="0"/>
-              <a:t>프로필 </a:t>
-            </a:r>
-            <a:r>
-              <a:rPr lang="en-US" altLang="ko-KR" sz="2000" smtClean="0"/>
-              <a:t>1</a:t>
-            </a:r>
-            <a:endParaRPr lang="ko-KR" altLang="en-US" sz="2000"/>
-          </a:p>
-        </p:txBody>
-      </p:sp>
-      <p:sp>
-        <p:nvSpPr>
-          <p:cNvPr id="28" name="직사각형 27"/>
+              <a:rPr lang="ko-KR" altLang="en-US" sz="1400" smtClean="0"/>
+              <a:t>자세히</a:t>
+            </a:r>
+            <a:endParaRPr lang="ko-KR" altLang="en-US" sz="1400"/>
+          </a:p>
+        </p:txBody>
+      </p:sp>
+      <p:sp>
+        <p:nvSpPr>
+          <p:cNvPr id="14" name="직사각형 13"/>
           <p:cNvSpPr/>
           <p:nvPr/>
         </p:nvSpPr>
         <p:spPr>
           <a:xfrm>
-            <a:off x="4498364" y="2411057"/>
-            <a:ext cx="1625601" cy="1464011"/>
+            <a:off x="8768079" y="2862543"/>
+            <a:ext cx="1625601" cy="348018"/>
           </a:xfrm>
           <a:prstGeom prst="rect">
             <a:avLst/>
@@ -6138,27 +6275,23 @@
           <a:p>
             <a:pPr algn="ctr"/>
             <a:r>
-              <a:rPr lang="ko-KR" altLang="en-US" sz="2000" smtClean="0"/>
-              <a:t>프로필 </a:t>
-            </a:r>
-            <a:r>
-              <a:rPr lang="en-US" altLang="ko-KR" sz="2000" smtClean="0"/>
-              <a:t>2</a:t>
-            </a:r>
-            <a:endParaRPr lang="ko-KR" altLang="en-US" sz="2000"/>
-          </a:p>
-        </p:txBody>
-      </p:sp>
-      <p:sp>
-        <p:nvSpPr>
-          <p:cNvPr id="29" name="직사각형 28"/>
+              <a:rPr lang="ko-KR" altLang="en-US" sz="1400" smtClean="0"/>
+              <a:t>자세히</a:t>
+            </a:r>
+            <a:endParaRPr lang="ko-KR" altLang="en-US" sz="1400"/>
+          </a:p>
+        </p:txBody>
+      </p:sp>
+      <p:sp>
+        <p:nvSpPr>
+          <p:cNvPr id="15" name="직사각형 14"/>
           <p:cNvSpPr/>
           <p:nvPr/>
         </p:nvSpPr>
         <p:spPr>
           <a:xfrm>
-            <a:off x="6582926" y="2411056"/>
-            <a:ext cx="1625601" cy="1464011"/>
+            <a:off x="8778239" y="3370543"/>
+            <a:ext cx="1625601" cy="348018"/>
           </a:xfrm>
           <a:prstGeom prst="rect">
             <a:avLst/>
@@ -6186,27 +6319,23 @@
           <a:p>
             <a:pPr algn="ctr"/>
             <a:r>
-              <a:rPr lang="ko-KR" altLang="en-US" sz="2000" smtClean="0"/>
-              <a:t>프로필 </a:t>
-            </a:r>
-            <a:r>
-              <a:rPr lang="en-US" altLang="ko-KR" sz="2000" smtClean="0"/>
-              <a:t>3</a:t>
-            </a:r>
-            <a:endParaRPr lang="ko-KR" altLang="en-US" sz="2000"/>
-          </a:p>
-        </p:txBody>
-      </p:sp>
-      <p:sp>
-        <p:nvSpPr>
-          <p:cNvPr id="30" name="직사각형 29"/>
+              <a:rPr lang="ko-KR" altLang="en-US" sz="1400" smtClean="0"/>
+              <a:t>자세히</a:t>
+            </a:r>
+            <a:endParaRPr lang="ko-KR" altLang="en-US" sz="1400"/>
+          </a:p>
+        </p:txBody>
+      </p:sp>
+      <p:sp>
+        <p:nvSpPr>
+          <p:cNvPr id="16" name="직사각형 15"/>
           <p:cNvSpPr/>
           <p:nvPr/>
         </p:nvSpPr>
         <p:spPr>
           <a:xfrm>
-            <a:off x="8667488" y="2411055"/>
-            <a:ext cx="1625601" cy="1464011"/>
+            <a:off x="8768079" y="3878543"/>
+            <a:ext cx="1625601" cy="348018"/>
           </a:xfrm>
           <a:prstGeom prst="rect">
             <a:avLst/>
@@ -6234,71 +6363,223 @@
           <a:p>
             <a:pPr algn="ctr"/>
             <a:r>
-              <a:rPr lang="en-US" altLang="ko-KR" sz="4000" smtClean="0"/>
-              <a:t>+</a:t>
-            </a:r>
-            <a:endParaRPr lang="ko-KR" altLang="en-US" sz="4000"/>
-          </a:p>
-        </p:txBody>
-      </p:sp>
-      <p:sp>
-        <p:nvSpPr>
-          <p:cNvPr id="31" name="직사각형 30"/>
+              <a:rPr lang="ko-KR" altLang="en-US" sz="1400" smtClean="0"/>
+              <a:t>자세히</a:t>
+            </a:r>
+            <a:endParaRPr lang="ko-KR" altLang="en-US" sz="1400"/>
+          </a:p>
+        </p:txBody>
+      </p:sp>
+      <p:sp>
+        <p:nvSpPr>
+          <p:cNvPr id="17" name="직사각형 16"/>
           <p:cNvSpPr/>
           <p:nvPr/>
         </p:nvSpPr>
         <p:spPr>
           <a:xfrm>
-            <a:off x="3298069" y="4702583"/>
-            <a:ext cx="5809222" cy="1015663"/>
-          </a:xfrm>
-          <a:prstGeom prst="rect">
-            <a:avLst/>
-          </a:prstGeom>
-        </p:spPr>
-        <p:txBody>
-          <a:bodyPr wrap="square">
-            <a:spAutoFit/>
-          </a:bodyPr>
-          <a:lstStyle/>
-          <a:p>
-            <a:pPr algn="ctr">
-              <a:lnSpc>
-                <a:spcPct val="150000"/>
-              </a:lnSpc>
-            </a:pPr>
-            <a:r>
-              <a:rPr lang="ko-KR" altLang="en-US" sz="2000" smtClean="0">
-                <a:latin typeface="+mj-ea"/>
-              </a:rPr>
-              <a:t>프로필 추가하기 ▶</a:t>
-            </a:r>
-            <a:endParaRPr lang="en-US" altLang="ko-KR" sz="2000" smtClean="0">
-              <a:latin typeface="+mj-ea"/>
-            </a:endParaRPr>
-          </a:p>
-          <a:p>
-            <a:pPr algn="ctr">
-              <a:lnSpc>
-                <a:spcPct val="150000"/>
-              </a:lnSpc>
-            </a:pPr>
-            <a:r>
-              <a:rPr lang="ko-KR" altLang="en-US" sz="2000" smtClean="0">
-                <a:latin typeface="+mj-ea"/>
-              </a:rPr>
-              <a:t>프로필 관리하기 ▶</a:t>
-            </a:r>
-            <a:endParaRPr lang="en-US" altLang="ko-KR" sz="2000">
-              <a:latin typeface="+mj-ea"/>
-            </a:endParaRPr>
+            <a:off x="8768079" y="4386543"/>
+            <a:ext cx="1625601" cy="348018"/>
+          </a:xfrm>
+          <a:prstGeom prst="rect">
+            <a:avLst/>
+          </a:prstGeom>
+        </p:spPr>
+        <p:style>
+          <a:lnRef idx="2">
+            <a:schemeClr val="accent1">
+              <a:shade val="50000"/>
+            </a:schemeClr>
+          </a:lnRef>
+          <a:fillRef idx="1">
+            <a:schemeClr val="accent1"/>
+          </a:fillRef>
+          <a:effectRef idx="0">
+            <a:schemeClr val="accent1"/>
+          </a:effectRef>
+          <a:fontRef idx="minor">
+            <a:schemeClr val="lt1"/>
+          </a:fontRef>
+        </p:style>
+        <p:txBody>
+          <a:bodyPr rtlCol="0" anchor="ctr"/>
+          <a:lstStyle/>
+          <a:p>
+            <a:pPr algn="ctr"/>
+            <a:r>
+              <a:rPr lang="ko-KR" altLang="en-US" sz="1400" smtClean="0"/>
+              <a:t>자세히</a:t>
+            </a:r>
+            <a:endParaRPr lang="ko-KR" altLang="en-US" sz="1400"/>
+          </a:p>
+        </p:txBody>
+      </p:sp>
+      <p:sp>
+        <p:nvSpPr>
+          <p:cNvPr id="18" name="직사각형 17"/>
+          <p:cNvSpPr/>
+          <p:nvPr/>
+        </p:nvSpPr>
+        <p:spPr>
+          <a:xfrm>
+            <a:off x="8778239" y="4873276"/>
+            <a:ext cx="1625601" cy="348018"/>
+          </a:xfrm>
+          <a:prstGeom prst="rect">
+            <a:avLst/>
+          </a:prstGeom>
+        </p:spPr>
+        <p:style>
+          <a:lnRef idx="2">
+            <a:schemeClr val="accent1">
+              <a:shade val="50000"/>
+            </a:schemeClr>
+          </a:lnRef>
+          <a:fillRef idx="1">
+            <a:schemeClr val="accent1"/>
+          </a:fillRef>
+          <a:effectRef idx="0">
+            <a:schemeClr val="accent1"/>
+          </a:effectRef>
+          <a:fontRef idx="minor">
+            <a:schemeClr val="lt1"/>
+          </a:fontRef>
+        </p:style>
+        <p:txBody>
+          <a:bodyPr rtlCol="0" anchor="ctr"/>
+          <a:lstStyle/>
+          <a:p>
+            <a:pPr algn="ctr"/>
+            <a:r>
+              <a:rPr lang="ko-KR" altLang="en-US" sz="1400" smtClean="0"/>
+              <a:t>자세히</a:t>
+            </a:r>
+            <a:endParaRPr lang="ko-KR" altLang="en-US" sz="1400"/>
+          </a:p>
+        </p:txBody>
+      </p:sp>
+      <p:sp>
+        <p:nvSpPr>
+          <p:cNvPr id="19" name="직사각형 18"/>
+          <p:cNvSpPr/>
+          <p:nvPr/>
+        </p:nvSpPr>
+        <p:spPr>
+          <a:xfrm>
+            <a:off x="8778239" y="5381276"/>
+            <a:ext cx="1625601" cy="348018"/>
+          </a:xfrm>
+          <a:prstGeom prst="rect">
+            <a:avLst/>
+          </a:prstGeom>
+        </p:spPr>
+        <p:style>
+          <a:lnRef idx="2">
+            <a:schemeClr val="accent1">
+              <a:shade val="50000"/>
+            </a:schemeClr>
+          </a:lnRef>
+          <a:fillRef idx="1">
+            <a:schemeClr val="accent1"/>
+          </a:fillRef>
+          <a:effectRef idx="0">
+            <a:schemeClr val="accent1"/>
+          </a:effectRef>
+          <a:fontRef idx="minor">
+            <a:schemeClr val="lt1"/>
+          </a:fontRef>
+        </p:style>
+        <p:txBody>
+          <a:bodyPr rtlCol="0" anchor="ctr"/>
+          <a:lstStyle/>
+          <a:p>
+            <a:pPr algn="ctr"/>
+            <a:r>
+              <a:rPr lang="ko-KR" altLang="en-US" sz="1400" smtClean="0"/>
+              <a:t>자세히</a:t>
+            </a:r>
+            <a:endParaRPr lang="ko-KR" altLang="en-US" sz="1400"/>
+          </a:p>
+        </p:txBody>
+      </p:sp>
+      <p:cxnSp>
+        <p:nvCxnSpPr>
+          <p:cNvPr id="22" name="직선 연결선 21"/>
+          <p:cNvCxnSpPr/>
+          <p:nvPr/>
+        </p:nvCxnSpPr>
+        <p:spPr>
+          <a:xfrm>
+            <a:off x="359629" y="5857325"/>
+            <a:ext cx="11486931" cy="25315"/>
+          </a:xfrm>
+          <a:prstGeom prst="line">
+            <a:avLst/>
+          </a:prstGeom>
+        </p:spPr>
+        <p:style>
+          <a:lnRef idx="1">
+            <a:schemeClr val="accent1"/>
+          </a:lnRef>
+          <a:fillRef idx="0">
+            <a:schemeClr val="accent1"/>
+          </a:fillRef>
+          <a:effectRef idx="0">
+            <a:schemeClr val="accent1"/>
+          </a:effectRef>
+          <a:fontRef idx="minor">
+            <a:schemeClr val="tx1"/>
+          </a:fontRef>
+        </p:style>
+      </p:cxnSp>
+      <p:sp>
+        <p:nvSpPr>
+          <p:cNvPr id="23" name="직사각형 22"/>
+          <p:cNvSpPr/>
+          <p:nvPr/>
+        </p:nvSpPr>
+        <p:spPr>
+          <a:xfrm>
+            <a:off x="5279615" y="6032462"/>
+            <a:ext cx="1625601" cy="430887"/>
+          </a:xfrm>
+          <a:prstGeom prst="rect">
+            <a:avLst/>
+          </a:prstGeom>
+        </p:spPr>
+        <p:style>
+          <a:lnRef idx="2">
+            <a:schemeClr val="accent1">
+              <a:shade val="50000"/>
+            </a:schemeClr>
+          </a:lnRef>
+          <a:fillRef idx="1">
+            <a:schemeClr val="accent1"/>
+          </a:fillRef>
+          <a:effectRef idx="0">
+            <a:schemeClr val="accent1"/>
+          </a:effectRef>
+          <a:fontRef idx="minor">
+            <a:schemeClr val="lt1"/>
+          </a:fontRef>
+        </p:style>
+        <p:txBody>
+          <a:bodyPr rtlCol="0" anchor="ctr"/>
+          <a:lstStyle/>
+          <a:p>
+            <a:pPr algn="ctr"/>
+            <a:r>
+              <a:rPr lang="ko-KR" altLang="en-US" sz="1400" smtClean="0"/>
+              <a:t>뒤로가기</a:t>
+            </a:r>
+            <a:endParaRPr lang="ko-KR" altLang="en-US" sz="1400"/>
           </a:p>
         </p:txBody>
       </p:sp>
     </p:spTree>
     <p:extLst>
       <p:ext uri="{BB962C8B-B14F-4D97-AF65-F5344CB8AC3E}">
-        <p14:creationId xmlns:p14="http://schemas.microsoft.com/office/powerpoint/2010/main" val="1957893337"/>
+        <p14:creationId xmlns:p14="http://schemas.microsoft.com/office/powerpoint/2010/main" val="1828187430"/>
       </p:ext>
     </p:extLst>
   </p:cSld>
@@ -6334,14 +6615,14 @@
       </p:grpSpPr>
       <p:sp>
         <p:nvSpPr>
-          <p:cNvPr id="5" name="TextBox 4"/>
+          <p:cNvPr id="4" name="TextBox 3"/>
           <p:cNvSpPr txBox="1"/>
           <p:nvPr/>
         </p:nvSpPr>
         <p:spPr>
           <a:xfrm>
-            <a:off x="1483360" y="958261"/>
-            <a:ext cx="9438640" cy="938719"/>
+            <a:off x="361963" y="315410"/>
+            <a:ext cx="10824197" cy="369332"/>
           </a:xfrm>
           <a:prstGeom prst="rect">
             <a:avLst/>
@@ -6354,35 +6635,94 @@
           </a:bodyPr>
           <a:lstStyle/>
           <a:p>
-            <a:pPr algn="ctr">
-              <a:lnSpc>
-                <a:spcPct val="150000"/>
-              </a:lnSpc>
-            </a:pPr>
-            <a:r>
-              <a:rPr lang="ko-KR" altLang="en-US" sz="4000" smtClean="0">
+            <a:r>
+              <a:rPr lang="ko-KR" altLang="en-US">
                 <a:latin typeface="+mj-ea"/>
                 <a:ea typeface="+mj-ea"/>
               </a:rPr>
-              <a:t>프로필 관리 </a:t>
-            </a:r>
-            <a:r>
-              <a:rPr lang="en-US" altLang="ko-KR" sz="4000" smtClean="0">
+              <a:t>마이페이지 </a:t>
+            </a:r>
+            <a:r>
+              <a:rPr lang="en-US" altLang="ko-KR">
                 <a:latin typeface="+mj-ea"/>
                 <a:ea typeface="+mj-ea"/>
               </a:rPr>
-              <a:t>Management</a:t>
-            </a:r>
-            <a:endParaRPr lang="en-US" altLang="ko-KR" sz="2800" smtClean="0">
+              <a:t>MyPage &gt; </a:t>
+            </a:r>
+            <a:r>
+              <a:rPr lang="ko-KR" altLang="en-US">
+                <a:latin typeface="+mj-ea"/>
+                <a:ea typeface="+mj-ea"/>
+              </a:rPr>
+              <a:t>나의 학습기록 </a:t>
+            </a:r>
+            <a:r>
+              <a:rPr lang="en-US" altLang="ko-KR">
+                <a:latin typeface="+mj-ea"/>
+                <a:ea typeface="+mj-ea"/>
+              </a:rPr>
+              <a:t>MyHistory </a:t>
+            </a:r>
+            <a:r>
+              <a:rPr lang="en-US" altLang="ko-KR" smtClean="0">
+                <a:latin typeface="+mj-ea"/>
+                <a:ea typeface="+mj-ea"/>
+              </a:rPr>
+              <a:t>&gt; </a:t>
+            </a:r>
+            <a:r>
+              <a:rPr lang="ko-KR" altLang="en-US" smtClean="0">
+                <a:latin typeface="+mj-ea"/>
+                <a:ea typeface="+mj-ea"/>
+              </a:rPr>
+              <a:t>자세히보기 </a:t>
+            </a:r>
+            <a:r>
+              <a:rPr lang="en-US" altLang="ko-KR" smtClean="0">
+                <a:latin typeface="+mj-ea"/>
+                <a:ea typeface="+mj-ea"/>
+              </a:rPr>
+              <a:t>More</a:t>
+            </a:r>
+            <a:endParaRPr lang="en-US" altLang="ko-KR">
               <a:latin typeface="+mj-ea"/>
               <a:ea typeface="+mj-ea"/>
             </a:endParaRPr>
           </a:p>
         </p:txBody>
       </p:sp>
+      <p:pic>
+        <p:nvPicPr>
+          <p:cNvPr id="40" name="그림 39"/>
+          <p:cNvPicPr>
+            <a:picLocks noChangeAspect="1"/>
+          </p:cNvPicPr>
+          <p:nvPr/>
+        </p:nvPicPr>
+        <p:blipFill rotWithShape="1">
+          <a:blip r:embed="rId2">
+            <a:extLst>
+              <a:ext uri="{28A0092B-C50C-407E-A947-70E740481C1C}">
+                <a14:useLocalDpi xmlns:a14="http://schemas.microsoft.com/office/drawing/2010/main" val="0"/>
+              </a:ext>
+            </a:extLst>
+          </a:blip>
+          <a:srcRect t="21302"/>
+          <a:stretch/>
+        </p:blipFill>
+        <p:spPr>
+          <a:xfrm>
+            <a:off x="1934091" y="2052319"/>
+            <a:ext cx="8327509" cy="3624913"/>
+          </a:xfrm>
+          <a:prstGeom prst="rect">
+            <a:avLst/>
+          </a:prstGeom>
+        </p:spPr>
+      </p:pic>
       <p:cxnSp>
         <p:nvCxnSpPr>
-          <p:cNvPr id="22" name="직선 연결선 21"/>
+          <p:cNvPr id="41" name="직선 연결선 40"/>
           <p:cNvCxnSpPr/>
           <p:nvPr/>
         </p:nvCxnSpPr>
@@ -6412,7 +6752,7 @@
       </p:cxnSp>
       <p:sp>
         <p:nvSpPr>
-          <p:cNvPr id="23" name="직사각형 22"/>
+          <p:cNvPr id="42" name="직사각형 41"/>
           <p:cNvSpPr/>
           <p:nvPr/>
         </p:nvSpPr>
@@ -6456,202 +6796,14 @@
       </p:sp>
       <p:sp>
         <p:nvSpPr>
-          <p:cNvPr id="27" name="직사각형 26"/>
+          <p:cNvPr id="43" name="직사각형 42"/>
           <p:cNvSpPr/>
           <p:nvPr/>
         </p:nvSpPr>
         <p:spPr>
           <a:xfrm>
-            <a:off x="2413802" y="2411058"/>
-            <a:ext cx="1625601" cy="1464011"/>
-          </a:xfrm>
-          <a:prstGeom prst="rect">
-            <a:avLst/>
-          </a:prstGeom>
-        </p:spPr>
-        <p:style>
-          <a:lnRef idx="2">
-            <a:schemeClr val="accent1">
-              <a:shade val="50000"/>
-            </a:schemeClr>
-          </a:lnRef>
-          <a:fillRef idx="1">
-            <a:schemeClr val="accent1"/>
-          </a:fillRef>
-          <a:effectRef idx="0">
-            <a:schemeClr val="accent1"/>
-          </a:effectRef>
-          <a:fontRef idx="minor">
-            <a:schemeClr val="lt1"/>
-          </a:fontRef>
-        </p:style>
-        <p:txBody>
-          <a:bodyPr rtlCol="0" anchor="ctr"/>
-          <a:lstStyle/>
-          <a:p>
-            <a:pPr algn="ctr"/>
-            <a:r>
-              <a:rPr lang="ko-KR" altLang="en-US" sz="2000" smtClean="0"/>
-              <a:t>프로필 </a:t>
-            </a:r>
-            <a:r>
-              <a:rPr lang="en-US" altLang="ko-KR" sz="2000" smtClean="0"/>
-              <a:t>1</a:t>
-            </a:r>
-            <a:endParaRPr lang="ko-KR" altLang="en-US" sz="2000"/>
-          </a:p>
-        </p:txBody>
-      </p:sp>
-      <p:sp>
-        <p:nvSpPr>
-          <p:cNvPr id="28" name="직사각형 27"/>
-          <p:cNvSpPr/>
-          <p:nvPr/>
-        </p:nvSpPr>
-        <p:spPr>
-          <a:xfrm>
-            <a:off x="4498364" y="2411057"/>
-            <a:ext cx="1625601" cy="1464011"/>
-          </a:xfrm>
-          <a:prstGeom prst="rect">
-            <a:avLst/>
-          </a:prstGeom>
-        </p:spPr>
-        <p:style>
-          <a:lnRef idx="2">
-            <a:schemeClr val="accent1">
-              <a:shade val="50000"/>
-            </a:schemeClr>
-          </a:lnRef>
-          <a:fillRef idx="1">
-            <a:schemeClr val="accent1"/>
-          </a:fillRef>
-          <a:effectRef idx="0">
-            <a:schemeClr val="accent1"/>
-          </a:effectRef>
-          <a:fontRef idx="minor">
-            <a:schemeClr val="lt1"/>
-          </a:fontRef>
-        </p:style>
-        <p:txBody>
-          <a:bodyPr rtlCol="0" anchor="ctr"/>
-          <a:lstStyle/>
-          <a:p>
-            <a:pPr algn="ctr"/>
-            <a:r>
-              <a:rPr lang="ko-KR" altLang="en-US" sz="2000" smtClean="0"/>
-              <a:t>프로필 </a:t>
-            </a:r>
-            <a:r>
-              <a:rPr lang="en-US" altLang="ko-KR" sz="2000" smtClean="0"/>
-              <a:t>2</a:t>
-            </a:r>
-            <a:endParaRPr lang="ko-KR" altLang="en-US" sz="2000"/>
-          </a:p>
-        </p:txBody>
-      </p:sp>
-      <p:sp>
-        <p:nvSpPr>
-          <p:cNvPr id="29" name="직사각형 28"/>
-          <p:cNvSpPr/>
-          <p:nvPr/>
-        </p:nvSpPr>
-        <p:spPr>
-          <a:xfrm>
-            <a:off x="6582926" y="2411056"/>
-            <a:ext cx="1625601" cy="1464011"/>
-          </a:xfrm>
-          <a:prstGeom prst="rect">
-            <a:avLst/>
-          </a:prstGeom>
-        </p:spPr>
-        <p:style>
-          <a:lnRef idx="2">
-            <a:schemeClr val="accent1">
-              <a:shade val="50000"/>
-            </a:schemeClr>
-          </a:lnRef>
-          <a:fillRef idx="1">
-            <a:schemeClr val="accent1"/>
-          </a:fillRef>
-          <a:effectRef idx="0">
-            <a:schemeClr val="accent1"/>
-          </a:effectRef>
-          <a:fontRef idx="minor">
-            <a:schemeClr val="lt1"/>
-          </a:fontRef>
-        </p:style>
-        <p:txBody>
-          <a:bodyPr rtlCol="0" anchor="ctr"/>
-          <a:lstStyle/>
-          <a:p>
-            <a:pPr algn="ctr"/>
-            <a:r>
-              <a:rPr lang="ko-KR" altLang="en-US" sz="2000" smtClean="0"/>
-              <a:t>프로필 </a:t>
-            </a:r>
-            <a:r>
-              <a:rPr lang="en-US" altLang="ko-KR" sz="2000" smtClean="0"/>
-              <a:t>3</a:t>
-            </a:r>
-            <a:endParaRPr lang="ko-KR" altLang="en-US" sz="2000"/>
-          </a:p>
-        </p:txBody>
-      </p:sp>
-      <p:sp>
-        <p:nvSpPr>
-          <p:cNvPr id="30" name="직사각형 29"/>
-          <p:cNvSpPr/>
-          <p:nvPr/>
-        </p:nvSpPr>
-        <p:spPr>
-          <a:xfrm>
-            <a:off x="2413801" y="4014148"/>
-            <a:ext cx="1625601" cy="460482"/>
-          </a:xfrm>
-          <a:prstGeom prst="rect">
-            <a:avLst/>
-          </a:prstGeom>
-        </p:spPr>
-        <p:style>
-          <a:lnRef idx="2">
-            <a:schemeClr val="accent1">
-              <a:shade val="50000"/>
-            </a:schemeClr>
-          </a:lnRef>
-          <a:fillRef idx="1">
-            <a:schemeClr val="accent1"/>
-          </a:fillRef>
-          <a:effectRef idx="0">
-            <a:schemeClr val="accent1"/>
-          </a:effectRef>
-          <a:fontRef idx="minor">
-            <a:schemeClr val="lt1"/>
-          </a:fontRef>
-        </p:style>
-        <p:txBody>
-          <a:bodyPr rtlCol="0" anchor="ctr"/>
-          <a:lstStyle/>
-          <a:p>
-            <a:pPr algn="ctr"/>
-            <a:r>
-              <a:rPr lang="ko-KR" altLang="en-US" sz="2000" smtClean="0"/>
-              <a:t>삭제하기</a:t>
-            </a:r>
-            <a:endParaRPr lang="ko-KR" altLang="en-US" sz="2000"/>
-          </a:p>
-        </p:txBody>
-      </p:sp>
-      <p:sp>
-        <p:nvSpPr>
-          <p:cNvPr id="31" name="직사각형 30"/>
-          <p:cNvSpPr/>
-          <p:nvPr/>
-        </p:nvSpPr>
-        <p:spPr>
-          <a:xfrm>
-            <a:off x="3298069" y="4702583"/>
-            <a:ext cx="5809222" cy="1015663"/>
+            <a:off x="4128398" y="1267488"/>
+            <a:ext cx="3928033" cy="830997"/>
           </a:xfrm>
           <a:prstGeom prst="rect">
             <a:avLst/>
@@ -6663,277 +6815,107 @@
           </a:bodyPr>
           <a:lstStyle/>
           <a:p>
-            <a:pPr algn="ctr">
-              <a:lnSpc>
-                <a:spcPct val="150000"/>
-              </a:lnSpc>
-            </a:pPr>
-            <a:endParaRPr lang="en-US" altLang="ko-KR" sz="2000" smtClean="0">
+            <a:pPr algn="ctr"/>
+            <a:r>
+              <a:rPr lang="ko-KR" altLang="en-US" sz="4800" smtClean="0">
+                <a:latin typeface="+mj-ea"/>
+                <a:ea typeface="+mj-ea"/>
+              </a:rPr>
+              <a:t>해님달님</a:t>
+            </a:r>
+            <a:endParaRPr lang="ko-KR" altLang="en-US" sz="4800">
               <a:latin typeface="+mj-ea"/>
+              <a:ea typeface="+mj-ea"/>
             </a:endParaRPr>
           </a:p>
-          <a:p>
-            <a:pPr algn="ctr">
-              <a:lnSpc>
-                <a:spcPct val="150000"/>
-              </a:lnSpc>
-            </a:pPr>
-            <a:r>
-              <a:rPr lang="ko-KR" altLang="en-US" sz="2000" smtClean="0">
-                <a:latin typeface="+mj-ea"/>
-              </a:rPr>
-              <a:t>내 계정 로그아웃 ▶</a:t>
-            </a:r>
-            <a:endParaRPr lang="en-US" altLang="ko-KR" sz="2000">
-              <a:latin typeface="+mj-ea"/>
-            </a:endParaRPr>
-          </a:p>
-        </p:txBody>
-      </p:sp>
-      <p:sp>
-        <p:nvSpPr>
-          <p:cNvPr id="12" name="직사각형 11"/>
+        </p:txBody>
+      </p:sp>
+      <p:sp>
+        <p:nvSpPr>
+          <p:cNvPr id="44" name="직사각형 43"/>
           <p:cNvSpPr/>
           <p:nvPr/>
         </p:nvSpPr>
         <p:spPr>
           <a:xfrm>
-            <a:off x="4498363" y="4024890"/>
-            <a:ext cx="1625601" cy="460482"/>
-          </a:xfrm>
-          <a:prstGeom prst="rect">
-            <a:avLst/>
-          </a:prstGeom>
-        </p:spPr>
-        <p:style>
-          <a:lnRef idx="2">
-            <a:schemeClr val="accent1">
-              <a:shade val="50000"/>
-            </a:schemeClr>
-          </a:lnRef>
-          <a:fillRef idx="1">
-            <a:schemeClr val="accent1"/>
-          </a:fillRef>
-          <a:effectRef idx="0">
-            <a:schemeClr val="accent1"/>
-          </a:effectRef>
-          <a:fontRef idx="minor">
-            <a:schemeClr val="lt1"/>
-          </a:fontRef>
-        </p:style>
-        <p:txBody>
-          <a:bodyPr rtlCol="0" anchor="ctr"/>
-          <a:lstStyle/>
-          <a:p>
-            <a:pPr algn="ctr"/>
-            <a:r>
-              <a:rPr lang="ko-KR" altLang="en-US" sz="2000" smtClean="0"/>
-              <a:t>삭제하기</a:t>
-            </a:r>
-            <a:endParaRPr lang="ko-KR" altLang="en-US" sz="2000"/>
-          </a:p>
-        </p:txBody>
-      </p:sp>
-      <p:sp>
-        <p:nvSpPr>
-          <p:cNvPr id="13" name="직사각형 12"/>
-          <p:cNvSpPr/>
-          <p:nvPr/>
-        </p:nvSpPr>
-        <p:spPr>
-          <a:xfrm>
-            <a:off x="6582925" y="4014146"/>
-            <a:ext cx="1625601" cy="460482"/>
-          </a:xfrm>
-          <a:prstGeom prst="rect">
-            <a:avLst/>
-          </a:prstGeom>
-        </p:spPr>
-        <p:style>
-          <a:lnRef idx="2">
-            <a:schemeClr val="accent1">
-              <a:shade val="50000"/>
-            </a:schemeClr>
-          </a:lnRef>
-          <a:fillRef idx="1">
-            <a:schemeClr val="accent1"/>
-          </a:fillRef>
-          <a:effectRef idx="0">
-            <a:schemeClr val="accent1"/>
-          </a:effectRef>
-          <a:fontRef idx="minor">
-            <a:schemeClr val="lt1"/>
-          </a:fontRef>
-        </p:style>
-        <p:txBody>
-          <a:bodyPr rtlCol="0" anchor="ctr"/>
-          <a:lstStyle/>
-          <a:p>
-            <a:pPr algn="ctr"/>
-            <a:r>
-              <a:rPr lang="ko-KR" altLang="en-US" sz="2000" smtClean="0"/>
-              <a:t>삭제하기</a:t>
-            </a:r>
-            <a:endParaRPr lang="ko-KR" altLang="en-US" sz="2000"/>
-          </a:p>
-        </p:txBody>
-      </p:sp>
-      <p:sp>
-        <p:nvSpPr>
-          <p:cNvPr id="15" name="TextBox 14"/>
-          <p:cNvSpPr txBox="1"/>
-          <p:nvPr/>
-        </p:nvSpPr>
-        <p:spPr>
-          <a:xfrm>
-            <a:off x="361963" y="315410"/>
-            <a:ext cx="8406116" cy="369332"/>
-          </a:xfrm>
-          <a:prstGeom prst="rect">
-            <a:avLst/>
-          </a:prstGeom>
-          <a:noFill/>
-        </p:spPr>
-        <p:txBody>
-          <a:bodyPr wrap="square" rtlCol="0">
+            <a:off x="7234116" y="1682987"/>
+            <a:ext cx="2854764" cy="369332"/>
+          </a:xfrm>
+          <a:prstGeom prst="rect">
+            <a:avLst/>
+          </a:prstGeom>
+        </p:spPr>
+        <p:txBody>
+          <a:bodyPr wrap="square">
             <a:spAutoFit/>
           </a:bodyPr>
           <a:lstStyle/>
           <a:p>
+            <a:pPr algn="r"/>
             <a:r>
               <a:rPr lang="ko-KR" altLang="en-US">
-                <a:latin typeface="+mj-ea"/>
-                <a:ea typeface="+mj-ea"/>
-              </a:rPr>
-              <a:t>프로필 </a:t>
+                <a:latin typeface="+mn-ea"/>
+              </a:rPr>
+              <a:t>학습날짜 </a:t>
             </a:r>
             <a:r>
               <a:rPr lang="en-US" altLang="ko-KR">
-                <a:latin typeface="+mj-ea"/>
-                <a:ea typeface="+mj-ea"/>
-              </a:rPr>
-              <a:t>Profile </a:t>
+                <a:latin typeface="+mn-ea"/>
+              </a:rPr>
+              <a:t>| 2022.12.12</a:t>
+            </a:r>
+          </a:p>
+        </p:txBody>
+      </p:sp>
+      <p:sp>
+        <p:nvSpPr>
+          <p:cNvPr id="45" name="직사각형 44"/>
+          <p:cNvSpPr/>
+          <p:nvPr/>
+        </p:nvSpPr>
+        <p:spPr>
+          <a:xfrm>
+            <a:off x="2062676" y="1682987"/>
+            <a:ext cx="2854764" cy="369332"/>
+          </a:xfrm>
+          <a:prstGeom prst="rect">
+            <a:avLst/>
+          </a:prstGeom>
+        </p:spPr>
+        <p:txBody>
+          <a:bodyPr wrap="square">
+            <a:spAutoFit/>
+          </a:bodyPr>
+          <a:lstStyle/>
+          <a:p>
+            <a:r>
+              <a:rPr lang="ko-KR" altLang="en-US" smtClean="0">
+                <a:latin typeface="+mn-ea"/>
+              </a:rPr>
+              <a:t>종합점수 </a:t>
             </a:r>
             <a:r>
               <a:rPr lang="en-US" altLang="ko-KR" smtClean="0">
-                <a:latin typeface="+mj-ea"/>
-                <a:ea typeface="+mj-ea"/>
-              </a:rPr>
-              <a:t>&gt; </a:t>
+                <a:latin typeface="+mn-ea"/>
+              </a:rPr>
+              <a:t>| 70</a:t>
             </a:r>
             <a:r>
               <a:rPr lang="ko-KR" altLang="en-US" smtClean="0">
-                <a:latin typeface="+mj-ea"/>
-                <a:ea typeface="+mj-ea"/>
-              </a:rPr>
-              <a:t>프로필 관리 </a:t>
-            </a:r>
-            <a:r>
-              <a:rPr lang="en-US" altLang="ko-KR" smtClean="0">
-                <a:latin typeface="+mj-ea"/>
-                <a:ea typeface="+mj-ea"/>
-              </a:rPr>
-              <a:t>Management</a:t>
-            </a:r>
-          </a:p>
-        </p:txBody>
-      </p:sp>
-      <p:sp>
-        <p:nvSpPr>
-          <p:cNvPr id="16" name="직사각형 15"/>
-          <p:cNvSpPr/>
-          <p:nvPr/>
-        </p:nvSpPr>
-        <p:spPr>
-          <a:xfrm>
-            <a:off x="8667486" y="2405758"/>
-            <a:ext cx="1625601" cy="1464011"/>
-          </a:xfrm>
-          <a:prstGeom prst="rect">
-            <a:avLst/>
-          </a:prstGeom>
-        </p:spPr>
-        <p:style>
-          <a:lnRef idx="2">
-            <a:schemeClr val="accent1">
-              <a:shade val="50000"/>
-            </a:schemeClr>
-          </a:lnRef>
-          <a:fillRef idx="1">
-            <a:schemeClr val="accent1"/>
-          </a:fillRef>
-          <a:effectRef idx="0">
-            <a:schemeClr val="accent1"/>
-          </a:effectRef>
-          <a:fontRef idx="minor">
-            <a:schemeClr val="lt1"/>
-          </a:fontRef>
-        </p:style>
-        <p:txBody>
-          <a:bodyPr rtlCol="0" anchor="ctr"/>
-          <a:lstStyle/>
-          <a:p>
-            <a:pPr algn="ctr"/>
-            <a:r>
-              <a:rPr lang="ko-KR" altLang="en-US" sz="2000" smtClean="0"/>
-              <a:t>프로필 </a:t>
-            </a:r>
-            <a:r>
-              <a:rPr lang="en-US" altLang="ko-KR" sz="2000"/>
-              <a:t>4</a:t>
-            </a:r>
-            <a:endParaRPr lang="ko-KR" altLang="en-US" sz="2000"/>
-          </a:p>
-        </p:txBody>
-      </p:sp>
-      <p:sp>
-        <p:nvSpPr>
-          <p:cNvPr id="17" name="직사각형 16"/>
-          <p:cNvSpPr/>
-          <p:nvPr/>
-        </p:nvSpPr>
-        <p:spPr>
-          <a:xfrm>
-            <a:off x="8667486" y="4024890"/>
-            <a:ext cx="1625601" cy="460482"/>
-          </a:xfrm>
-          <a:prstGeom prst="rect">
-            <a:avLst/>
-          </a:prstGeom>
-        </p:spPr>
-        <p:style>
-          <a:lnRef idx="2">
-            <a:schemeClr val="accent1">
-              <a:shade val="50000"/>
-            </a:schemeClr>
-          </a:lnRef>
-          <a:fillRef idx="1">
-            <a:schemeClr val="accent1"/>
-          </a:fillRef>
-          <a:effectRef idx="0">
-            <a:schemeClr val="accent1"/>
-          </a:effectRef>
-          <a:fontRef idx="minor">
-            <a:schemeClr val="lt1"/>
-          </a:fontRef>
-        </p:style>
-        <p:txBody>
-          <a:bodyPr rtlCol="0" anchor="ctr"/>
-          <a:lstStyle/>
-          <a:p>
-            <a:pPr algn="ctr"/>
-            <a:r>
-              <a:rPr lang="ko-KR" altLang="en-US" sz="2000" smtClean="0"/>
-              <a:t>삭제하기</a:t>
-            </a:r>
-            <a:endParaRPr lang="ko-KR" altLang="en-US" sz="2000"/>
+                <a:latin typeface="+mn-ea"/>
+              </a:rPr>
+              <a:t>점</a:t>
+            </a:r>
+            <a:endParaRPr lang="en-US" altLang="ko-KR">
+              <a:latin typeface="+mn-ea"/>
+            </a:endParaRPr>
           </a:p>
         </p:txBody>
       </p:sp>
     </p:spTree>
     <p:extLst>
       <p:ext uri="{BB962C8B-B14F-4D97-AF65-F5344CB8AC3E}">
-        <p14:creationId xmlns:p14="http://schemas.microsoft.com/office/powerpoint/2010/main" val="1629530748"/>
+        <p14:creationId xmlns:p14="http://schemas.microsoft.com/office/powerpoint/2010/main" val="2484256157"/>
       </p:ext>
     </p:extLst>
   </p:cSld>
@@ -6969,14 +6951,14 @@
       </p:grpSpPr>
       <p:sp>
         <p:nvSpPr>
-          <p:cNvPr id="4" name="TextBox 3"/>
+          <p:cNvPr id="5" name="TextBox 4"/>
           <p:cNvSpPr txBox="1"/>
           <p:nvPr/>
         </p:nvSpPr>
         <p:spPr>
           <a:xfrm>
-            <a:off x="361963" y="315410"/>
-            <a:ext cx="8406116" cy="369332"/>
+            <a:off x="1483360" y="958261"/>
+            <a:ext cx="9438640" cy="938719"/>
           </a:xfrm>
           <a:prstGeom prst="rect">
             <a:avLst/>
@@ -6989,35 +6971,26 @@
           </a:bodyPr>
           <a:lstStyle/>
           <a:p>
-            <a:r>
-              <a:rPr lang="ko-KR" altLang="en-US" smtClean="0">
+            <a:pPr algn="ctr">
+              <a:lnSpc>
+                <a:spcPct val="150000"/>
+              </a:lnSpc>
+            </a:pPr>
+            <a:r>
+              <a:rPr lang="ko-KR" altLang="en-US" sz="4000" smtClean="0">
                 <a:latin typeface="+mj-ea"/>
                 <a:ea typeface="+mj-ea"/>
               </a:rPr>
-              <a:t>사용자 </a:t>
-            </a:r>
-            <a:r>
-              <a:rPr lang="en-US" altLang="ko-KR" smtClean="0">
+              <a:t>프로필 관리 </a:t>
+            </a:r>
+            <a:r>
+              <a:rPr lang="en-US" altLang="ko-KR" sz="4000" smtClean="0">
                 <a:latin typeface="+mj-ea"/>
                 <a:ea typeface="+mj-ea"/>
               </a:rPr>
-              <a:t>User &gt;</a:t>
-            </a:r>
-            <a:r>
-              <a:rPr lang="ko-KR" altLang="en-US" smtClean="0">
-                <a:latin typeface="+mj-ea"/>
-                <a:ea typeface="+mj-ea"/>
-              </a:rPr>
-              <a:t> 사용자 등록 </a:t>
-            </a:r>
-            <a:r>
-              <a:rPr lang="en-US" altLang="ko-KR" smtClean="0">
-                <a:latin typeface="+mj-ea"/>
-                <a:ea typeface="+mj-ea"/>
-              </a:rPr>
-              <a:t>User Registeration &gt;</a:t>
-            </a:r>
-            <a:endParaRPr lang="ko-KR" altLang="en-US">
+              <a:t>Management</a:t>
+            </a:r>
+            <a:endParaRPr lang="en-US" altLang="ko-KR" sz="2800" smtClean="0">
               <a:latin typeface="+mj-ea"/>
               <a:ea typeface="+mj-ea"/>
             </a:endParaRPr>
@@ -7100,133 +7073,18 @@
       </p:sp>
       <p:sp>
         <p:nvSpPr>
-          <p:cNvPr id="20" name="직사각형 19"/>
+          <p:cNvPr id="27" name="직사각형 26"/>
           <p:cNvSpPr/>
           <p:nvPr/>
         </p:nvSpPr>
         <p:spPr>
           <a:xfrm>
-            <a:off x="4278162" y="3101217"/>
-            <a:ext cx="925253" cy="515526"/>
-          </a:xfrm>
-          <a:prstGeom prst="rect">
-            <a:avLst/>
-          </a:prstGeom>
-        </p:spPr>
-        <p:txBody>
-          <a:bodyPr wrap="none">
-            <a:spAutoFit/>
-          </a:bodyPr>
-          <a:lstStyle/>
-          <a:p>
-            <a:pPr>
-              <a:lnSpc>
-                <a:spcPct val="150000"/>
-              </a:lnSpc>
-            </a:pPr>
-            <a:r>
-              <a:rPr lang="ko-KR" altLang="en-US" sz="2000" smtClean="0">
-                <a:latin typeface="+mj-ea"/>
-              </a:rPr>
-              <a:t>아이디</a:t>
-            </a:r>
-            <a:endParaRPr lang="en-US" altLang="ko-KR" sz="2000">
-              <a:latin typeface="+mj-ea"/>
-            </a:endParaRPr>
-          </a:p>
-        </p:txBody>
-      </p:sp>
-      <p:sp>
-        <p:nvSpPr>
-          <p:cNvPr id="21" name="직사각형 20"/>
-          <p:cNvSpPr/>
-          <p:nvPr/>
-        </p:nvSpPr>
-        <p:spPr>
-          <a:xfrm>
-            <a:off x="4278162" y="3719063"/>
-            <a:ext cx="1406358" cy="515526"/>
-          </a:xfrm>
-          <a:prstGeom prst="rect">
-            <a:avLst/>
-          </a:prstGeom>
-        </p:spPr>
-        <p:txBody>
-          <a:bodyPr wrap="square">
-            <a:spAutoFit/>
-          </a:bodyPr>
-          <a:lstStyle/>
-          <a:p>
-            <a:pPr>
-              <a:lnSpc>
-                <a:spcPct val="150000"/>
-              </a:lnSpc>
-            </a:pPr>
-            <a:r>
-              <a:rPr lang="ko-KR" altLang="en-US" sz="2000" smtClean="0">
-                <a:latin typeface="+mj-ea"/>
-              </a:rPr>
-              <a:t>비밀번호</a:t>
-            </a:r>
-            <a:endParaRPr lang="en-US" altLang="ko-KR" sz="2000">
-              <a:latin typeface="+mj-ea"/>
-            </a:endParaRPr>
-          </a:p>
-        </p:txBody>
-      </p:sp>
-      <p:sp>
-        <p:nvSpPr>
-          <p:cNvPr id="24" name="직사각형 23"/>
-          <p:cNvSpPr/>
-          <p:nvPr/>
-        </p:nvSpPr>
-        <p:spPr>
-          <a:xfrm>
-            <a:off x="3298069" y="4981716"/>
-            <a:ext cx="5809222" cy="515526"/>
-          </a:xfrm>
-          <a:prstGeom prst="rect">
-            <a:avLst/>
-          </a:prstGeom>
-        </p:spPr>
-        <p:txBody>
-          <a:bodyPr wrap="square">
-            <a:spAutoFit/>
-          </a:bodyPr>
-          <a:lstStyle/>
-          <a:p>
-            <a:pPr algn="ctr">
-              <a:lnSpc>
-                <a:spcPct val="150000"/>
-              </a:lnSpc>
-            </a:pPr>
-            <a:r>
-              <a:rPr lang="ko-KR" altLang="en-US" sz="2000" smtClean="0">
-                <a:latin typeface="+mj-ea"/>
-              </a:rPr>
-              <a:t>회원가입은 웹페이지에서 진행해 주세요</a:t>
-            </a:r>
-            <a:endParaRPr lang="en-US" altLang="ko-KR" sz="2000">
-              <a:latin typeface="+mj-ea"/>
-            </a:endParaRPr>
-          </a:p>
-        </p:txBody>
-      </p:sp>
-      <p:sp>
-        <p:nvSpPr>
-          <p:cNvPr id="25" name="직사각형 24"/>
-          <p:cNvSpPr/>
-          <p:nvPr/>
-        </p:nvSpPr>
-        <p:spPr>
-          <a:xfrm>
-            <a:off x="5538695" y="3169628"/>
-            <a:ext cx="2660425" cy="399614"/>
-          </a:xfrm>
-          <a:prstGeom prst="rect">
-            <a:avLst/>
-          </a:prstGeom>
-          <a:noFill/>
+            <a:off x="2413802" y="2411058"/>
+            <a:ext cx="1625601" cy="1464011"/>
+          </a:xfrm>
+          <a:prstGeom prst="rect">
+            <a:avLst/>
+          </a:prstGeom>
         </p:spPr>
         <p:style>
           <a:lnRef idx="2">
@@ -7250,28 +7108,31 @@
           <a:p>
             <a:pPr algn="ctr"/>
             <a:r>
-              <a:rPr lang="ko-KR" altLang="en-US" sz="1400" smtClean="0"/>
-              <a:t>뒤로가기</a:t>
-            </a:r>
-            <a:endParaRPr lang="ko-KR" altLang="en-US" sz="1400"/>
-          </a:p>
-        </p:txBody>
-      </p:sp>
-      <p:sp>
-        <p:nvSpPr>
-          <p:cNvPr id="26" name="직사각형 25"/>
+              <a:rPr lang="ko-KR" altLang="en-US" sz="2000" smtClean="0"/>
+              <a:t>프로필 </a:t>
+            </a:r>
+            <a:r>
+              <a:rPr lang="en-US" altLang="ko-KR" sz="2000" smtClean="0"/>
+              <a:t>1</a:t>
+            </a:r>
+            <a:endParaRPr lang="ko-KR" altLang="en-US" sz="2000"/>
+          </a:p>
+        </p:txBody>
+      </p:sp>
+      <p:sp>
+        <p:nvSpPr>
+          <p:cNvPr id="28" name="직사각형 27"/>
           <p:cNvSpPr/>
           <p:nvPr/>
         </p:nvSpPr>
         <p:spPr>
           <a:xfrm>
-            <a:off x="5538694" y="3777019"/>
-            <a:ext cx="2660425" cy="399614"/>
-          </a:xfrm>
-          <a:prstGeom prst="rect">
-            <a:avLst/>
-          </a:prstGeom>
-          <a:noFill/>
+            <a:off x="4498364" y="2411057"/>
+            <a:ext cx="1625601" cy="1464011"/>
+          </a:xfrm>
+          <a:prstGeom prst="rect">
+            <a:avLst/>
+          </a:prstGeom>
         </p:spPr>
         <p:style>
           <a:lnRef idx="2">
@@ -7295,31 +7156,126 @@
           <a:p>
             <a:pPr algn="ctr"/>
             <a:r>
-              <a:rPr lang="ko-KR" altLang="en-US" sz="1400" smtClean="0"/>
-              <a:t>뒤로가기</a:t>
-            </a:r>
-            <a:endParaRPr lang="ko-KR" altLang="en-US" sz="1400"/>
-          </a:p>
-        </p:txBody>
-      </p:sp>
-      <p:sp>
-        <p:nvSpPr>
-          <p:cNvPr id="11" name="TextBox 10"/>
-          <p:cNvSpPr txBox="1"/>
-          <p:nvPr/>
-        </p:nvSpPr>
-        <p:spPr>
-          <a:xfrm>
-            <a:off x="1483360" y="958261"/>
-            <a:ext cx="9438640" cy="1846659"/>
-          </a:xfrm>
-          <a:prstGeom prst="rect">
-            <a:avLst/>
-          </a:prstGeom>
-          <a:noFill/>
-        </p:spPr>
-        <p:txBody>
-          <a:bodyPr wrap="square" rtlCol="0">
+              <a:rPr lang="ko-KR" altLang="en-US" sz="2000" smtClean="0"/>
+              <a:t>프로필 </a:t>
+            </a:r>
+            <a:r>
+              <a:rPr lang="en-US" altLang="ko-KR" sz="2000" smtClean="0"/>
+              <a:t>2</a:t>
+            </a:r>
+            <a:endParaRPr lang="ko-KR" altLang="en-US" sz="2000"/>
+          </a:p>
+        </p:txBody>
+      </p:sp>
+      <p:sp>
+        <p:nvSpPr>
+          <p:cNvPr id="29" name="직사각형 28"/>
+          <p:cNvSpPr/>
+          <p:nvPr/>
+        </p:nvSpPr>
+        <p:spPr>
+          <a:xfrm>
+            <a:off x="6582926" y="2411056"/>
+            <a:ext cx="1625601" cy="1464011"/>
+          </a:xfrm>
+          <a:prstGeom prst="rect">
+            <a:avLst/>
+          </a:prstGeom>
+        </p:spPr>
+        <p:style>
+          <a:lnRef idx="2">
+            <a:schemeClr val="accent1">
+              <a:shade val="50000"/>
+            </a:schemeClr>
+          </a:lnRef>
+          <a:fillRef idx="1">
+            <a:schemeClr val="accent1"/>
+          </a:fillRef>
+          <a:effectRef idx="0">
+            <a:schemeClr val="accent1"/>
+          </a:effectRef>
+          <a:fontRef idx="minor">
+            <a:schemeClr val="lt1"/>
+          </a:fontRef>
+        </p:style>
+        <p:txBody>
+          <a:bodyPr rtlCol="0" anchor="ctr"/>
+          <a:lstStyle/>
+          <a:p>
+            <a:pPr algn="ctr"/>
+            <a:r>
+              <a:rPr lang="ko-KR" altLang="en-US" sz="2000" smtClean="0"/>
+              <a:t>프로필 </a:t>
+            </a:r>
+            <a:r>
+              <a:rPr lang="en-US" altLang="ko-KR" sz="2000" smtClean="0"/>
+              <a:t>3</a:t>
+            </a:r>
+            <a:endParaRPr lang="ko-KR" altLang="en-US" sz="2000"/>
+          </a:p>
+        </p:txBody>
+      </p:sp>
+      <p:sp>
+        <p:nvSpPr>
+          <p:cNvPr id="30" name="직사각형 29"/>
+          <p:cNvSpPr/>
+          <p:nvPr/>
+        </p:nvSpPr>
+        <p:spPr>
+          <a:xfrm>
+            <a:off x="2413801" y="4014148"/>
+            <a:ext cx="1625601" cy="460482"/>
+          </a:xfrm>
+          <a:prstGeom prst="rect">
+            <a:avLst/>
+          </a:prstGeom>
+        </p:spPr>
+        <p:style>
+          <a:lnRef idx="2">
+            <a:schemeClr val="accent1">
+              <a:shade val="50000"/>
+            </a:schemeClr>
+          </a:lnRef>
+          <a:fillRef idx="1">
+            <a:schemeClr val="accent1"/>
+          </a:fillRef>
+          <a:effectRef idx="0">
+            <a:schemeClr val="accent1"/>
+          </a:effectRef>
+          <a:fontRef idx="minor">
+            <a:schemeClr val="lt1"/>
+          </a:fontRef>
+        </p:style>
+        <p:txBody>
+          <a:bodyPr rtlCol="0" anchor="ctr"/>
+          <a:lstStyle/>
+          <a:p>
+            <a:pPr algn="ctr"/>
+            <a:r>
+              <a:rPr lang="ko-KR" altLang="en-US" sz="2000" smtClean="0"/>
+              <a:t>삭제하기</a:t>
+            </a:r>
+            <a:endParaRPr lang="ko-KR" altLang="en-US" sz="2000"/>
+          </a:p>
+        </p:txBody>
+      </p:sp>
+      <p:sp>
+        <p:nvSpPr>
+          <p:cNvPr id="31" name="직사각형 30"/>
+          <p:cNvSpPr/>
+          <p:nvPr/>
+        </p:nvSpPr>
+        <p:spPr>
+          <a:xfrm>
+            <a:off x="3298069" y="4702583"/>
+            <a:ext cx="5809222" cy="1015663"/>
+          </a:xfrm>
+          <a:prstGeom prst="rect">
+            <a:avLst/>
+          </a:prstGeom>
+        </p:spPr>
+        <p:txBody>
+          <a:bodyPr wrap="square">
             <a:spAutoFit/>
           </a:bodyPr>
           <a:lstStyle/>
@@ -7329,16 +7285,8 @@
                 <a:spcPct val="150000"/>
               </a:lnSpc>
             </a:pPr>
-            <a:r>
-              <a:rPr lang="ko-KR" altLang="en-US" sz="4000" smtClean="0">
-                <a:latin typeface="+mj-ea"/>
-                <a:ea typeface="+mj-ea"/>
-              </a:rPr>
-              <a:t>프로그램명</a:t>
-            </a:r>
-            <a:endParaRPr lang="en-US" altLang="ko-KR" sz="4000" smtClean="0">
+            <a:endParaRPr lang="en-US" altLang="ko-KR" sz="2000" smtClean="0">
               <a:latin typeface="+mj-ea"/>
-              <a:ea typeface="+mj-ea"/>
             </a:endParaRPr>
           </a:p>
           <a:p>
@@ -7347,35 +7295,262 @@
                 <a:spcPct val="150000"/>
               </a:lnSpc>
             </a:pPr>
-            <a:endParaRPr lang="en-US" altLang="ko-KR" sz="600">
+            <a:r>
+              <a:rPr lang="ko-KR" altLang="en-US" sz="2000" smtClean="0">
+                <a:latin typeface="+mj-ea"/>
+              </a:rPr>
+              <a:t>내 계정 로그아웃 ▶</a:t>
+            </a:r>
+            <a:endParaRPr lang="en-US" altLang="ko-KR" sz="2000">
               <a:latin typeface="+mj-ea"/>
-              <a:ea typeface="+mj-ea"/>
             </a:endParaRPr>
           </a:p>
-          <a:p>
-            <a:pPr algn="ctr">
-              <a:lnSpc>
-                <a:spcPct val="150000"/>
-              </a:lnSpc>
-            </a:pPr>
-            <a:r>
-              <a:rPr lang="ko-KR" altLang="en-US" sz="2800" smtClean="0">
+        </p:txBody>
+      </p:sp>
+      <p:sp>
+        <p:nvSpPr>
+          <p:cNvPr id="12" name="직사각형 11"/>
+          <p:cNvSpPr/>
+          <p:nvPr/>
+        </p:nvSpPr>
+        <p:spPr>
+          <a:xfrm>
+            <a:off x="4498363" y="4024890"/>
+            <a:ext cx="1625601" cy="460482"/>
+          </a:xfrm>
+          <a:prstGeom prst="rect">
+            <a:avLst/>
+          </a:prstGeom>
+        </p:spPr>
+        <p:style>
+          <a:lnRef idx="2">
+            <a:schemeClr val="accent1">
+              <a:shade val="50000"/>
+            </a:schemeClr>
+          </a:lnRef>
+          <a:fillRef idx="1">
+            <a:schemeClr val="accent1"/>
+          </a:fillRef>
+          <a:effectRef idx="0">
+            <a:schemeClr val="accent1"/>
+          </a:effectRef>
+          <a:fontRef idx="minor">
+            <a:schemeClr val="lt1"/>
+          </a:fontRef>
+        </p:style>
+        <p:txBody>
+          <a:bodyPr rtlCol="0" anchor="ctr"/>
+          <a:lstStyle/>
+          <a:p>
+            <a:pPr algn="ctr"/>
+            <a:r>
+              <a:rPr lang="ko-KR" altLang="en-US" sz="2000" smtClean="0"/>
+              <a:t>삭제하기</a:t>
+            </a:r>
+            <a:endParaRPr lang="ko-KR" altLang="en-US" sz="2000"/>
+          </a:p>
+        </p:txBody>
+      </p:sp>
+      <p:sp>
+        <p:nvSpPr>
+          <p:cNvPr id="13" name="직사각형 12"/>
+          <p:cNvSpPr/>
+          <p:nvPr/>
+        </p:nvSpPr>
+        <p:spPr>
+          <a:xfrm>
+            <a:off x="6582925" y="4014146"/>
+            <a:ext cx="1625601" cy="460482"/>
+          </a:xfrm>
+          <a:prstGeom prst="rect">
+            <a:avLst/>
+          </a:prstGeom>
+        </p:spPr>
+        <p:style>
+          <a:lnRef idx="2">
+            <a:schemeClr val="accent1">
+              <a:shade val="50000"/>
+            </a:schemeClr>
+          </a:lnRef>
+          <a:fillRef idx="1">
+            <a:schemeClr val="accent1"/>
+          </a:fillRef>
+          <a:effectRef idx="0">
+            <a:schemeClr val="accent1"/>
+          </a:effectRef>
+          <a:fontRef idx="minor">
+            <a:schemeClr val="lt1"/>
+          </a:fontRef>
+        </p:style>
+        <p:txBody>
+          <a:bodyPr rtlCol="0" anchor="ctr"/>
+          <a:lstStyle/>
+          <a:p>
+            <a:pPr algn="ctr"/>
+            <a:r>
+              <a:rPr lang="ko-KR" altLang="en-US" sz="2000" smtClean="0"/>
+              <a:t>삭제하기</a:t>
+            </a:r>
+            <a:endParaRPr lang="ko-KR" altLang="en-US" sz="2000"/>
+          </a:p>
+        </p:txBody>
+      </p:sp>
+      <p:sp>
+        <p:nvSpPr>
+          <p:cNvPr id="15" name="TextBox 14"/>
+          <p:cNvSpPr txBox="1"/>
+          <p:nvPr/>
+        </p:nvSpPr>
+        <p:spPr>
+          <a:xfrm>
+            <a:off x="361963" y="315410"/>
+            <a:ext cx="8406116" cy="369332"/>
+          </a:xfrm>
+          <a:prstGeom prst="rect">
+            <a:avLst/>
+          </a:prstGeom>
+          <a:noFill/>
+        </p:spPr>
+        <p:txBody>
+          <a:bodyPr wrap="square" rtlCol="0">
+            <a:spAutoFit/>
+          </a:bodyPr>
+          <a:lstStyle/>
+          <a:p>
+            <a:r>
+              <a:rPr lang="ko-KR" altLang="en-US">
                 <a:latin typeface="+mj-ea"/>
                 <a:ea typeface="+mj-ea"/>
               </a:rPr>
-              <a:t>사용자를 등록해 주세요</a:t>
-            </a:r>
-            <a:endParaRPr lang="en-US" altLang="ko-KR" sz="2800" smtClean="0">
-              <a:latin typeface="+mj-ea"/>
-              <a:ea typeface="+mj-ea"/>
-            </a:endParaRPr>
+              <a:t>프로필 </a:t>
+            </a:r>
+            <a:r>
+              <a:rPr lang="en-US" altLang="ko-KR">
+                <a:latin typeface="+mj-ea"/>
+                <a:ea typeface="+mj-ea"/>
+              </a:rPr>
+              <a:t>Profile </a:t>
+            </a:r>
+            <a:r>
+              <a:rPr lang="en-US" altLang="ko-KR" smtClean="0">
+                <a:latin typeface="+mj-ea"/>
+                <a:ea typeface="+mj-ea"/>
+              </a:rPr>
+              <a:t>&gt; </a:t>
+            </a:r>
+            <a:r>
+              <a:rPr lang="ko-KR" altLang="en-US" smtClean="0">
+                <a:latin typeface="+mj-ea"/>
+                <a:ea typeface="+mj-ea"/>
+              </a:rPr>
+              <a:t>프로필 관리 </a:t>
+            </a:r>
+            <a:r>
+              <a:rPr lang="en-US" altLang="ko-KR" smtClean="0">
+                <a:latin typeface="+mj-ea"/>
+                <a:ea typeface="+mj-ea"/>
+              </a:rPr>
+              <a:t>Management</a:t>
+            </a:r>
+          </a:p>
+        </p:txBody>
+      </p:sp>
+      <p:sp>
+        <p:nvSpPr>
+          <p:cNvPr id="16" name="직사각형 15"/>
+          <p:cNvSpPr/>
+          <p:nvPr/>
+        </p:nvSpPr>
+        <p:spPr>
+          <a:xfrm>
+            <a:off x="8667486" y="2405758"/>
+            <a:ext cx="1625601" cy="1464011"/>
+          </a:xfrm>
+          <a:prstGeom prst="rect">
+            <a:avLst/>
+          </a:prstGeom>
+        </p:spPr>
+        <p:style>
+          <a:lnRef idx="2">
+            <a:schemeClr val="accent1">
+              <a:shade val="50000"/>
+            </a:schemeClr>
+          </a:lnRef>
+          <a:fillRef idx="1">
+            <a:schemeClr val="accent1"/>
+          </a:fillRef>
+          <a:effectRef idx="0">
+            <a:schemeClr val="accent1"/>
+          </a:effectRef>
+          <a:fontRef idx="minor">
+            <a:schemeClr val="lt1"/>
+          </a:fontRef>
+        </p:style>
+        <p:txBody>
+          <a:bodyPr rtlCol="0" anchor="ctr"/>
+          <a:lstStyle/>
+          <a:p>
+            <a:pPr algn="ctr"/>
+            <a:r>
+              <a:rPr lang="ko-KR" altLang="en-US" sz="2000" smtClean="0"/>
+              <a:t>프로필 </a:t>
+            </a:r>
+            <a:r>
+              <a:rPr lang="en-US" altLang="ko-KR" sz="2000"/>
+              <a:t>4</a:t>
+            </a:r>
+            <a:endParaRPr lang="ko-KR" altLang="en-US" sz="2000"/>
+          </a:p>
+        </p:txBody>
+      </p:sp>
+      <p:sp>
+        <p:nvSpPr>
+          <p:cNvPr id="17" name="직사각형 16"/>
+          <p:cNvSpPr/>
+          <p:nvPr/>
+        </p:nvSpPr>
+        <p:spPr>
+          <a:xfrm>
+            <a:off x="8667486" y="4024890"/>
+            <a:ext cx="1625601" cy="460482"/>
+          </a:xfrm>
+          <a:prstGeom prst="rect">
+            <a:avLst/>
+          </a:prstGeom>
+        </p:spPr>
+        <p:style>
+          <a:lnRef idx="2">
+            <a:schemeClr val="accent1">
+              <a:shade val="50000"/>
+            </a:schemeClr>
+          </a:lnRef>
+          <a:fillRef idx="1">
+            <a:schemeClr val="accent1"/>
+          </a:fillRef>
+          <a:effectRef idx="0">
+            <a:schemeClr val="accent1"/>
+          </a:effectRef>
+          <a:fontRef idx="minor">
+            <a:schemeClr val="lt1"/>
+          </a:fontRef>
+        </p:style>
+        <p:txBody>
+          <a:bodyPr rtlCol="0" anchor="ctr"/>
+          <a:lstStyle/>
+          <a:p>
+            <a:pPr algn="ctr"/>
+            <a:r>
+              <a:rPr lang="ko-KR" altLang="en-US" sz="2000" smtClean="0"/>
+              <a:t>삭제하기</a:t>
+            </a:r>
+            <a:endParaRPr lang="ko-KR" altLang="en-US" sz="2000"/>
           </a:p>
         </p:txBody>
       </p:sp>
     </p:spTree>
     <p:extLst>
       <p:ext uri="{BB962C8B-B14F-4D97-AF65-F5344CB8AC3E}">
-        <p14:creationId xmlns:p14="http://schemas.microsoft.com/office/powerpoint/2010/main" val="1960045758"/>
+        <p14:creationId xmlns:p14="http://schemas.microsoft.com/office/powerpoint/2010/main" val="1629530748"/>
       </p:ext>
     </p:extLst>
   </p:cSld>
@@ -7436,89 +7611,29 @@
                 <a:latin typeface="+mj-ea"/>
                 <a:ea typeface="+mj-ea"/>
               </a:rPr>
-              <a:t>회원가입</a:t>
+              <a:t>메인화면 </a:t>
             </a:r>
             <a:r>
               <a:rPr lang="en-US" altLang="ko-KR" smtClean="0">
                 <a:latin typeface="+mj-ea"/>
                 <a:ea typeface="+mj-ea"/>
               </a:rPr>
-              <a:t> Sign In &gt;</a:t>
-            </a:r>
-            <a:endParaRPr lang="ko-KR" altLang="en-US">
-              <a:latin typeface="+mj-ea"/>
-              <a:ea typeface="+mj-ea"/>
-            </a:endParaRPr>
-          </a:p>
-        </p:txBody>
-      </p:sp>
-      <p:sp>
-        <p:nvSpPr>
-          <p:cNvPr id="5" name="TextBox 4"/>
-          <p:cNvSpPr txBox="1"/>
-          <p:nvPr/>
-        </p:nvSpPr>
-        <p:spPr>
-          <a:xfrm>
-            <a:off x="1483360" y="958261"/>
-            <a:ext cx="9438640" cy="1846659"/>
-          </a:xfrm>
-          <a:prstGeom prst="rect">
-            <a:avLst/>
-          </a:prstGeom>
-          <a:noFill/>
-        </p:spPr>
-        <p:txBody>
-          <a:bodyPr wrap="square" rtlCol="0">
-            <a:spAutoFit/>
-          </a:bodyPr>
-          <a:lstStyle/>
-          <a:p>
-            <a:pPr algn="ctr">
-              <a:lnSpc>
-                <a:spcPct val="150000"/>
-              </a:lnSpc>
-            </a:pPr>
-            <a:r>
-              <a:rPr lang="ko-KR" altLang="en-US" sz="4000" smtClean="0">
+              <a:t>Main</a:t>
+            </a:r>
+            <a:r>
+              <a:rPr lang="ko-KR" altLang="en-US" smtClean="0">
                 <a:latin typeface="+mj-ea"/>
                 <a:ea typeface="+mj-ea"/>
               </a:rPr>
-              <a:t>프로그램명</a:t>
-            </a:r>
-            <a:endParaRPr lang="en-US" altLang="ko-KR" sz="4000" smtClean="0">
-              <a:latin typeface="+mj-ea"/>
-              <a:ea typeface="+mj-ea"/>
-            </a:endParaRPr>
-          </a:p>
-          <a:p>
-            <a:pPr algn="ctr">
-              <a:lnSpc>
-                <a:spcPct val="150000"/>
-              </a:lnSpc>
-            </a:pPr>
-            <a:endParaRPr lang="en-US" altLang="ko-KR" sz="600">
-              <a:latin typeface="+mj-ea"/>
-              <a:ea typeface="+mj-ea"/>
-            </a:endParaRPr>
-          </a:p>
-          <a:p>
-            <a:pPr algn="ctr">
-              <a:lnSpc>
-                <a:spcPct val="150000"/>
-              </a:lnSpc>
-            </a:pPr>
-            <a:r>
-              <a:rPr lang="ko-KR" altLang="en-US" sz="2800" smtClean="0">
+              <a:t> </a:t>
+            </a:r>
+            <a:r>
+              <a:rPr lang="en-US" altLang="ko-KR" smtClean="0">
                 <a:latin typeface="+mj-ea"/>
                 <a:ea typeface="+mj-ea"/>
               </a:rPr>
-              <a:t>사용자를 등록해 주세요</a:t>
-            </a:r>
-            <a:endParaRPr lang="en-US" altLang="ko-KR" sz="2800" smtClean="0">
-              <a:latin typeface="+mj-ea"/>
-              <a:ea typeface="+mj-ea"/>
-            </a:endParaRPr>
+              <a:t>&gt;</a:t>
+            </a:r>
           </a:p>
         </p:txBody>
       </p:sp>
@@ -7598,95 +7713,18 @@
       </p:sp>
       <p:sp>
         <p:nvSpPr>
-          <p:cNvPr id="20" name="직사각형 19"/>
+          <p:cNvPr id="27" name="직사각형 26"/>
           <p:cNvSpPr/>
           <p:nvPr/>
         </p:nvSpPr>
         <p:spPr>
           <a:xfrm>
-            <a:off x="3887928" y="2870864"/>
-            <a:ext cx="2077526" cy="553998"/>
-          </a:xfrm>
-          <a:prstGeom prst="rect">
-            <a:avLst/>
-          </a:prstGeom>
-        </p:spPr>
-        <p:txBody>
-          <a:bodyPr wrap="none">
-            <a:spAutoFit/>
-          </a:bodyPr>
-          <a:lstStyle/>
-          <a:p>
-            <a:pPr>
-              <a:lnSpc>
-                <a:spcPct val="150000"/>
-              </a:lnSpc>
-            </a:pPr>
-            <a:r>
-              <a:rPr lang="ko-KR" altLang="en-US" sz="2000" smtClean="0">
-                <a:latin typeface="+mj-ea"/>
-              </a:rPr>
-              <a:t>시리얼넘버</a:t>
-            </a:r>
-            <a:endParaRPr lang="en-US" altLang="ko-KR" sz="2000">
-              <a:latin typeface="+mj-ea"/>
-            </a:endParaRPr>
-          </a:p>
-        </p:txBody>
-      </p:sp>
-      <p:sp>
-        <p:nvSpPr>
-          <p:cNvPr id="21" name="직사각형 20"/>
-          <p:cNvSpPr/>
-          <p:nvPr/>
-        </p:nvSpPr>
-        <p:spPr>
-          <a:xfrm>
-            <a:off x="3912672" y="3444345"/>
-            <a:ext cx="2059048" cy="515526"/>
-          </a:xfrm>
-          <a:prstGeom prst="rect">
-            <a:avLst/>
-          </a:prstGeom>
-        </p:spPr>
-        <p:txBody>
-          <a:bodyPr wrap="square">
-            <a:spAutoFit/>
-          </a:bodyPr>
-          <a:lstStyle/>
-          <a:p>
-            <a:pPr>
-              <a:lnSpc>
-                <a:spcPct val="150000"/>
-              </a:lnSpc>
-            </a:pPr>
-            <a:r>
-              <a:rPr lang="ko-KR" altLang="en-US" sz="2000" smtClean="0">
-                <a:latin typeface="+mj-ea"/>
-              </a:rPr>
-              <a:t>아이디</a:t>
-            </a:r>
-            <a:endParaRPr lang="en-US" altLang="ko-KR" sz="2000">
-              <a:latin typeface="+mj-ea"/>
-            </a:endParaRPr>
-          </a:p>
-        </p:txBody>
-      </p:sp>
-      <p:sp>
-        <p:nvSpPr>
-          <p:cNvPr id="25" name="직사각형 24"/>
-          <p:cNvSpPr/>
-          <p:nvPr/>
-        </p:nvSpPr>
-        <p:spPr>
-          <a:xfrm>
-            <a:off x="5736814" y="2914049"/>
-            <a:ext cx="2660425" cy="399614"/>
-          </a:xfrm>
-          <a:prstGeom prst="rect">
-            <a:avLst/>
-          </a:prstGeom>
-          <a:noFill/>
+            <a:off x="3007360" y="2197766"/>
+            <a:ext cx="6008303" cy="746858"/>
+          </a:xfrm>
+          <a:prstGeom prst="rect">
+            <a:avLst/>
+          </a:prstGeom>
         </p:spPr>
         <p:style>
           <a:lnRef idx="2">
@@ -7710,28 +7748,27 @@
           <a:p>
             <a:pPr algn="ctr"/>
             <a:r>
-              <a:rPr lang="ko-KR" altLang="en-US" sz="1400" smtClean="0"/>
-              <a:t>뒤로가기</a:t>
-            </a:r>
-            <a:endParaRPr lang="ko-KR" altLang="en-US" sz="1400"/>
-          </a:p>
-        </p:txBody>
-      </p:sp>
-      <p:sp>
-        <p:nvSpPr>
-          <p:cNvPr id="26" name="직사각형 25"/>
+              <a:rPr lang="ko-KR" altLang="en-US" sz="3200" smtClean="0"/>
+              <a:t>동화 선택</a:t>
+            </a:r>
+            <a:endParaRPr lang="ko-KR" altLang="en-US" sz="3200"/>
+          </a:p>
+        </p:txBody>
+      </p:sp>
+      <p:sp>
+        <p:nvSpPr>
+          <p:cNvPr id="11" name="직사각형 10"/>
           <p:cNvSpPr/>
           <p:nvPr/>
         </p:nvSpPr>
         <p:spPr>
           <a:xfrm>
-            <a:off x="5736814" y="3493704"/>
-            <a:ext cx="2660425" cy="399614"/>
-          </a:xfrm>
-          <a:prstGeom prst="rect">
-            <a:avLst/>
-          </a:prstGeom>
-          <a:noFill/>
+            <a:off x="3007359" y="3346780"/>
+            <a:ext cx="6008303" cy="746858"/>
+          </a:xfrm>
+          <a:prstGeom prst="rect">
+            <a:avLst/>
+          </a:prstGeom>
         </p:spPr>
         <p:style>
           <a:lnRef idx="2">
@@ -7755,48 +7792,10 @@
           <a:p>
             <a:pPr algn="ctr"/>
             <a:r>
-              <a:rPr lang="ko-KR" altLang="en-US" sz="1400" smtClean="0"/>
-              <a:t>뒤로가기</a:t>
-            </a:r>
-            <a:endParaRPr lang="ko-KR" altLang="en-US" sz="1400"/>
-          </a:p>
-        </p:txBody>
-      </p:sp>
-      <p:sp>
-        <p:nvSpPr>
-          <p:cNvPr id="11" name="직사각형 10"/>
-          <p:cNvSpPr/>
-          <p:nvPr/>
-        </p:nvSpPr>
-        <p:spPr>
-          <a:xfrm>
-            <a:off x="3945212" y="4040350"/>
-            <a:ext cx="1716096" cy="553998"/>
-          </a:xfrm>
-          <a:prstGeom prst="rect">
-            <a:avLst/>
-          </a:prstGeom>
-        </p:spPr>
-        <p:txBody>
-          <a:bodyPr wrap="none">
-            <a:spAutoFit/>
-          </a:bodyPr>
-          <a:lstStyle/>
-          <a:p>
-            <a:pPr>
-              <a:lnSpc>
-                <a:spcPct val="150000"/>
-              </a:lnSpc>
-            </a:pPr>
-            <a:r>
-              <a:rPr lang="ko-KR" altLang="en-US" sz="2000" smtClean="0">
-                <a:latin typeface="+mj-ea"/>
-              </a:rPr>
-              <a:t>비밀번호</a:t>
-            </a:r>
-            <a:endParaRPr lang="en-US" altLang="ko-KR" sz="2000">
-              <a:latin typeface="+mj-ea"/>
-            </a:endParaRPr>
+              <a:rPr lang="ko-KR" altLang="en-US" sz="3200" smtClean="0"/>
+              <a:t>마이 페이지</a:t>
+            </a:r>
+            <a:endParaRPr lang="ko-KR" altLang="en-US" sz="3200"/>
           </a:p>
         </p:txBody>
       </p:sp>
@@ -7808,51 +7807,12 @@
         </p:nvSpPr>
         <p:spPr>
           <a:xfrm>
-            <a:off x="3912672" y="4613831"/>
-            <a:ext cx="2059048" cy="1015663"/>
-          </a:xfrm>
-          <a:prstGeom prst="rect">
-            <a:avLst/>
-          </a:prstGeom>
-        </p:spPr>
-        <p:txBody>
-          <a:bodyPr wrap="square">
-            <a:spAutoFit/>
-          </a:bodyPr>
-          <a:lstStyle/>
-          <a:p>
-            <a:pPr>
-              <a:lnSpc>
-                <a:spcPct val="150000"/>
-              </a:lnSpc>
-            </a:pPr>
-            <a:r>
-              <a:rPr lang="ko-KR" altLang="en-US" sz="2000" smtClean="0">
-                <a:latin typeface="+mj-ea"/>
-              </a:rPr>
-              <a:t>비밀번호 확인</a:t>
-            </a:r>
-            <a:endParaRPr lang="en-US" altLang="ko-KR" sz="2000">
-              <a:latin typeface="+mj-ea"/>
-            </a:endParaRPr>
-          </a:p>
-        </p:txBody>
-      </p:sp>
-      <p:sp>
-        <p:nvSpPr>
-          <p:cNvPr id="13" name="직사각형 12"/>
-          <p:cNvSpPr/>
-          <p:nvPr/>
-        </p:nvSpPr>
-        <p:spPr>
-          <a:xfrm>
-            <a:off x="5736814" y="4083535"/>
-            <a:ext cx="2660425" cy="399614"/>
-          </a:xfrm>
-          <a:prstGeom prst="rect">
-            <a:avLst/>
-          </a:prstGeom>
-          <a:noFill/>
+            <a:off x="3007360" y="4495794"/>
+            <a:ext cx="2880094" cy="746858"/>
+          </a:xfrm>
+          <a:prstGeom prst="rect">
+            <a:avLst/>
+          </a:prstGeom>
         </p:spPr>
         <p:style>
           <a:lnRef idx="2">
@@ -7876,28 +7836,27 @@
           <a:p>
             <a:pPr algn="ctr"/>
             <a:r>
-              <a:rPr lang="ko-KR" altLang="en-US" sz="1400" smtClean="0"/>
-              <a:t>뒤로가기</a:t>
-            </a:r>
-            <a:endParaRPr lang="ko-KR" altLang="en-US" sz="1400"/>
-          </a:p>
-        </p:txBody>
-      </p:sp>
-      <p:sp>
-        <p:nvSpPr>
-          <p:cNvPr id="14" name="직사각형 13"/>
+              <a:rPr lang="ko-KR" altLang="en-US" sz="3200" smtClean="0"/>
+              <a:t>혼자할래요</a:t>
+            </a:r>
+            <a:endParaRPr lang="ko-KR" altLang="en-US" sz="3200"/>
+          </a:p>
+        </p:txBody>
+      </p:sp>
+      <p:sp>
+        <p:nvSpPr>
+          <p:cNvPr id="13" name="직사각형 12"/>
           <p:cNvSpPr/>
           <p:nvPr/>
         </p:nvSpPr>
         <p:spPr>
           <a:xfrm>
-            <a:off x="5736814" y="4663190"/>
-            <a:ext cx="2660425" cy="399614"/>
-          </a:xfrm>
-          <a:prstGeom prst="rect">
-            <a:avLst/>
-          </a:prstGeom>
-          <a:noFill/>
+            <a:off x="6135568" y="4495794"/>
+            <a:ext cx="2880094" cy="746858"/>
+          </a:xfrm>
+          <a:prstGeom prst="rect">
+            <a:avLst/>
+          </a:prstGeom>
         </p:spPr>
         <p:style>
           <a:lnRef idx="2">
@@ -7921,17 +7880,58 @@
           <a:p>
             <a:pPr algn="ctr"/>
             <a:r>
-              <a:rPr lang="ko-KR" altLang="en-US" sz="1400" smtClean="0"/>
-              <a:t>뒤로가기</a:t>
-            </a:r>
-            <a:endParaRPr lang="ko-KR" altLang="en-US" sz="1400"/>
+              <a:rPr lang="ko-KR" altLang="en-US" sz="3200" smtClean="0"/>
+              <a:t>같이할래요</a:t>
+            </a:r>
+            <a:endParaRPr lang="ko-KR" altLang="en-US" sz="3200"/>
+          </a:p>
+        </p:txBody>
+      </p:sp>
+      <p:sp>
+        <p:nvSpPr>
+          <p:cNvPr id="15" name="TextBox 14"/>
+          <p:cNvSpPr txBox="1"/>
+          <p:nvPr/>
+        </p:nvSpPr>
+        <p:spPr>
+          <a:xfrm>
+            <a:off x="1373095" y="971894"/>
+            <a:ext cx="9438640" cy="938719"/>
+          </a:xfrm>
+          <a:prstGeom prst="rect">
+            <a:avLst/>
+          </a:prstGeom>
+          <a:noFill/>
+        </p:spPr>
+        <p:txBody>
+          <a:bodyPr wrap="square" rtlCol="0">
+            <a:spAutoFit/>
+          </a:bodyPr>
+          <a:lstStyle/>
+          <a:p>
+            <a:pPr algn="ctr">
+              <a:lnSpc>
+                <a:spcPct val="150000"/>
+              </a:lnSpc>
+            </a:pPr>
+            <a:r>
+              <a:rPr lang="ko-KR" altLang="en-US" sz="4000" smtClean="0">
+                <a:latin typeface="+mj-ea"/>
+                <a:ea typeface="+mj-ea"/>
+              </a:rPr>
+              <a:t>프로그램명</a:t>
+            </a:r>
+            <a:endParaRPr lang="en-US" altLang="ko-KR" sz="2800" smtClean="0">
+              <a:latin typeface="+mj-ea"/>
+              <a:ea typeface="+mj-ea"/>
+            </a:endParaRPr>
           </a:p>
         </p:txBody>
       </p:sp>
     </p:spTree>
     <p:extLst>
       <p:ext uri="{BB962C8B-B14F-4D97-AF65-F5344CB8AC3E}">
-        <p14:creationId xmlns:p14="http://schemas.microsoft.com/office/powerpoint/2010/main" val="2729126358"/>
+        <p14:creationId xmlns:p14="http://schemas.microsoft.com/office/powerpoint/2010/main" val="1115873725"/>
       </p:ext>
     </p:extLst>
   </p:cSld>
